--- a/ppt/Find Me a Cat presentation v2.pptx
+++ b/ppt/Find Me a Cat presentation v2.pptx
@@ -1,6 +1,6 @@
 
 <file path=ppt/presentation.xml><?xml version="1.0" encoding="utf-8"?>
-<p:presentation xmlns:a="http://schemas.openxmlformats.org/drawingml/2006/main" xmlns:r="http://schemas.openxmlformats.org/officeDocument/2006/relationships" xmlns:p="http://schemas.openxmlformats.org/presentationml/2006/main" showSpecialPlsOnTitleSld="0" embedTrueTypeFonts="1">
+<p:presentation xmlns:a="http://schemas.openxmlformats.org/drawingml/2006/main" xmlns:r="http://schemas.openxmlformats.org/officeDocument/2006/relationships" xmlns:p="http://schemas.openxmlformats.org/presentationml/2006/main" showSpecialPlsOnTitleSld="0" embedTrueTypeFonts="1" saveSubsetFonts="1">
   <p:sldMasterIdLst>
     <p:sldMasterId id="2147483918" r:id="rId1"/>
     <p:sldMasterId id="2147483923" r:id="rId2"/>
@@ -14,7 +14,7 @@
     <p:sldId id="256" r:id="rId5"/>
     <p:sldId id="257" r:id="rId6"/>
     <p:sldId id="258" r:id="rId7"/>
-    <p:sldId id="259" r:id="rId8"/>
+    <p:sldId id="268" r:id="rId8"/>
     <p:sldId id="262" r:id="rId9"/>
     <p:sldId id="263" r:id="rId10"/>
     <p:sldId id="264" r:id="rId11"/>
@@ -25,7 +25,7 @@
   <p:notesSz cx="6797675" cy="9926638"/>
   <p:embeddedFontLst>
     <p:embeddedFont>
-      <p:font typeface="Arial Narrow" panose="020B0604020202020204" pitchFamily="34" charset="0"/>
+      <p:font typeface="Arial Narrow" panose="020B0606020202030204" pitchFamily="34" charset="0"/>
       <p:regular r:id="rId15"/>
       <p:bold r:id="rId16"/>
       <p:italic r:id="rId17"/>
@@ -39,7 +39,7 @@
       <p:boldItalic r:id="rId22"/>
     </p:embeddedFont>
     <p:embeddedFont>
-      <p:font typeface="Open Sans" panose="020B0604020202020204" pitchFamily="34" charset="0"/>
+      <p:font typeface="Open Sans" panose="020B0604020202020204" charset="0"/>
       <p:regular r:id="rId23"/>
       <p:bold r:id="rId24"/>
       <p:italic r:id="rId25"/>
@@ -179,7 +179,7 @@
             <p14:sldId id="256"/>
             <p14:sldId id="257"/>
             <p14:sldId id="258"/>
-            <p14:sldId id="259"/>
+            <p14:sldId id="268"/>
             <p14:sldId id="262"/>
             <p14:sldId id="263"/>
             <p14:sldId id="264"/>
@@ -227,6 +227,9 @@
           </p15:clr>
         </p15:guide>
       </p15:sldGuideLst>
+    </p:ext>
+    <p:ext uri="{2D200454-40CA-4A62-9FC3-DE9A4176ACB9}">
+      <p15:notesGuideLst xmlns:p15="http://schemas.microsoft.com/office/powerpoint/2012/main"/>
     </p:ext>
   </p:extLst>
 </p:presentation>
@@ -979,1145 +982,7 @@
 </dgm:colorsDef>
 </file>
 
-<file path=ppt/diagrams/colors2.xml><?xml version="1.0" encoding="utf-8"?>
-<dgm:colorsDef xmlns:dgm="http://schemas.openxmlformats.org/drawingml/2006/diagram" xmlns:a="http://schemas.openxmlformats.org/drawingml/2006/main" uniqueId="urn:microsoft.com/office/officeart/2005/8/colors/accent1_2">
-  <dgm:title val=""/>
-  <dgm:desc val=""/>
-  <dgm:catLst>
-    <dgm:cat type="accent1" pri="11200"/>
-  </dgm:catLst>
-  <dgm:styleLbl name="node0">
-    <dgm:fillClrLst meth="repeat">
-      <a:schemeClr val="accent1"/>
-    </dgm:fillClrLst>
-    <dgm:linClrLst meth="repeat">
-      <a:schemeClr val="lt1"/>
-    </dgm:linClrLst>
-    <dgm:effectClrLst/>
-    <dgm:txLinClrLst/>
-    <dgm:txFillClrLst/>
-    <dgm:txEffectClrLst/>
-  </dgm:styleLbl>
-  <dgm:styleLbl name="alignNode1">
-    <dgm:fillClrLst meth="repeat">
-      <a:schemeClr val="accent1"/>
-    </dgm:fillClrLst>
-    <dgm:linClrLst meth="repeat">
-      <a:schemeClr val="accent1"/>
-    </dgm:linClrLst>
-    <dgm:effectClrLst/>
-    <dgm:txLinClrLst/>
-    <dgm:txFillClrLst/>
-    <dgm:txEffectClrLst/>
-  </dgm:styleLbl>
-  <dgm:styleLbl name="node1">
-    <dgm:fillClrLst meth="repeat">
-      <a:schemeClr val="accent1"/>
-    </dgm:fillClrLst>
-    <dgm:linClrLst meth="repeat">
-      <a:schemeClr val="lt1"/>
-    </dgm:linClrLst>
-    <dgm:effectClrLst/>
-    <dgm:txLinClrLst/>
-    <dgm:txFillClrLst/>
-    <dgm:txEffectClrLst/>
-  </dgm:styleLbl>
-  <dgm:styleLbl name="lnNode1">
-    <dgm:fillClrLst meth="repeat">
-      <a:schemeClr val="accent1"/>
-    </dgm:fillClrLst>
-    <dgm:linClrLst meth="repeat">
-      <a:schemeClr val="lt1"/>
-    </dgm:linClrLst>
-    <dgm:effectClrLst/>
-    <dgm:txLinClrLst/>
-    <dgm:txFillClrLst/>
-    <dgm:txEffectClrLst/>
-  </dgm:styleLbl>
-  <dgm:styleLbl name="vennNode1">
-    <dgm:fillClrLst meth="repeat">
-      <a:schemeClr val="accent1">
-        <a:alpha val="50000"/>
-      </a:schemeClr>
-    </dgm:fillClrLst>
-    <dgm:linClrLst meth="repeat">
-      <a:schemeClr val="lt1"/>
-    </dgm:linClrLst>
-    <dgm:effectClrLst/>
-    <dgm:txLinClrLst/>
-    <dgm:txFillClrLst/>
-    <dgm:txEffectClrLst/>
-  </dgm:styleLbl>
-  <dgm:styleLbl name="node2">
-    <dgm:fillClrLst meth="repeat">
-      <a:schemeClr val="accent1"/>
-    </dgm:fillClrLst>
-    <dgm:linClrLst meth="repeat">
-      <a:schemeClr val="lt1"/>
-    </dgm:linClrLst>
-    <dgm:effectClrLst/>
-    <dgm:txLinClrLst/>
-    <dgm:txFillClrLst/>
-    <dgm:txEffectClrLst/>
-  </dgm:styleLbl>
-  <dgm:styleLbl name="node3">
-    <dgm:fillClrLst meth="repeat">
-      <a:schemeClr val="accent1"/>
-    </dgm:fillClrLst>
-    <dgm:linClrLst meth="repeat">
-      <a:schemeClr val="lt1"/>
-    </dgm:linClrLst>
-    <dgm:effectClrLst/>
-    <dgm:txLinClrLst/>
-    <dgm:txFillClrLst/>
-    <dgm:txEffectClrLst/>
-  </dgm:styleLbl>
-  <dgm:styleLbl name="node4">
-    <dgm:fillClrLst meth="repeat">
-      <a:schemeClr val="accent1"/>
-    </dgm:fillClrLst>
-    <dgm:linClrLst meth="repeat">
-      <a:schemeClr val="lt1"/>
-    </dgm:linClrLst>
-    <dgm:effectClrLst/>
-    <dgm:txLinClrLst/>
-    <dgm:txFillClrLst/>
-    <dgm:txEffectClrLst/>
-  </dgm:styleLbl>
-  <dgm:styleLbl name="fgImgPlace1">
-    <dgm:fillClrLst meth="repeat">
-      <a:schemeClr val="accent1">
-        <a:tint val="50000"/>
-      </a:schemeClr>
-    </dgm:fillClrLst>
-    <dgm:linClrLst meth="repeat">
-      <a:schemeClr val="lt1"/>
-    </dgm:linClrLst>
-    <dgm:effectClrLst/>
-    <dgm:txLinClrLst/>
-    <dgm:txFillClrLst meth="repeat">
-      <a:schemeClr val="lt1"/>
-    </dgm:txFillClrLst>
-    <dgm:txEffectClrLst/>
-  </dgm:styleLbl>
-  <dgm:styleLbl name="alignImgPlace1">
-    <dgm:fillClrLst meth="repeat">
-      <a:schemeClr val="accent1">
-        <a:tint val="50000"/>
-      </a:schemeClr>
-    </dgm:fillClrLst>
-    <dgm:linClrLst meth="repeat">
-      <a:schemeClr val="lt1"/>
-    </dgm:linClrLst>
-    <dgm:effectClrLst/>
-    <dgm:txLinClrLst/>
-    <dgm:txFillClrLst meth="repeat">
-      <a:schemeClr val="lt1"/>
-    </dgm:txFillClrLst>
-    <dgm:txEffectClrLst/>
-  </dgm:styleLbl>
-  <dgm:styleLbl name="bgImgPlace1">
-    <dgm:fillClrLst meth="repeat">
-      <a:schemeClr val="accent1">
-        <a:tint val="50000"/>
-      </a:schemeClr>
-    </dgm:fillClrLst>
-    <dgm:linClrLst meth="repeat">
-      <a:schemeClr val="lt1"/>
-    </dgm:linClrLst>
-    <dgm:effectClrLst/>
-    <dgm:txLinClrLst/>
-    <dgm:txFillClrLst meth="repeat">
-      <a:schemeClr val="lt1"/>
-    </dgm:txFillClrLst>
-    <dgm:txEffectClrLst/>
-  </dgm:styleLbl>
-  <dgm:styleLbl name="sibTrans2D1">
-    <dgm:fillClrLst meth="repeat">
-      <a:schemeClr val="accent1">
-        <a:tint val="60000"/>
-      </a:schemeClr>
-    </dgm:fillClrLst>
-    <dgm:linClrLst meth="repeat">
-      <a:schemeClr val="accent1">
-        <a:tint val="60000"/>
-      </a:schemeClr>
-    </dgm:linClrLst>
-    <dgm:effectClrLst/>
-    <dgm:txLinClrLst/>
-    <dgm:txFillClrLst/>
-    <dgm:txEffectClrLst/>
-  </dgm:styleLbl>
-  <dgm:styleLbl name="fgSibTrans2D1">
-    <dgm:fillClrLst meth="repeat">
-      <a:schemeClr val="accent1">
-        <a:tint val="60000"/>
-      </a:schemeClr>
-    </dgm:fillClrLst>
-    <dgm:linClrLst meth="repeat">
-      <a:schemeClr val="accent1">
-        <a:tint val="60000"/>
-      </a:schemeClr>
-    </dgm:linClrLst>
-    <dgm:effectClrLst/>
-    <dgm:txLinClrLst/>
-    <dgm:txFillClrLst/>
-    <dgm:txEffectClrLst/>
-  </dgm:styleLbl>
-  <dgm:styleLbl name="bgSibTrans2D1">
-    <dgm:fillClrLst meth="repeat">
-      <a:schemeClr val="accent1">
-        <a:tint val="60000"/>
-      </a:schemeClr>
-    </dgm:fillClrLst>
-    <dgm:linClrLst meth="repeat">
-      <a:schemeClr val="accent1">
-        <a:tint val="60000"/>
-      </a:schemeClr>
-    </dgm:linClrLst>
-    <dgm:effectClrLst/>
-    <dgm:txLinClrLst/>
-    <dgm:txFillClrLst/>
-    <dgm:txEffectClrLst/>
-  </dgm:styleLbl>
-  <dgm:styleLbl name="sibTrans1D1">
-    <dgm:fillClrLst meth="repeat">
-      <a:schemeClr val="accent1"/>
-    </dgm:fillClrLst>
-    <dgm:linClrLst meth="repeat">
-      <a:schemeClr val="accent1"/>
-    </dgm:linClrLst>
-    <dgm:effectClrLst/>
-    <dgm:txLinClrLst/>
-    <dgm:txFillClrLst meth="repeat">
-      <a:schemeClr val="tx1"/>
-    </dgm:txFillClrLst>
-    <dgm:txEffectClrLst/>
-  </dgm:styleLbl>
-  <dgm:styleLbl name="callout">
-    <dgm:fillClrLst meth="repeat">
-      <a:schemeClr val="accent1"/>
-    </dgm:fillClrLst>
-    <dgm:linClrLst meth="repeat">
-      <a:schemeClr val="accent1">
-        <a:tint val="50000"/>
-      </a:schemeClr>
-    </dgm:linClrLst>
-    <dgm:effectClrLst/>
-    <dgm:txLinClrLst/>
-    <dgm:txFillClrLst meth="repeat">
-      <a:schemeClr val="tx1"/>
-    </dgm:txFillClrLst>
-    <dgm:txEffectClrLst/>
-  </dgm:styleLbl>
-  <dgm:styleLbl name="asst0">
-    <dgm:fillClrLst meth="repeat">
-      <a:schemeClr val="accent1"/>
-    </dgm:fillClrLst>
-    <dgm:linClrLst meth="repeat">
-      <a:schemeClr val="lt1"/>
-    </dgm:linClrLst>
-    <dgm:effectClrLst/>
-    <dgm:txLinClrLst/>
-    <dgm:txFillClrLst/>
-    <dgm:txEffectClrLst/>
-  </dgm:styleLbl>
-  <dgm:styleLbl name="asst1">
-    <dgm:fillClrLst meth="repeat">
-      <a:schemeClr val="accent1"/>
-    </dgm:fillClrLst>
-    <dgm:linClrLst meth="repeat">
-      <a:schemeClr val="lt1"/>
-    </dgm:linClrLst>
-    <dgm:effectClrLst/>
-    <dgm:txLinClrLst/>
-    <dgm:txFillClrLst/>
-    <dgm:txEffectClrLst/>
-  </dgm:styleLbl>
-  <dgm:styleLbl name="asst2">
-    <dgm:fillClrLst meth="repeat">
-      <a:schemeClr val="accent1"/>
-    </dgm:fillClrLst>
-    <dgm:linClrLst meth="repeat">
-      <a:schemeClr val="lt1"/>
-    </dgm:linClrLst>
-    <dgm:effectClrLst/>
-    <dgm:txLinClrLst/>
-    <dgm:txFillClrLst/>
-    <dgm:txEffectClrLst/>
-  </dgm:styleLbl>
-  <dgm:styleLbl name="asst3">
-    <dgm:fillClrLst meth="repeat">
-      <a:schemeClr val="accent1"/>
-    </dgm:fillClrLst>
-    <dgm:linClrLst meth="repeat">
-      <a:schemeClr val="lt1"/>
-    </dgm:linClrLst>
-    <dgm:effectClrLst/>
-    <dgm:txLinClrLst/>
-    <dgm:txFillClrLst/>
-    <dgm:txEffectClrLst/>
-  </dgm:styleLbl>
-  <dgm:styleLbl name="asst4">
-    <dgm:fillClrLst meth="repeat">
-      <a:schemeClr val="accent1"/>
-    </dgm:fillClrLst>
-    <dgm:linClrLst meth="repeat">
-      <a:schemeClr val="lt1"/>
-    </dgm:linClrLst>
-    <dgm:effectClrLst/>
-    <dgm:txLinClrLst/>
-    <dgm:txFillClrLst/>
-    <dgm:txEffectClrLst/>
-  </dgm:styleLbl>
-  <dgm:styleLbl name="parChTrans2D1">
-    <dgm:fillClrLst meth="repeat">
-      <a:schemeClr val="accent1">
-        <a:tint val="60000"/>
-      </a:schemeClr>
-    </dgm:fillClrLst>
-    <dgm:linClrLst meth="repeat">
-      <a:schemeClr val="accent1">
-        <a:tint val="60000"/>
-      </a:schemeClr>
-    </dgm:linClrLst>
-    <dgm:effectClrLst/>
-    <dgm:txLinClrLst/>
-    <dgm:txFillClrLst meth="repeat">
-      <a:schemeClr val="lt1"/>
-    </dgm:txFillClrLst>
-    <dgm:txEffectClrLst/>
-  </dgm:styleLbl>
-  <dgm:styleLbl name="parChTrans2D2">
-    <dgm:fillClrLst meth="repeat">
-      <a:schemeClr val="accent1"/>
-    </dgm:fillClrLst>
-    <dgm:linClrLst meth="repeat">
-      <a:schemeClr val="accent1"/>
-    </dgm:linClrLst>
-    <dgm:effectClrLst/>
-    <dgm:txLinClrLst/>
-    <dgm:txFillClrLst meth="repeat">
-      <a:schemeClr val="lt1"/>
-    </dgm:txFillClrLst>
-    <dgm:txEffectClrLst/>
-  </dgm:styleLbl>
-  <dgm:styleLbl name="parChTrans2D3">
-    <dgm:fillClrLst meth="repeat">
-      <a:schemeClr val="accent1"/>
-    </dgm:fillClrLst>
-    <dgm:linClrLst meth="repeat">
-      <a:schemeClr val="accent1"/>
-    </dgm:linClrLst>
-    <dgm:effectClrLst/>
-    <dgm:txLinClrLst/>
-    <dgm:txFillClrLst meth="repeat">
-      <a:schemeClr val="lt1"/>
-    </dgm:txFillClrLst>
-    <dgm:txEffectClrLst/>
-  </dgm:styleLbl>
-  <dgm:styleLbl name="parChTrans2D4">
-    <dgm:fillClrLst meth="repeat">
-      <a:schemeClr val="accent1"/>
-    </dgm:fillClrLst>
-    <dgm:linClrLst meth="repeat">
-      <a:schemeClr val="accent1"/>
-    </dgm:linClrLst>
-    <dgm:effectClrLst/>
-    <dgm:txLinClrLst/>
-    <dgm:txFillClrLst meth="repeat">
-      <a:schemeClr val="lt1"/>
-    </dgm:txFillClrLst>
-    <dgm:txEffectClrLst/>
-  </dgm:styleLbl>
-  <dgm:styleLbl name="parChTrans1D1">
-    <dgm:fillClrLst meth="repeat">
-      <a:schemeClr val="accent1"/>
-    </dgm:fillClrLst>
-    <dgm:linClrLst meth="repeat">
-      <a:schemeClr val="accent1">
-        <a:shade val="60000"/>
-      </a:schemeClr>
-    </dgm:linClrLst>
-    <dgm:effectClrLst/>
-    <dgm:txLinClrLst/>
-    <dgm:txFillClrLst meth="repeat">
-      <a:schemeClr val="tx1"/>
-    </dgm:txFillClrLst>
-    <dgm:txEffectClrLst/>
-  </dgm:styleLbl>
-  <dgm:styleLbl name="parChTrans1D2">
-    <dgm:fillClrLst meth="repeat">
-      <a:schemeClr val="accent1"/>
-    </dgm:fillClrLst>
-    <dgm:linClrLst meth="repeat">
-      <a:schemeClr val="accent1">
-        <a:shade val="60000"/>
-      </a:schemeClr>
-    </dgm:linClrLst>
-    <dgm:effectClrLst/>
-    <dgm:txLinClrLst/>
-    <dgm:txFillClrLst meth="repeat">
-      <a:schemeClr val="tx1"/>
-    </dgm:txFillClrLst>
-    <dgm:txEffectClrLst/>
-  </dgm:styleLbl>
-  <dgm:styleLbl name="parChTrans1D3">
-    <dgm:fillClrLst meth="repeat">
-      <a:schemeClr val="accent1"/>
-    </dgm:fillClrLst>
-    <dgm:linClrLst meth="repeat">
-      <a:schemeClr val="accent1">
-        <a:shade val="80000"/>
-      </a:schemeClr>
-    </dgm:linClrLst>
-    <dgm:effectClrLst/>
-    <dgm:txLinClrLst/>
-    <dgm:txFillClrLst meth="repeat">
-      <a:schemeClr val="tx1"/>
-    </dgm:txFillClrLst>
-    <dgm:txEffectClrLst/>
-  </dgm:styleLbl>
-  <dgm:styleLbl name="parChTrans1D4">
-    <dgm:fillClrLst meth="repeat">
-      <a:schemeClr val="accent1"/>
-    </dgm:fillClrLst>
-    <dgm:linClrLst meth="repeat">
-      <a:schemeClr val="accent1">
-        <a:shade val="80000"/>
-      </a:schemeClr>
-    </dgm:linClrLst>
-    <dgm:effectClrLst/>
-    <dgm:txLinClrLst/>
-    <dgm:txFillClrLst meth="repeat">
-      <a:schemeClr val="tx1"/>
-    </dgm:txFillClrLst>
-    <dgm:txEffectClrLst/>
-  </dgm:styleLbl>
-  <dgm:styleLbl name="fgAcc1">
-    <dgm:fillClrLst meth="repeat">
-      <a:schemeClr val="lt1">
-        <a:alpha val="90000"/>
-      </a:schemeClr>
-    </dgm:fillClrLst>
-    <dgm:linClrLst meth="repeat">
-      <a:schemeClr val="accent1"/>
-    </dgm:linClrLst>
-    <dgm:effectClrLst/>
-    <dgm:txLinClrLst/>
-    <dgm:txFillClrLst meth="repeat">
-      <a:schemeClr val="dk1"/>
-    </dgm:txFillClrLst>
-    <dgm:txEffectClrLst/>
-  </dgm:styleLbl>
-  <dgm:styleLbl name="conFgAcc1">
-    <dgm:fillClrLst meth="repeat">
-      <a:schemeClr val="lt1">
-        <a:alpha val="90000"/>
-      </a:schemeClr>
-    </dgm:fillClrLst>
-    <dgm:linClrLst meth="repeat">
-      <a:schemeClr val="accent1"/>
-    </dgm:linClrLst>
-    <dgm:effectClrLst/>
-    <dgm:txLinClrLst/>
-    <dgm:txFillClrLst meth="repeat">
-      <a:schemeClr val="dk1"/>
-    </dgm:txFillClrLst>
-    <dgm:txEffectClrLst/>
-  </dgm:styleLbl>
-  <dgm:styleLbl name="alignAcc1">
-    <dgm:fillClrLst meth="repeat">
-      <a:schemeClr val="lt1">
-        <a:alpha val="90000"/>
-      </a:schemeClr>
-    </dgm:fillClrLst>
-    <dgm:linClrLst meth="repeat">
-      <a:schemeClr val="accent1"/>
-    </dgm:linClrLst>
-    <dgm:effectClrLst/>
-    <dgm:txLinClrLst/>
-    <dgm:txFillClrLst meth="repeat">
-      <a:schemeClr val="dk1"/>
-    </dgm:txFillClrLst>
-    <dgm:txEffectClrLst/>
-  </dgm:styleLbl>
-  <dgm:styleLbl name="trAlignAcc1">
-    <dgm:fillClrLst meth="repeat">
-      <a:schemeClr val="lt1">
-        <a:alpha val="40000"/>
-      </a:schemeClr>
-    </dgm:fillClrLst>
-    <dgm:linClrLst meth="repeat">
-      <a:schemeClr val="accent1"/>
-    </dgm:linClrLst>
-    <dgm:effectClrLst/>
-    <dgm:txLinClrLst/>
-    <dgm:txFillClrLst meth="repeat">
-      <a:schemeClr val="dk1"/>
-    </dgm:txFillClrLst>
-    <dgm:txEffectClrLst/>
-  </dgm:styleLbl>
-  <dgm:styleLbl name="bgAcc1">
-    <dgm:fillClrLst meth="repeat">
-      <a:schemeClr val="lt1">
-        <a:alpha val="90000"/>
-      </a:schemeClr>
-    </dgm:fillClrLst>
-    <dgm:linClrLst meth="repeat">
-      <a:schemeClr val="accent1"/>
-    </dgm:linClrLst>
-    <dgm:effectClrLst/>
-    <dgm:txLinClrLst/>
-    <dgm:txFillClrLst meth="repeat">
-      <a:schemeClr val="dk1"/>
-    </dgm:txFillClrLst>
-    <dgm:txEffectClrLst/>
-  </dgm:styleLbl>
-  <dgm:styleLbl name="solidFgAcc1">
-    <dgm:fillClrLst meth="repeat">
-      <a:schemeClr val="lt1"/>
-    </dgm:fillClrLst>
-    <dgm:linClrLst meth="repeat">
-      <a:schemeClr val="accent1"/>
-    </dgm:linClrLst>
-    <dgm:effectClrLst/>
-    <dgm:txLinClrLst/>
-    <dgm:txFillClrLst meth="repeat">
-      <a:schemeClr val="dk1"/>
-    </dgm:txFillClrLst>
-    <dgm:txEffectClrLst/>
-  </dgm:styleLbl>
-  <dgm:styleLbl name="solidAlignAcc1">
-    <dgm:fillClrLst meth="repeat">
-      <a:schemeClr val="lt1"/>
-    </dgm:fillClrLst>
-    <dgm:linClrLst meth="repeat">
-      <a:schemeClr val="accent1"/>
-    </dgm:linClrLst>
-    <dgm:effectClrLst/>
-    <dgm:txLinClrLst/>
-    <dgm:txFillClrLst meth="repeat">
-      <a:schemeClr val="dk1"/>
-    </dgm:txFillClrLst>
-    <dgm:txEffectClrLst/>
-  </dgm:styleLbl>
-  <dgm:styleLbl name="solidBgAcc1">
-    <dgm:fillClrLst meth="repeat">
-      <a:schemeClr val="lt1"/>
-    </dgm:fillClrLst>
-    <dgm:linClrLst meth="repeat">
-      <a:schemeClr val="accent1"/>
-    </dgm:linClrLst>
-    <dgm:effectClrLst/>
-    <dgm:txLinClrLst/>
-    <dgm:txFillClrLst meth="repeat">
-      <a:schemeClr val="dk1"/>
-    </dgm:txFillClrLst>
-    <dgm:txEffectClrLst/>
-  </dgm:styleLbl>
-  <dgm:styleLbl name="fgAccFollowNode1">
-    <dgm:fillClrLst meth="repeat">
-      <a:schemeClr val="accent1">
-        <a:alpha val="90000"/>
-        <a:tint val="40000"/>
-      </a:schemeClr>
-    </dgm:fillClrLst>
-    <dgm:linClrLst meth="repeat">
-      <a:schemeClr val="accent1">
-        <a:alpha val="90000"/>
-        <a:tint val="40000"/>
-      </a:schemeClr>
-    </dgm:linClrLst>
-    <dgm:effectClrLst/>
-    <dgm:txLinClrLst/>
-    <dgm:txFillClrLst meth="repeat">
-      <a:schemeClr val="dk1"/>
-    </dgm:txFillClrLst>
-    <dgm:txEffectClrLst/>
-  </dgm:styleLbl>
-  <dgm:styleLbl name="alignAccFollowNode1">
-    <dgm:fillClrLst meth="repeat">
-      <a:schemeClr val="accent1">
-        <a:alpha val="90000"/>
-        <a:tint val="40000"/>
-      </a:schemeClr>
-    </dgm:fillClrLst>
-    <dgm:linClrLst meth="repeat">
-      <a:schemeClr val="accent1">
-        <a:alpha val="90000"/>
-        <a:tint val="40000"/>
-      </a:schemeClr>
-    </dgm:linClrLst>
-    <dgm:effectClrLst/>
-    <dgm:txLinClrLst/>
-    <dgm:txFillClrLst meth="repeat">
-      <a:schemeClr val="dk1"/>
-    </dgm:txFillClrLst>
-    <dgm:txEffectClrLst/>
-  </dgm:styleLbl>
-  <dgm:styleLbl name="bgAccFollowNode1">
-    <dgm:fillClrLst meth="repeat">
-      <a:schemeClr val="accent1">
-        <a:alpha val="90000"/>
-        <a:tint val="40000"/>
-      </a:schemeClr>
-    </dgm:fillClrLst>
-    <dgm:linClrLst meth="repeat">
-      <a:schemeClr val="accent1">
-        <a:alpha val="90000"/>
-        <a:tint val="40000"/>
-      </a:schemeClr>
-    </dgm:linClrLst>
-    <dgm:effectClrLst/>
-    <dgm:txLinClrLst/>
-    <dgm:txFillClrLst meth="repeat">
-      <a:schemeClr val="dk1"/>
-    </dgm:txFillClrLst>
-    <dgm:txEffectClrLst/>
-  </dgm:styleLbl>
-  <dgm:styleLbl name="fgAcc0">
-    <dgm:fillClrLst meth="repeat">
-      <a:schemeClr val="lt1">
-        <a:alpha val="90000"/>
-      </a:schemeClr>
-    </dgm:fillClrLst>
-    <dgm:linClrLst meth="repeat">
-      <a:schemeClr val="accent1"/>
-    </dgm:linClrLst>
-    <dgm:effectClrLst/>
-    <dgm:txLinClrLst/>
-    <dgm:txFillClrLst meth="repeat">
-      <a:schemeClr val="dk1"/>
-    </dgm:txFillClrLst>
-    <dgm:txEffectClrLst/>
-  </dgm:styleLbl>
-  <dgm:styleLbl name="fgAcc2">
-    <dgm:fillClrLst meth="repeat">
-      <a:schemeClr val="lt1">
-        <a:alpha val="90000"/>
-      </a:schemeClr>
-    </dgm:fillClrLst>
-    <dgm:linClrLst meth="repeat">
-      <a:schemeClr val="accent1"/>
-    </dgm:linClrLst>
-    <dgm:effectClrLst/>
-    <dgm:txLinClrLst/>
-    <dgm:txFillClrLst meth="repeat">
-      <a:schemeClr val="dk1"/>
-    </dgm:txFillClrLst>
-    <dgm:txEffectClrLst/>
-  </dgm:styleLbl>
-  <dgm:styleLbl name="fgAcc3">
-    <dgm:fillClrLst meth="repeat">
-      <a:schemeClr val="lt1">
-        <a:alpha val="90000"/>
-      </a:schemeClr>
-    </dgm:fillClrLst>
-    <dgm:linClrLst meth="repeat">
-      <a:schemeClr val="accent1"/>
-    </dgm:linClrLst>
-    <dgm:effectClrLst/>
-    <dgm:txLinClrLst/>
-    <dgm:txFillClrLst meth="repeat">
-      <a:schemeClr val="dk1"/>
-    </dgm:txFillClrLst>
-    <dgm:txEffectClrLst/>
-  </dgm:styleLbl>
-  <dgm:styleLbl name="fgAcc4">
-    <dgm:fillClrLst meth="repeat">
-      <a:schemeClr val="lt1">
-        <a:alpha val="90000"/>
-      </a:schemeClr>
-    </dgm:fillClrLst>
-    <dgm:linClrLst meth="repeat">
-      <a:schemeClr val="accent1"/>
-    </dgm:linClrLst>
-    <dgm:effectClrLst/>
-    <dgm:txLinClrLst/>
-    <dgm:txFillClrLst meth="repeat">
-      <a:schemeClr val="dk1"/>
-    </dgm:txFillClrLst>
-    <dgm:txEffectClrLst/>
-  </dgm:styleLbl>
-  <dgm:styleLbl name="bgShp">
-    <dgm:fillClrLst meth="repeat">
-      <a:schemeClr val="accent1">
-        <a:tint val="40000"/>
-      </a:schemeClr>
-    </dgm:fillClrLst>
-    <dgm:linClrLst meth="repeat">
-      <a:schemeClr val="accent1"/>
-    </dgm:linClrLst>
-    <dgm:effectClrLst/>
-    <dgm:txLinClrLst/>
-    <dgm:txFillClrLst meth="repeat">
-      <a:schemeClr val="dk1"/>
-    </dgm:txFillClrLst>
-    <dgm:txEffectClrLst/>
-  </dgm:styleLbl>
-  <dgm:styleLbl name="dkBgShp">
-    <dgm:fillClrLst meth="repeat">
-      <a:schemeClr val="accent1">
-        <a:shade val="80000"/>
-      </a:schemeClr>
-    </dgm:fillClrLst>
-    <dgm:linClrLst meth="repeat">
-      <a:schemeClr val="accent1"/>
-    </dgm:linClrLst>
-    <dgm:effectClrLst/>
-    <dgm:txLinClrLst/>
-    <dgm:txFillClrLst meth="repeat">
-      <a:schemeClr val="lt1"/>
-    </dgm:txFillClrLst>
-    <dgm:txEffectClrLst/>
-  </dgm:styleLbl>
-  <dgm:styleLbl name="trBgShp">
-    <dgm:fillClrLst meth="repeat">
-      <a:schemeClr val="accent1">
-        <a:tint val="50000"/>
-        <a:alpha val="40000"/>
-      </a:schemeClr>
-    </dgm:fillClrLst>
-    <dgm:linClrLst meth="repeat">
-      <a:schemeClr val="accent1"/>
-    </dgm:linClrLst>
-    <dgm:effectClrLst/>
-    <dgm:txLinClrLst/>
-    <dgm:txFillClrLst meth="repeat">
-      <a:schemeClr val="lt1"/>
-    </dgm:txFillClrLst>
-    <dgm:txEffectClrLst/>
-  </dgm:styleLbl>
-  <dgm:styleLbl name="fgShp">
-    <dgm:fillClrLst meth="repeat">
-      <a:schemeClr val="accent1">
-        <a:tint val="60000"/>
-      </a:schemeClr>
-    </dgm:fillClrLst>
-    <dgm:linClrLst meth="repeat">
-      <a:schemeClr val="lt1"/>
-    </dgm:linClrLst>
-    <dgm:effectClrLst/>
-    <dgm:txLinClrLst/>
-    <dgm:txFillClrLst meth="repeat">
-      <a:schemeClr val="dk1"/>
-    </dgm:txFillClrLst>
-    <dgm:txEffectClrLst/>
-  </dgm:styleLbl>
-  <dgm:styleLbl name="revTx">
-    <dgm:fillClrLst meth="repeat">
-      <a:schemeClr val="lt1">
-        <a:alpha val="0"/>
-      </a:schemeClr>
-    </dgm:fillClrLst>
-    <dgm:linClrLst meth="repeat">
-      <a:schemeClr val="dk1">
-        <a:alpha val="0"/>
-      </a:schemeClr>
-    </dgm:linClrLst>
-    <dgm:effectClrLst/>
-    <dgm:txLinClrLst/>
-    <dgm:txFillClrLst meth="repeat">
-      <a:schemeClr val="tx1"/>
-    </dgm:txFillClrLst>
-    <dgm:txEffectClrLst/>
-  </dgm:styleLbl>
-</dgm:colorsDef>
-</file>
-
 <file path=ppt/diagrams/data1.xml><?xml version="1.0" encoding="utf-8"?>
-<dgm:dataModel xmlns:dgm="http://schemas.openxmlformats.org/drawingml/2006/diagram" xmlns:a="http://schemas.openxmlformats.org/drawingml/2006/main">
-  <dgm:ptLst>
-    <dgm:pt modelId="{4726C3A0-9359-2640-905B-55E1762B10CD}" type="doc">
-      <dgm:prSet loTypeId="urn:microsoft.com/office/officeart/2005/8/layout/cycle6" loCatId="" qsTypeId="urn:microsoft.com/office/officeart/2005/8/quickstyle/simple3" qsCatId="simple" csTypeId="urn:microsoft.com/office/officeart/2005/8/colors/accent1_2" csCatId="accent1"/>
-      <dgm:spPr/>
-      <dgm:t>
-        <a:bodyPr/>
-        <a:lstStyle/>
-        <a:p>
-          <a:endParaRPr lang="en-US"/>
-        </a:p>
-      </dgm:t>
-    </dgm:pt>
-    <dgm:pt modelId="{2038954B-620D-EF4E-8EB2-2F972AA277EF}">
-      <dgm:prSet/>
-      <dgm:spPr/>
-      <dgm:t>
-        <a:bodyPr/>
-        <a:lstStyle/>
-        <a:p>
-          <a:r>
-            <a:rPr lang="en-US"/>
-            <a:t>I’m Billy, I want to be able to find a cat that is independent so I don’t have to be with it all day</a:t>
-          </a:r>
-          <a:endParaRPr lang="en-AU"/>
-        </a:p>
-      </dgm:t>
-    </dgm:pt>
-    <dgm:pt modelId="{4607F4F5-6233-B342-A386-636DA230111F}" type="parTrans" cxnId="{EE35BDB8-7882-BA4E-8069-63B10777B437}">
-      <dgm:prSet/>
-      <dgm:spPr/>
-      <dgm:t>
-        <a:bodyPr/>
-        <a:lstStyle/>
-        <a:p>
-          <a:endParaRPr lang="en-US"/>
-        </a:p>
-      </dgm:t>
-    </dgm:pt>
-    <dgm:pt modelId="{5715522D-B295-8A40-A627-B18666E8E55C}" type="sibTrans" cxnId="{EE35BDB8-7882-BA4E-8069-63B10777B437}">
-      <dgm:prSet/>
-      <dgm:spPr/>
-      <dgm:t>
-        <a:bodyPr/>
-        <a:lstStyle/>
-        <a:p>
-          <a:endParaRPr lang="en-US"/>
-        </a:p>
-      </dgm:t>
-    </dgm:pt>
-    <dgm:pt modelId="{68719485-CC14-7E4E-A2BF-DA8F462C89DD}">
-      <dgm:prSet/>
-      <dgm:spPr/>
-      <dgm:t>
-        <a:bodyPr/>
-        <a:lstStyle/>
-        <a:p>
-          <a:r>
-            <a:rPr lang="en-US"/>
-            <a:t>I’m Alyssa, I want to find the right breed of cat so I can post it to Instagram</a:t>
-          </a:r>
-          <a:endParaRPr lang="en-AU"/>
-        </a:p>
-      </dgm:t>
-    </dgm:pt>
-    <dgm:pt modelId="{160ED75F-ED0A-A544-BFC3-8F4DB3060258}" type="parTrans" cxnId="{A544A17D-ABFC-E146-8C96-79E71B022A4A}">
-      <dgm:prSet/>
-      <dgm:spPr/>
-      <dgm:t>
-        <a:bodyPr/>
-        <a:lstStyle/>
-        <a:p>
-          <a:endParaRPr lang="en-US"/>
-        </a:p>
-      </dgm:t>
-    </dgm:pt>
-    <dgm:pt modelId="{CAAA9B0E-5567-5044-960A-71FA3C87E558}" type="sibTrans" cxnId="{A544A17D-ABFC-E146-8C96-79E71B022A4A}">
-      <dgm:prSet/>
-      <dgm:spPr/>
-      <dgm:t>
-        <a:bodyPr/>
-        <a:lstStyle/>
-        <a:p>
-          <a:endParaRPr lang="en-US"/>
-        </a:p>
-      </dgm:t>
-    </dgm:pt>
-    <dgm:pt modelId="{4A3C5081-BC8B-884A-8B80-00AAA42E99CF}">
-      <dgm:prSet/>
-      <dgm:spPr/>
-      <dgm:t>
-        <a:bodyPr/>
-        <a:lstStyle/>
-        <a:p>
-          <a:r>
-            <a:rPr lang="en-US"/>
-            <a:t>I’m Garrett, I want a cat that’s toilet-trained so that it doesn’t crap on my floor</a:t>
-          </a:r>
-          <a:endParaRPr lang="en-AU"/>
-        </a:p>
-      </dgm:t>
-    </dgm:pt>
-    <dgm:pt modelId="{80BA5C9E-136D-E341-B3F0-845C2EED54A8}" type="parTrans" cxnId="{D7A28DA7-4F93-084D-9E5F-97891E761836}">
-      <dgm:prSet/>
-      <dgm:spPr/>
-      <dgm:t>
-        <a:bodyPr/>
-        <a:lstStyle/>
-        <a:p>
-          <a:endParaRPr lang="en-US"/>
-        </a:p>
-      </dgm:t>
-    </dgm:pt>
-    <dgm:pt modelId="{1A3CCC27-2E78-0F4F-B22D-1AB9D5E205C2}" type="sibTrans" cxnId="{D7A28DA7-4F93-084D-9E5F-97891E761836}">
-      <dgm:prSet/>
-      <dgm:spPr/>
-      <dgm:t>
-        <a:bodyPr/>
-        <a:lstStyle/>
-        <a:p>
-          <a:endParaRPr lang="en-US"/>
-        </a:p>
-      </dgm:t>
-    </dgm:pt>
-    <dgm:pt modelId="{7FBE86BB-0C05-0A43-8EF9-D745BAE21706}">
-      <dgm:prSet/>
-      <dgm:spPr/>
-      <dgm:t>
-        <a:bodyPr/>
-        <a:lstStyle/>
-        <a:p>
-          <a:r>
-            <a:rPr lang="en-US"/>
-            <a:t>I’m Saad, I want to find a bald cat because I hate cleaning</a:t>
-          </a:r>
-          <a:endParaRPr lang="en-AU"/>
-        </a:p>
-      </dgm:t>
-    </dgm:pt>
-    <dgm:pt modelId="{EFD9CE60-45CF-8448-ABD4-619776C0470E}" type="parTrans" cxnId="{D736B904-5EBA-6749-90DA-92E1A885B97A}">
-      <dgm:prSet/>
-      <dgm:spPr/>
-      <dgm:t>
-        <a:bodyPr/>
-        <a:lstStyle/>
-        <a:p>
-          <a:endParaRPr lang="en-US"/>
-        </a:p>
-      </dgm:t>
-    </dgm:pt>
-    <dgm:pt modelId="{55B8E4BE-D569-5740-8089-18CCA3348BFE}" type="sibTrans" cxnId="{D736B904-5EBA-6749-90DA-92E1A885B97A}">
-      <dgm:prSet/>
-      <dgm:spPr/>
-      <dgm:t>
-        <a:bodyPr/>
-        <a:lstStyle/>
-        <a:p>
-          <a:endParaRPr lang="en-US"/>
-        </a:p>
-      </dgm:t>
-    </dgm:pt>
-    <dgm:pt modelId="{94CEBBE1-E193-4B4A-80D9-45193A8A921E}">
-      <dgm:prSet/>
-      <dgm:spPr/>
-      <dgm:t>
-        <a:bodyPr/>
-        <a:lstStyle/>
-        <a:p>
-          <a:r>
-            <a:rPr lang="en-US"/>
-            <a:t>I’m Hazel, I want to find a cat that needs a lot of attention so that I don’t die lonely.</a:t>
-          </a:r>
-          <a:endParaRPr lang="en-AU"/>
-        </a:p>
-      </dgm:t>
-    </dgm:pt>
-    <dgm:pt modelId="{7DDB9D82-C917-874E-81BF-EA2CF18CA71A}" type="parTrans" cxnId="{77C73BB9-D495-F448-9215-75D6B4904DBE}">
-      <dgm:prSet/>
-      <dgm:spPr/>
-      <dgm:t>
-        <a:bodyPr/>
-        <a:lstStyle/>
-        <a:p>
-          <a:endParaRPr lang="en-US"/>
-        </a:p>
-      </dgm:t>
-    </dgm:pt>
-    <dgm:pt modelId="{31D87654-1325-5C40-B7F5-27E003CA00CD}" type="sibTrans" cxnId="{77C73BB9-D495-F448-9215-75D6B4904DBE}">
-      <dgm:prSet/>
-      <dgm:spPr/>
-      <dgm:t>
-        <a:bodyPr/>
-        <a:lstStyle/>
-        <a:p>
-          <a:endParaRPr lang="en-US"/>
-        </a:p>
-      </dgm:t>
-    </dgm:pt>
-    <dgm:pt modelId="{A1A13004-0833-3F46-A5D9-D94AA2AA227A}">
-      <dgm:prSet/>
-      <dgm:spPr/>
-      <dgm:t>
-        <a:bodyPr/>
-        <a:lstStyle/>
-        <a:p>
-          <a:r>
-            <a:rPr lang="en-US"/>
-            <a:t>I’m Joe, I want to find a cat near me so that I don’t have to drive to pick it up</a:t>
-          </a:r>
-          <a:endParaRPr lang="en-AU"/>
-        </a:p>
-      </dgm:t>
-    </dgm:pt>
-    <dgm:pt modelId="{BD35F618-E43C-D347-BA50-111A3D72126F}" type="parTrans" cxnId="{EE446F6B-60C9-DC49-92EF-404D31D47EFB}">
-      <dgm:prSet/>
-      <dgm:spPr/>
-      <dgm:t>
-        <a:bodyPr/>
-        <a:lstStyle/>
-        <a:p>
-          <a:endParaRPr lang="en-US"/>
-        </a:p>
-      </dgm:t>
-    </dgm:pt>
-    <dgm:pt modelId="{E55528A8-47D5-754C-AF23-387DFEBCD1A8}" type="sibTrans" cxnId="{EE446F6B-60C9-DC49-92EF-404D31D47EFB}">
-      <dgm:prSet/>
-      <dgm:spPr/>
-      <dgm:t>
-        <a:bodyPr/>
-        <a:lstStyle/>
-        <a:p>
-          <a:endParaRPr lang="en-US"/>
-        </a:p>
-      </dgm:t>
-    </dgm:pt>
-    <dgm:pt modelId="{B2EDF786-1CBD-B042-8116-B8E3997A0A9A}" type="pres">
-      <dgm:prSet presAssocID="{4726C3A0-9359-2640-905B-55E1762B10CD}" presName="cycle" presStyleCnt="0">
-        <dgm:presLayoutVars>
-          <dgm:dir/>
-          <dgm:resizeHandles val="exact"/>
-        </dgm:presLayoutVars>
-      </dgm:prSet>
-      <dgm:spPr/>
-    </dgm:pt>
-    <dgm:pt modelId="{6A7B836C-E443-2A4A-8BFE-A0EEE6428212}" type="pres">
-      <dgm:prSet presAssocID="{2038954B-620D-EF4E-8EB2-2F972AA277EF}" presName="node" presStyleLbl="node1" presStyleIdx="0" presStyleCnt="6">
-        <dgm:presLayoutVars>
-          <dgm:bulletEnabled val="1"/>
-        </dgm:presLayoutVars>
-      </dgm:prSet>
-      <dgm:spPr/>
-    </dgm:pt>
-    <dgm:pt modelId="{372D586D-11E1-B243-B45E-A852137AD09A}" type="pres">
-      <dgm:prSet presAssocID="{2038954B-620D-EF4E-8EB2-2F972AA277EF}" presName="spNode" presStyleCnt="0"/>
-      <dgm:spPr/>
-    </dgm:pt>
-    <dgm:pt modelId="{994040FF-C122-854E-B813-FBD090C62DD7}" type="pres">
-      <dgm:prSet presAssocID="{5715522D-B295-8A40-A627-B18666E8E55C}" presName="sibTrans" presStyleLbl="sibTrans1D1" presStyleIdx="0" presStyleCnt="6"/>
-      <dgm:spPr/>
-    </dgm:pt>
-    <dgm:pt modelId="{F438510F-FD89-A348-B3C6-EF4B025276B8}" type="pres">
-      <dgm:prSet presAssocID="{68719485-CC14-7E4E-A2BF-DA8F462C89DD}" presName="node" presStyleLbl="node1" presStyleIdx="1" presStyleCnt="6">
-        <dgm:presLayoutVars>
-          <dgm:bulletEnabled val="1"/>
-        </dgm:presLayoutVars>
-      </dgm:prSet>
-      <dgm:spPr/>
-    </dgm:pt>
-    <dgm:pt modelId="{B7FC4C1E-D8E8-504C-AA79-1240557A62DC}" type="pres">
-      <dgm:prSet presAssocID="{68719485-CC14-7E4E-A2BF-DA8F462C89DD}" presName="spNode" presStyleCnt="0"/>
-      <dgm:spPr/>
-    </dgm:pt>
-    <dgm:pt modelId="{AED27F41-4673-FB48-B77C-58D161B1749C}" type="pres">
-      <dgm:prSet presAssocID="{CAAA9B0E-5567-5044-960A-71FA3C87E558}" presName="sibTrans" presStyleLbl="sibTrans1D1" presStyleIdx="1" presStyleCnt="6"/>
-      <dgm:spPr/>
-    </dgm:pt>
-    <dgm:pt modelId="{C1B69FEC-02E6-084A-A179-F3F270B4305E}" type="pres">
-      <dgm:prSet presAssocID="{4A3C5081-BC8B-884A-8B80-00AAA42E99CF}" presName="node" presStyleLbl="node1" presStyleIdx="2" presStyleCnt="6">
-        <dgm:presLayoutVars>
-          <dgm:bulletEnabled val="1"/>
-        </dgm:presLayoutVars>
-      </dgm:prSet>
-      <dgm:spPr/>
-    </dgm:pt>
-    <dgm:pt modelId="{48DFC6EC-1B69-464E-BC11-1A11F710AC8E}" type="pres">
-      <dgm:prSet presAssocID="{4A3C5081-BC8B-884A-8B80-00AAA42E99CF}" presName="spNode" presStyleCnt="0"/>
-      <dgm:spPr/>
-    </dgm:pt>
-    <dgm:pt modelId="{8CC182A7-3D39-D540-B970-71BF531F02F2}" type="pres">
-      <dgm:prSet presAssocID="{1A3CCC27-2E78-0F4F-B22D-1AB9D5E205C2}" presName="sibTrans" presStyleLbl="sibTrans1D1" presStyleIdx="2" presStyleCnt="6"/>
-      <dgm:spPr/>
-    </dgm:pt>
-    <dgm:pt modelId="{78C05615-6BC1-C849-9E69-4A8B7C6BA90F}" type="pres">
-      <dgm:prSet presAssocID="{7FBE86BB-0C05-0A43-8EF9-D745BAE21706}" presName="node" presStyleLbl="node1" presStyleIdx="3" presStyleCnt="6">
-        <dgm:presLayoutVars>
-          <dgm:bulletEnabled val="1"/>
-        </dgm:presLayoutVars>
-      </dgm:prSet>
-      <dgm:spPr/>
-    </dgm:pt>
-    <dgm:pt modelId="{0354F8DF-C75F-5548-85C5-DFE5EBE8D6EA}" type="pres">
-      <dgm:prSet presAssocID="{7FBE86BB-0C05-0A43-8EF9-D745BAE21706}" presName="spNode" presStyleCnt="0"/>
-      <dgm:spPr/>
-    </dgm:pt>
-    <dgm:pt modelId="{AB4B3CE1-8223-6649-BCE5-BFAFBE2E548A}" type="pres">
-      <dgm:prSet presAssocID="{55B8E4BE-D569-5740-8089-18CCA3348BFE}" presName="sibTrans" presStyleLbl="sibTrans1D1" presStyleIdx="3" presStyleCnt="6"/>
-      <dgm:spPr/>
-    </dgm:pt>
-    <dgm:pt modelId="{2F3D628B-8FE5-B743-9C78-6510C5458276}" type="pres">
-      <dgm:prSet presAssocID="{94CEBBE1-E193-4B4A-80D9-45193A8A921E}" presName="node" presStyleLbl="node1" presStyleIdx="4" presStyleCnt="6">
-        <dgm:presLayoutVars>
-          <dgm:bulletEnabled val="1"/>
-        </dgm:presLayoutVars>
-      </dgm:prSet>
-      <dgm:spPr/>
-    </dgm:pt>
-    <dgm:pt modelId="{323121AB-664B-AF4A-BC8A-40D909CB56EE}" type="pres">
-      <dgm:prSet presAssocID="{94CEBBE1-E193-4B4A-80D9-45193A8A921E}" presName="spNode" presStyleCnt="0"/>
-      <dgm:spPr/>
-    </dgm:pt>
-    <dgm:pt modelId="{D70FFB5B-7196-2745-882B-5C15AA3B1A91}" type="pres">
-      <dgm:prSet presAssocID="{31D87654-1325-5C40-B7F5-27E003CA00CD}" presName="sibTrans" presStyleLbl="sibTrans1D1" presStyleIdx="4" presStyleCnt="6"/>
-      <dgm:spPr/>
-    </dgm:pt>
-    <dgm:pt modelId="{96D26CC3-243F-814E-B49C-D450CBC9D125}" type="pres">
-      <dgm:prSet presAssocID="{A1A13004-0833-3F46-A5D9-D94AA2AA227A}" presName="node" presStyleLbl="node1" presStyleIdx="5" presStyleCnt="6">
-        <dgm:presLayoutVars>
-          <dgm:bulletEnabled val="1"/>
-        </dgm:presLayoutVars>
-      </dgm:prSet>
-      <dgm:spPr/>
-    </dgm:pt>
-    <dgm:pt modelId="{8000040D-9CA2-8D45-9591-5AC13CD358EC}" type="pres">
-      <dgm:prSet presAssocID="{A1A13004-0833-3F46-A5D9-D94AA2AA227A}" presName="spNode" presStyleCnt="0"/>
-      <dgm:spPr/>
-    </dgm:pt>
-    <dgm:pt modelId="{A7E4D08F-DDC0-AE4A-8385-7BF5AF122C13}" type="pres">
-      <dgm:prSet presAssocID="{E55528A8-47D5-754C-AF23-387DFEBCD1A8}" presName="sibTrans" presStyleLbl="sibTrans1D1" presStyleIdx="5" presStyleCnt="6"/>
-      <dgm:spPr/>
-    </dgm:pt>
-  </dgm:ptLst>
-  <dgm:cxnLst>
-    <dgm:cxn modelId="{D736B904-5EBA-6749-90DA-92E1A885B97A}" srcId="{4726C3A0-9359-2640-905B-55E1762B10CD}" destId="{7FBE86BB-0C05-0A43-8EF9-D745BAE21706}" srcOrd="3" destOrd="0" parTransId="{EFD9CE60-45CF-8448-ABD4-619776C0470E}" sibTransId="{55B8E4BE-D569-5740-8089-18CCA3348BFE}"/>
-    <dgm:cxn modelId="{A886E606-8C29-234E-B4D9-44DB4FB91881}" type="presOf" srcId="{2038954B-620D-EF4E-8EB2-2F972AA277EF}" destId="{6A7B836C-E443-2A4A-8BFE-A0EEE6428212}" srcOrd="0" destOrd="0" presId="urn:microsoft.com/office/officeart/2005/8/layout/cycle6"/>
-    <dgm:cxn modelId="{CBE21E0E-15A2-7E4D-98CA-CFACDF565936}" type="presOf" srcId="{94CEBBE1-E193-4B4A-80D9-45193A8A921E}" destId="{2F3D628B-8FE5-B743-9C78-6510C5458276}" srcOrd="0" destOrd="0" presId="urn:microsoft.com/office/officeart/2005/8/layout/cycle6"/>
-    <dgm:cxn modelId="{BA2E1238-C554-4949-8EC2-D769148960AD}" type="presOf" srcId="{55B8E4BE-D569-5740-8089-18CCA3348BFE}" destId="{AB4B3CE1-8223-6649-BCE5-BFAFBE2E548A}" srcOrd="0" destOrd="0" presId="urn:microsoft.com/office/officeart/2005/8/layout/cycle6"/>
-    <dgm:cxn modelId="{389E5E38-01A9-BC43-AB61-424430348542}" type="presOf" srcId="{4726C3A0-9359-2640-905B-55E1762B10CD}" destId="{B2EDF786-1CBD-B042-8116-B8E3997A0A9A}" srcOrd="0" destOrd="0" presId="urn:microsoft.com/office/officeart/2005/8/layout/cycle6"/>
-    <dgm:cxn modelId="{144DC94B-9A2E-2440-BD77-C0C7855D56C7}" type="presOf" srcId="{4A3C5081-BC8B-884A-8B80-00AAA42E99CF}" destId="{C1B69FEC-02E6-084A-A179-F3F270B4305E}" srcOrd="0" destOrd="0" presId="urn:microsoft.com/office/officeart/2005/8/layout/cycle6"/>
-    <dgm:cxn modelId="{FEA85E52-853A-C747-BCD5-3EAEBF4EE30A}" type="presOf" srcId="{CAAA9B0E-5567-5044-960A-71FA3C87E558}" destId="{AED27F41-4673-FB48-B77C-58D161B1749C}" srcOrd="0" destOrd="0" presId="urn:microsoft.com/office/officeart/2005/8/layout/cycle6"/>
-    <dgm:cxn modelId="{5D3EA85D-990E-8848-A8A3-A6E6822A51BA}" type="presOf" srcId="{31D87654-1325-5C40-B7F5-27E003CA00CD}" destId="{D70FFB5B-7196-2745-882B-5C15AA3B1A91}" srcOrd="0" destOrd="0" presId="urn:microsoft.com/office/officeart/2005/8/layout/cycle6"/>
-    <dgm:cxn modelId="{EE446F6B-60C9-DC49-92EF-404D31D47EFB}" srcId="{4726C3A0-9359-2640-905B-55E1762B10CD}" destId="{A1A13004-0833-3F46-A5D9-D94AA2AA227A}" srcOrd="5" destOrd="0" parTransId="{BD35F618-E43C-D347-BA50-111A3D72126F}" sibTransId="{E55528A8-47D5-754C-AF23-387DFEBCD1A8}"/>
-    <dgm:cxn modelId="{A544A17D-ABFC-E146-8C96-79E71B022A4A}" srcId="{4726C3A0-9359-2640-905B-55E1762B10CD}" destId="{68719485-CC14-7E4E-A2BF-DA8F462C89DD}" srcOrd="1" destOrd="0" parTransId="{160ED75F-ED0A-A544-BFC3-8F4DB3060258}" sibTransId="{CAAA9B0E-5567-5044-960A-71FA3C87E558}"/>
-    <dgm:cxn modelId="{91412783-10FE-6945-A101-5E8165F7E087}" type="presOf" srcId="{68719485-CC14-7E4E-A2BF-DA8F462C89DD}" destId="{F438510F-FD89-A348-B3C6-EF4B025276B8}" srcOrd="0" destOrd="0" presId="urn:microsoft.com/office/officeart/2005/8/layout/cycle6"/>
-    <dgm:cxn modelId="{30EDC897-80D7-CE4C-BB06-00ED7C28AB63}" type="presOf" srcId="{5715522D-B295-8A40-A627-B18666E8E55C}" destId="{994040FF-C122-854E-B813-FBD090C62DD7}" srcOrd="0" destOrd="0" presId="urn:microsoft.com/office/officeart/2005/8/layout/cycle6"/>
-    <dgm:cxn modelId="{D7A28DA7-4F93-084D-9E5F-97891E761836}" srcId="{4726C3A0-9359-2640-905B-55E1762B10CD}" destId="{4A3C5081-BC8B-884A-8B80-00AAA42E99CF}" srcOrd="2" destOrd="0" parTransId="{80BA5C9E-136D-E341-B3F0-845C2EED54A8}" sibTransId="{1A3CCC27-2E78-0F4F-B22D-1AB9D5E205C2}"/>
-    <dgm:cxn modelId="{3F71A1AC-5AE4-1440-96EA-18656D070BD8}" type="presOf" srcId="{7FBE86BB-0C05-0A43-8EF9-D745BAE21706}" destId="{78C05615-6BC1-C849-9E69-4A8B7C6BA90F}" srcOrd="0" destOrd="0" presId="urn:microsoft.com/office/officeart/2005/8/layout/cycle6"/>
-    <dgm:cxn modelId="{EE35BDB8-7882-BA4E-8069-63B10777B437}" srcId="{4726C3A0-9359-2640-905B-55E1762B10CD}" destId="{2038954B-620D-EF4E-8EB2-2F972AA277EF}" srcOrd="0" destOrd="0" parTransId="{4607F4F5-6233-B342-A386-636DA230111F}" sibTransId="{5715522D-B295-8A40-A627-B18666E8E55C}"/>
-    <dgm:cxn modelId="{77C73BB9-D495-F448-9215-75D6B4904DBE}" srcId="{4726C3A0-9359-2640-905B-55E1762B10CD}" destId="{94CEBBE1-E193-4B4A-80D9-45193A8A921E}" srcOrd="4" destOrd="0" parTransId="{7DDB9D82-C917-874E-81BF-EA2CF18CA71A}" sibTransId="{31D87654-1325-5C40-B7F5-27E003CA00CD}"/>
-    <dgm:cxn modelId="{6E6256D5-41BB-7B40-BA67-B85DCD854736}" type="presOf" srcId="{E55528A8-47D5-754C-AF23-387DFEBCD1A8}" destId="{A7E4D08F-DDC0-AE4A-8385-7BF5AF122C13}" srcOrd="0" destOrd="0" presId="urn:microsoft.com/office/officeart/2005/8/layout/cycle6"/>
-    <dgm:cxn modelId="{B5C001D9-FE8C-7B4E-8AFB-7284E2F7697B}" type="presOf" srcId="{1A3CCC27-2E78-0F4F-B22D-1AB9D5E205C2}" destId="{8CC182A7-3D39-D540-B970-71BF531F02F2}" srcOrd="0" destOrd="0" presId="urn:microsoft.com/office/officeart/2005/8/layout/cycle6"/>
-    <dgm:cxn modelId="{9DBC12E3-38EE-714E-885E-06126368B77F}" type="presOf" srcId="{A1A13004-0833-3F46-A5D9-D94AA2AA227A}" destId="{96D26CC3-243F-814E-B49C-D450CBC9D125}" srcOrd="0" destOrd="0" presId="urn:microsoft.com/office/officeart/2005/8/layout/cycle6"/>
-    <dgm:cxn modelId="{5FD32284-C7BA-A54D-837F-95ACF246B1A7}" type="presParOf" srcId="{B2EDF786-1CBD-B042-8116-B8E3997A0A9A}" destId="{6A7B836C-E443-2A4A-8BFE-A0EEE6428212}" srcOrd="0" destOrd="0" presId="urn:microsoft.com/office/officeart/2005/8/layout/cycle6"/>
-    <dgm:cxn modelId="{A6139FC4-04C6-CE42-9D5E-2B1F83F7FB61}" type="presParOf" srcId="{B2EDF786-1CBD-B042-8116-B8E3997A0A9A}" destId="{372D586D-11E1-B243-B45E-A852137AD09A}" srcOrd="1" destOrd="0" presId="urn:microsoft.com/office/officeart/2005/8/layout/cycle6"/>
-    <dgm:cxn modelId="{19EEB8D9-F043-8F4B-9EC4-9292C8274CEF}" type="presParOf" srcId="{B2EDF786-1CBD-B042-8116-B8E3997A0A9A}" destId="{994040FF-C122-854E-B813-FBD090C62DD7}" srcOrd="2" destOrd="0" presId="urn:microsoft.com/office/officeart/2005/8/layout/cycle6"/>
-    <dgm:cxn modelId="{7639ADC6-73C6-3F46-9755-DC506BAD3F7D}" type="presParOf" srcId="{B2EDF786-1CBD-B042-8116-B8E3997A0A9A}" destId="{F438510F-FD89-A348-B3C6-EF4B025276B8}" srcOrd="3" destOrd="0" presId="urn:microsoft.com/office/officeart/2005/8/layout/cycle6"/>
-    <dgm:cxn modelId="{3660C99C-4FE4-CB47-8332-C71F102B501B}" type="presParOf" srcId="{B2EDF786-1CBD-B042-8116-B8E3997A0A9A}" destId="{B7FC4C1E-D8E8-504C-AA79-1240557A62DC}" srcOrd="4" destOrd="0" presId="urn:microsoft.com/office/officeart/2005/8/layout/cycle6"/>
-    <dgm:cxn modelId="{1DFCB3FB-40D9-784A-9CCC-970BC26422BC}" type="presParOf" srcId="{B2EDF786-1CBD-B042-8116-B8E3997A0A9A}" destId="{AED27F41-4673-FB48-B77C-58D161B1749C}" srcOrd="5" destOrd="0" presId="urn:microsoft.com/office/officeart/2005/8/layout/cycle6"/>
-    <dgm:cxn modelId="{949C12DF-BDB7-CF4D-A4A1-B5829A688A85}" type="presParOf" srcId="{B2EDF786-1CBD-B042-8116-B8E3997A0A9A}" destId="{C1B69FEC-02E6-084A-A179-F3F270B4305E}" srcOrd="6" destOrd="0" presId="urn:microsoft.com/office/officeart/2005/8/layout/cycle6"/>
-    <dgm:cxn modelId="{A8CD5563-BBE4-6C4E-916E-1BEA1AB366A9}" type="presParOf" srcId="{B2EDF786-1CBD-B042-8116-B8E3997A0A9A}" destId="{48DFC6EC-1B69-464E-BC11-1A11F710AC8E}" srcOrd="7" destOrd="0" presId="urn:microsoft.com/office/officeart/2005/8/layout/cycle6"/>
-    <dgm:cxn modelId="{366C2E44-DA21-9B46-99A1-161A0D0946C1}" type="presParOf" srcId="{B2EDF786-1CBD-B042-8116-B8E3997A0A9A}" destId="{8CC182A7-3D39-D540-B970-71BF531F02F2}" srcOrd="8" destOrd="0" presId="urn:microsoft.com/office/officeart/2005/8/layout/cycle6"/>
-    <dgm:cxn modelId="{6F028B02-4583-834C-878F-00CF050F7375}" type="presParOf" srcId="{B2EDF786-1CBD-B042-8116-B8E3997A0A9A}" destId="{78C05615-6BC1-C849-9E69-4A8B7C6BA90F}" srcOrd="9" destOrd="0" presId="urn:microsoft.com/office/officeart/2005/8/layout/cycle6"/>
-    <dgm:cxn modelId="{78DF0965-B717-434F-B2FA-77D9FB67E1EC}" type="presParOf" srcId="{B2EDF786-1CBD-B042-8116-B8E3997A0A9A}" destId="{0354F8DF-C75F-5548-85C5-DFE5EBE8D6EA}" srcOrd="10" destOrd="0" presId="urn:microsoft.com/office/officeart/2005/8/layout/cycle6"/>
-    <dgm:cxn modelId="{24546B02-F4AD-FD4C-A4C9-B94921D59EDF}" type="presParOf" srcId="{B2EDF786-1CBD-B042-8116-B8E3997A0A9A}" destId="{AB4B3CE1-8223-6649-BCE5-BFAFBE2E548A}" srcOrd="11" destOrd="0" presId="urn:microsoft.com/office/officeart/2005/8/layout/cycle6"/>
-    <dgm:cxn modelId="{1604A2C2-2D2C-FD42-BE57-871B5810B3EA}" type="presParOf" srcId="{B2EDF786-1CBD-B042-8116-B8E3997A0A9A}" destId="{2F3D628B-8FE5-B743-9C78-6510C5458276}" srcOrd="12" destOrd="0" presId="urn:microsoft.com/office/officeart/2005/8/layout/cycle6"/>
-    <dgm:cxn modelId="{AADE6D2A-4B05-D746-9AF1-5D6106DBC4B9}" type="presParOf" srcId="{B2EDF786-1CBD-B042-8116-B8E3997A0A9A}" destId="{323121AB-664B-AF4A-BC8A-40D909CB56EE}" srcOrd="13" destOrd="0" presId="urn:microsoft.com/office/officeart/2005/8/layout/cycle6"/>
-    <dgm:cxn modelId="{8CC2F447-CB00-4347-933D-E191AF61B183}" type="presParOf" srcId="{B2EDF786-1CBD-B042-8116-B8E3997A0A9A}" destId="{D70FFB5B-7196-2745-882B-5C15AA3B1A91}" srcOrd="14" destOrd="0" presId="urn:microsoft.com/office/officeart/2005/8/layout/cycle6"/>
-    <dgm:cxn modelId="{D6F79BF5-095C-0C45-B248-D9757244A0FF}" type="presParOf" srcId="{B2EDF786-1CBD-B042-8116-B8E3997A0A9A}" destId="{96D26CC3-243F-814E-B49C-D450CBC9D125}" srcOrd="15" destOrd="0" presId="urn:microsoft.com/office/officeart/2005/8/layout/cycle6"/>
-    <dgm:cxn modelId="{F0A77396-EF16-E54E-9E54-2C804F05C580}" type="presParOf" srcId="{B2EDF786-1CBD-B042-8116-B8E3997A0A9A}" destId="{8000040D-9CA2-8D45-9591-5AC13CD358EC}" srcOrd="16" destOrd="0" presId="urn:microsoft.com/office/officeart/2005/8/layout/cycle6"/>
-    <dgm:cxn modelId="{841546FE-685F-4B40-A912-F5EC9BBA24EA}" type="presParOf" srcId="{B2EDF786-1CBD-B042-8116-B8E3997A0A9A}" destId="{A7E4D08F-DDC0-AE4A-8385-7BF5AF122C13}" srcOrd="17" destOrd="0" presId="urn:microsoft.com/office/officeart/2005/8/layout/cycle6"/>
-  </dgm:cxnLst>
-  <dgm:bg/>
-  <dgm:whole/>
-  <dgm:extLst>
-    <a:ext uri="http://schemas.microsoft.com/office/drawing/2008/diagram">
-      <dsp:dataModelExt xmlns:dsp="http://schemas.microsoft.com/office/drawing/2008/diagram" relId="rId6" minVer="http://schemas.openxmlformats.org/drawingml/2006/diagram"/>
-    </a:ext>
-  </dgm:extLst>
-</dgm:dataModel>
-</file>
-
-<file path=ppt/diagrams/data2.xml><?xml version="1.0" encoding="utf-8"?>
 <dgm:dataModel xmlns:dgm="http://schemas.openxmlformats.org/drawingml/2006/diagram" xmlns:a="http://schemas.openxmlformats.org/drawingml/2006/main">
   <dgm:ptLst>
     <dgm:pt modelId="{24E98D0C-7FBC-A744-A1CB-B62930838DE2}" type="doc">
@@ -2363,8 +1228,8 @@
     <dgm:cxn modelId="{820A6E21-23A3-5B4B-9522-8F247D672B19}" type="presOf" srcId="{DBACE413-BC55-2B4C-8117-595EF7DFCEF1}" destId="{2861CDE8-F475-4C40-96B8-F87BB63AFF38}" srcOrd="0" destOrd="0" presId="urn:microsoft.com/office/officeart/2009/layout/CircleArrowProcess"/>
     <dgm:cxn modelId="{903BF02F-4F31-5946-9954-4994F1EB9184}" type="presOf" srcId="{24E98D0C-7FBC-A744-A1CB-B62930838DE2}" destId="{C38B935C-3975-B54D-8873-0B6391FB0E12}" srcOrd="0" destOrd="0" presId="urn:microsoft.com/office/officeart/2009/layout/CircleArrowProcess"/>
     <dgm:cxn modelId="{DB5EB03F-55BA-384E-B31E-1A6EF31B20A5}" srcId="{24E98D0C-7FBC-A744-A1CB-B62930838DE2}" destId="{DBACE413-BC55-2B4C-8117-595EF7DFCEF1}" srcOrd="2" destOrd="0" parTransId="{F982A565-EAB6-1A4D-B5C1-BE5E4D4F9A7A}" sibTransId="{34ADEC99-80F2-BD43-A322-74A32FC4F405}"/>
+    <dgm:cxn modelId="{61BA196A-61BC-C848-B7D0-CFCC6601334A}" srcId="{24E98D0C-7FBC-A744-A1CB-B62930838DE2}" destId="{F0CEECC9-0791-5848-BC56-8F246DD0ED7D}" srcOrd="1" destOrd="0" parTransId="{667D6197-C51F-5C40-877E-DF740ACA1C07}" sibTransId="{3EF66E6A-064C-D04A-899B-763F6294D2CF}"/>
     <dgm:cxn modelId="{1BF61A4B-2C25-844E-86C1-EC15F5ADD0CD}" type="presOf" srcId="{EAC6EB3E-9DE6-1849-B809-63F1A04F3BFC}" destId="{8325684A-D233-6B4F-9A76-CAB82850ECF5}" srcOrd="0" destOrd="0" presId="urn:microsoft.com/office/officeart/2009/layout/CircleArrowProcess"/>
-    <dgm:cxn modelId="{61BA196A-61BC-C848-B7D0-CFCC6601334A}" srcId="{24E98D0C-7FBC-A744-A1CB-B62930838DE2}" destId="{F0CEECC9-0791-5848-BC56-8F246DD0ED7D}" srcOrd="1" destOrd="0" parTransId="{667D6197-C51F-5C40-877E-DF740ACA1C07}" sibTransId="{3EF66E6A-064C-D04A-899B-763F6294D2CF}"/>
     <dgm:cxn modelId="{21187091-55FA-BB4B-82D9-F5048FB3921B}" srcId="{24E98D0C-7FBC-A744-A1CB-B62930838DE2}" destId="{67EE80A6-C775-7649-BB67-CC264C9C9D31}" srcOrd="3" destOrd="0" parTransId="{EA82F153-6476-7B45-8614-EBA3B8BA324F}" sibTransId="{E15C0DFE-C60C-0A49-99EA-04BC0446F503}"/>
     <dgm:cxn modelId="{232C6DA8-9C3A-1E42-8D5D-FD6C36D4F2E0}" type="presOf" srcId="{F0CEECC9-0791-5848-BC56-8F246DD0ED7D}" destId="{F489C2DE-3545-E348-8A2B-2A8B3F9224F1}" srcOrd="0" destOrd="0" presId="urn:microsoft.com/office/officeart/2009/layout/CircleArrowProcess"/>
     <dgm:cxn modelId="{26BF57CF-98A0-4D46-AF6C-B44B7F6BDA28}" type="presOf" srcId="{67EE80A6-C775-7649-BB67-CC264C9C9D31}" destId="{532D52DA-9CE5-3945-881C-42135F991697}" srcOrd="0" destOrd="0" presId="urn:microsoft.com/office/officeart/2009/layout/CircleArrowProcess"/>
@@ -2393,990 +1258,6 @@
 </file>
 
 <file path=ppt/diagrams/drawing1.xml><?xml version="1.0" encoding="utf-8"?>
-<dsp:drawing xmlns:dgm="http://schemas.openxmlformats.org/drawingml/2006/diagram" xmlns:dsp="http://schemas.microsoft.com/office/drawing/2008/diagram" xmlns:a="http://schemas.openxmlformats.org/drawingml/2006/main">
-  <dsp:spTree>
-    <dsp:nvGrpSpPr>
-      <dsp:cNvPr id="0" name=""/>
-      <dsp:cNvGrpSpPr/>
-    </dsp:nvGrpSpPr>
-    <dsp:grpSpPr/>
-    <dsp:sp modelId="{6A7B836C-E443-2A4A-8BFE-A0EEE6428212}">
-      <dsp:nvSpPr>
-        <dsp:cNvPr id="0" name=""/>
-        <dsp:cNvSpPr/>
-      </dsp:nvSpPr>
-      <dsp:spPr>
-        <a:xfrm>
-          <a:off x="3827623" y="1670"/>
-          <a:ext cx="969671" cy="630286"/>
-        </a:xfrm>
-        <a:prstGeom prst="roundRect">
-          <a:avLst/>
-        </a:prstGeom>
-        <a:gradFill rotWithShape="0">
-          <a:gsLst>
-            <a:gs pos="0">
-              <a:schemeClr val="accent1">
-                <a:hueOff val="0"/>
-                <a:satOff val="0"/>
-                <a:lumOff val="0"/>
-                <a:alphaOff val="0"/>
-                <a:tint val="50000"/>
-                <a:satMod val="300000"/>
-              </a:schemeClr>
-            </a:gs>
-            <a:gs pos="35000">
-              <a:schemeClr val="accent1">
-                <a:hueOff val="0"/>
-                <a:satOff val="0"/>
-                <a:lumOff val="0"/>
-                <a:alphaOff val="0"/>
-                <a:tint val="37000"/>
-                <a:satMod val="300000"/>
-              </a:schemeClr>
-            </a:gs>
-            <a:gs pos="100000">
-              <a:schemeClr val="accent1">
-                <a:hueOff val="0"/>
-                <a:satOff val="0"/>
-                <a:lumOff val="0"/>
-                <a:alphaOff val="0"/>
-                <a:tint val="15000"/>
-                <a:satMod val="350000"/>
-              </a:schemeClr>
-            </a:gs>
-          </a:gsLst>
-          <a:lin ang="16200000" scaled="1"/>
-        </a:gradFill>
-        <a:ln>
-          <a:noFill/>
-        </a:ln>
-        <a:effectLst>
-          <a:outerShdw blurRad="40000" dist="20000" dir="5400000" rotWithShape="0">
-            <a:srgbClr val="000000">
-              <a:alpha val="38000"/>
-            </a:srgbClr>
-          </a:outerShdw>
-        </a:effectLst>
-        <a:scene3d>
-          <a:camera prst="orthographicFront"/>
-          <a:lightRig rig="flat" dir="t"/>
-        </a:scene3d>
-        <a:sp3d prstMaterial="dkEdge">
-          <a:bevelT w="8200" h="38100"/>
-        </a:sp3d>
-      </dsp:spPr>
-      <dsp:style>
-        <a:lnRef idx="0">
-          <a:scrgbClr r="0" g="0" b="0"/>
-        </a:lnRef>
-        <a:fillRef idx="2">
-          <a:scrgbClr r="0" g="0" b="0"/>
-        </a:fillRef>
-        <a:effectRef idx="1">
-          <a:scrgbClr r="0" g="0" b="0"/>
-        </a:effectRef>
-        <a:fontRef idx="minor">
-          <a:schemeClr val="dk1"/>
-        </a:fontRef>
-      </dsp:style>
-      <dsp:txBody>
-        <a:bodyPr spcFirstLastPara="0" vert="horz" wrap="square" lIns="26670" tIns="26670" rIns="26670" bIns="26670" numCol="1" spcCol="1270" anchor="ctr" anchorCtr="0">
-          <a:noAutofit/>
-        </a:bodyPr>
-        <a:lstStyle/>
-        <a:p>
-          <a:pPr marL="0" lvl="0" indent="0" algn="ctr" defTabSz="311150">
-            <a:lnSpc>
-              <a:spcPct val="90000"/>
-            </a:lnSpc>
-            <a:spcBef>
-              <a:spcPct val="0"/>
-            </a:spcBef>
-            <a:spcAft>
-              <a:spcPct val="35000"/>
-            </a:spcAft>
-            <a:buNone/>
-          </a:pPr>
-          <a:r>
-            <a:rPr lang="en-US" sz="700" kern="1200"/>
-            <a:t>I’m Billy, I want to be able to find a cat that is independent so I don’t have to be with it all day</a:t>
-          </a:r>
-          <a:endParaRPr lang="en-AU" sz="700" kern="1200"/>
-        </a:p>
-      </dsp:txBody>
-      <dsp:txXfrm>
-        <a:off x="3858391" y="32438"/>
-        <a:ext cx="908135" cy="568750"/>
-      </dsp:txXfrm>
-    </dsp:sp>
-    <dsp:sp modelId="{994040FF-C122-854E-B813-FBD090C62DD7}">
-      <dsp:nvSpPr>
-        <dsp:cNvPr id="0" name=""/>
-        <dsp:cNvSpPr/>
-      </dsp:nvSpPr>
-      <dsp:spPr>
-        <a:xfrm>
-          <a:off x="2829048" y="316814"/>
-          <a:ext cx="2966821" cy="2966821"/>
-        </a:xfrm>
-        <a:custGeom>
-          <a:avLst/>
-          <a:gdLst/>
-          <a:ahLst/>
-          <a:cxnLst/>
-          <a:rect l="0" t="0" r="0" b="0"/>
-          <a:pathLst>
-            <a:path>
-              <a:moveTo>
-                <a:pt x="1974427" y="83621"/>
-              </a:moveTo>
-              <a:arcTo wR="1483410" hR="1483410" stAng="17359787" swAng="1498993"/>
-            </a:path>
-          </a:pathLst>
-        </a:custGeom>
-        <a:noFill/>
-        <a:ln w="9525" cap="flat" cmpd="sng" algn="ctr">
-          <a:solidFill>
-            <a:schemeClr val="accent1">
-              <a:hueOff val="0"/>
-              <a:satOff val="0"/>
-              <a:lumOff val="0"/>
-              <a:alphaOff val="0"/>
-            </a:schemeClr>
-          </a:solidFill>
-          <a:prstDash val="solid"/>
-        </a:ln>
-        <a:effectLst/>
-      </dsp:spPr>
-      <dsp:style>
-        <a:lnRef idx="1">
-          <a:scrgbClr r="0" g="0" b="0"/>
-        </a:lnRef>
-        <a:fillRef idx="0">
-          <a:scrgbClr r="0" g="0" b="0"/>
-        </a:fillRef>
-        <a:effectRef idx="0">
-          <a:scrgbClr r="0" g="0" b="0"/>
-        </a:effectRef>
-        <a:fontRef idx="minor"/>
-      </dsp:style>
-    </dsp:sp>
-    <dsp:sp modelId="{F438510F-FD89-A348-B3C6-EF4B025276B8}">
-      <dsp:nvSpPr>
-        <dsp:cNvPr id="0" name=""/>
-        <dsp:cNvSpPr/>
-      </dsp:nvSpPr>
-      <dsp:spPr>
-        <a:xfrm>
-          <a:off x="5112294" y="743376"/>
-          <a:ext cx="969671" cy="630286"/>
-        </a:xfrm>
-        <a:prstGeom prst="roundRect">
-          <a:avLst/>
-        </a:prstGeom>
-        <a:gradFill rotWithShape="0">
-          <a:gsLst>
-            <a:gs pos="0">
-              <a:schemeClr val="accent1">
-                <a:hueOff val="0"/>
-                <a:satOff val="0"/>
-                <a:lumOff val="0"/>
-                <a:alphaOff val="0"/>
-                <a:tint val="50000"/>
-                <a:satMod val="300000"/>
-              </a:schemeClr>
-            </a:gs>
-            <a:gs pos="35000">
-              <a:schemeClr val="accent1">
-                <a:hueOff val="0"/>
-                <a:satOff val="0"/>
-                <a:lumOff val="0"/>
-                <a:alphaOff val="0"/>
-                <a:tint val="37000"/>
-                <a:satMod val="300000"/>
-              </a:schemeClr>
-            </a:gs>
-            <a:gs pos="100000">
-              <a:schemeClr val="accent1">
-                <a:hueOff val="0"/>
-                <a:satOff val="0"/>
-                <a:lumOff val="0"/>
-                <a:alphaOff val="0"/>
-                <a:tint val="15000"/>
-                <a:satMod val="350000"/>
-              </a:schemeClr>
-            </a:gs>
-          </a:gsLst>
-          <a:lin ang="16200000" scaled="1"/>
-        </a:gradFill>
-        <a:ln>
-          <a:noFill/>
-        </a:ln>
-        <a:effectLst>
-          <a:outerShdw blurRad="40000" dist="20000" dir="5400000" rotWithShape="0">
-            <a:srgbClr val="000000">
-              <a:alpha val="38000"/>
-            </a:srgbClr>
-          </a:outerShdw>
-        </a:effectLst>
-        <a:scene3d>
-          <a:camera prst="orthographicFront"/>
-          <a:lightRig rig="flat" dir="t"/>
-        </a:scene3d>
-        <a:sp3d prstMaterial="dkEdge">
-          <a:bevelT w="8200" h="38100"/>
-        </a:sp3d>
-      </dsp:spPr>
-      <dsp:style>
-        <a:lnRef idx="0">
-          <a:scrgbClr r="0" g="0" b="0"/>
-        </a:lnRef>
-        <a:fillRef idx="2">
-          <a:scrgbClr r="0" g="0" b="0"/>
-        </a:fillRef>
-        <a:effectRef idx="1">
-          <a:scrgbClr r="0" g="0" b="0"/>
-        </a:effectRef>
-        <a:fontRef idx="minor">
-          <a:schemeClr val="dk1"/>
-        </a:fontRef>
-      </dsp:style>
-      <dsp:txBody>
-        <a:bodyPr spcFirstLastPara="0" vert="horz" wrap="square" lIns="26670" tIns="26670" rIns="26670" bIns="26670" numCol="1" spcCol="1270" anchor="ctr" anchorCtr="0">
-          <a:noAutofit/>
-        </a:bodyPr>
-        <a:lstStyle/>
-        <a:p>
-          <a:pPr marL="0" lvl="0" indent="0" algn="ctr" defTabSz="311150">
-            <a:lnSpc>
-              <a:spcPct val="90000"/>
-            </a:lnSpc>
-            <a:spcBef>
-              <a:spcPct val="0"/>
-            </a:spcBef>
-            <a:spcAft>
-              <a:spcPct val="35000"/>
-            </a:spcAft>
-            <a:buNone/>
-          </a:pPr>
-          <a:r>
-            <a:rPr lang="en-US" sz="700" kern="1200"/>
-            <a:t>I’m Alyssa, I want to find the right breed of cat so I can post it to Instagram</a:t>
-          </a:r>
-          <a:endParaRPr lang="en-AU" sz="700" kern="1200"/>
-        </a:p>
-      </dsp:txBody>
-      <dsp:txXfrm>
-        <a:off x="5143062" y="774144"/>
-        <a:ext cx="908135" cy="568750"/>
-      </dsp:txXfrm>
-    </dsp:sp>
-    <dsp:sp modelId="{AED27F41-4673-FB48-B77C-58D161B1749C}">
-      <dsp:nvSpPr>
-        <dsp:cNvPr id="0" name=""/>
-        <dsp:cNvSpPr/>
-      </dsp:nvSpPr>
-      <dsp:spPr>
-        <a:xfrm>
-          <a:off x="2829048" y="316814"/>
-          <a:ext cx="2966821" cy="2966821"/>
-        </a:xfrm>
-        <a:custGeom>
-          <a:avLst/>
-          <a:gdLst/>
-          <a:ahLst/>
-          <a:cxnLst/>
-          <a:rect l="0" t="0" r="0" b="0"/>
-          <a:pathLst>
-            <a:path>
-              <a:moveTo>
-                <a:pt x="2906598" y="1065026"/>
-              </a:moveTo>
-              <a:arcTo wR="1483410" hR="1483410" stAng="20617073" swAng="1965854"/>
-            </a:path>
-          </a:pathLst>
-        </a:custGeom>
-        <a:noFill/>
-        <a:ln w="9525" cap="flat" cmpd="sng" algn="ctr">
-          <a:solidFill>
-            <a:schemeClr val="accent1">
-              <a:hueOff val="0"/>
-              <a:satOff val="0"/>
-              <a:lumOff val="0"/>
-              <a:alphaOff val="0"/>
-            </a:schemeClr>
-          </a:solidFill>
-          <a:prstDash val="solid"/>
-        </a:ln>
-        <a:effectLst/>
-      </dsp:spPr>
-      <dsp:style>
-        <a:lnRef idx="1">
-          <a:scrgbClr r="0" g="0" b="0"/>
-        </a:lnRef>
-        <a:fillRef idx="0">
-          <a:scrgbClr r="0" g="0" b="0"/>
-        </a:fillRef>
-        <a:effectRef idx="0">
-          <a:scrgbClr r="0" g="0" b="0"/>
-        </a:effectRef>
-        <a:fontRef idx="minor"/>
-      </dsp:style>
-    </dsp:sp>
-    <dsp:sp modelId="{C1B69FEC-02E6-084A-A179-F3F270B4305E}">
-      <dsp:nvSpPr>
-        <dsp:cNvPr id="0" name=""/>
-        <dsp:cNvSpPr/>
-      </dsp:nvSpPr>
-      <dsp:spPr>
-        <a:xfrm>
-          <a:off x="5112294" y="2226787"/>
-          <a:ext cx="969671" cy="630286"/>
-        </a:xfrm>
-        <a:prstGeom prst="roundRect">
-          <a:avLst/>
-        </a:prstGeom>
-        <a:gradFill rotWithShape="0">
-          <a:gsLst>
-            <a:gs pos="0">
-              <a:schemeClr val="accent1">
-                <a:hueOff val="0"/>
-                <a:satOff val="0"/>
-                <a:lumOff val="0"/>
-                <a:alphaOff val="0"/>
-                <a:tint val="50000"/>
-                <a:satMod val="300000"/>
-              </a:schemeClr>
-            </a:gs>
-            <a:gs pos="35000">
-              <a:schemeClr val="accent1">
-                <a:hueOff val="0"/>
-                <a:satOff val="0"/>
-                <a:lumOff val="0"/>
-                <a:alphaOff val="0"/>
-                <a:tint val="37000"/>
-                <a:satMod val="300000"/>
-              </a:schemeClr>
-            </a:gs>
-            <a:gs pos="100000">
-              <a:schemeClr val="accent1">
-                <a:hueOff val="0"/>
-                <a:satOff val="0"/>
-                <a:lumOff val="0"/>
-                <a:alphaOff val="0"/>
-                <a:tint val="15000"/>
-                <a:satMod val="350000"/>
-              </a:schemeClr>
-            </a:gs>
-          </a:gsLst>
-          <a:lin ang="16200000" scaled="1"/>
-        </a:gradFill>
-        <a:ln>
-          <a:noFill/>
-        </a:ln>
-        <a:effectLst>
-          <a:outerShdw blurRad="40000" dist="20000" dir="5400000" rotWithShape="0">
-            <a:srgbClr val="000000">
-              <a:alpha val="38000"/>
-            </a:srgbClr>
-          </a:outerShdw>
-        </a:effectLst>
-        <a:scene3d>
-          <a:camera prst="orthographicFront"/>
-          <a:lightRig rig="flat" dir="t"/>
-        </a:scene3d>
-        <a:sp3d prstMaterial="dkEdge">
-          <a:bevelT w="8200" h="38100"/>
-        </a:sp3d>
-      </dsp:spPr>
-      <dsp:style>
-        <a:lnRef idx="0">
-          <a:scrgbClr r="0" g="0" b="0"/>
-        </a:lnRef>
-        <a:fillRef idx="2">
-          <a:scrgbClr r="0" g="0" b="0"/>
-        </a:fillRef>
-        <a:effectRef idx="1">
-          <a:scrgbClr r="0" g="0" b="0"/>
-        </a:effectRef>
-        <a:fontRef idx="minor">
-          <a:schemeClr val="dk1"/>
-        </a:fontRef>
-      </dsp:style>
-      <dsp:txBody>
-        <a:bodyPr spcFirstLastPara="0" vert="horz" wrap="square" lIns="26670" tIns="26670" rIns="26670" bIns="26670" numCol="1" spcCol="1270" anchor="ctr" anchorCtr="0">
-          <a:noAutofit/>
-        </a:bodyPr>
-        <a:lstStyle/>
-        <a:p>
-          <a:pPr marL="0" lvl="0" indent="0" algn="ctr" defTabSz="311150">
-            <a:lnSpc>
-              <a:spcPct val="90000"/>
-            </a:lnSpc>
-            <a:spcBef>
-              <a:spcPct val="0"/>
-            </a:spcBef>
-            <a:spcAft>
-              <a:spcPct val="35000"/>
-            </a:spcAft>
-            <a:buNone/>
-          </a:pPr>
-          <a:r>
-            <a:rPr lang="en-US" sz="700" kern="1200"/>
-            <a:t>I’m Garrett, I want a cat that’s toilet-trained so that it doesn’t crap on my floor</a:t>
-          </a:r>
-          <a:endParaRPr lang="en-AU" sz="700" kern="1200"/>
-        </a:p>
-      </dsp:txBody>
-      <dsp:txXfrm>
-        <a:off x="5143062" y="2257555"/>
-        <a:ext cx="908135" cy="568750"/>
-      </dsp:txXfrm>
-    </dsp:sp>
-    <dsp:sp modelId="{8CC182A7-3D39-D540-B970-71BF531F02F2}">
-      <dsp:nvSpPr>
-        <dsp:cNvPr id="0" name=""/>
-        <dsp:cNvSpPr/>
-      </dsp:nvSpPr>
-      <dsp:spPr>
-        <a:xfrm>
-          <a:off x="2829048" y="316814"/>
-          <a:ext cx="2966821" cy="2966821"/>
-        </a:xfrm>
-        <a:custGeom>
-          <a:avLst/>
-          <a:gdLst/>
-          <a:ahLst/>
-          <a:cxnLst/>
-          <a:rect l="0" t="0" r="0" b="0"/>
-          <a:pathLst>
-            <a:path>
-              <a:moveTo>
-                <a:pt x="2519688" y="2544841"/>
-              </a:moveTo>
-              <a:arcTo wR="1483410" hR="1483410" stAng="2741219" swAng="1498993"/>
-            </a:path>
-          </a:pathLst>
-        </a:custGeom>
-        <a:noFill/>
-        <a:ln w="9525" cap="flat" cmpd="sng" algn="ctr">
-          <a:solidFill>
-            <a:schemeClr val="accent1">
-              <a:hueOff val="0"/>
-              <a:satOff val="0"/>
-              <a:lumOff val="0"/>
-              <a:alphaOff val="0"/>
-            </a:schemeClr>
-          </a:solidFill>
-          <a:prstDash val="solid"/>
-        </a:ln>
-        <a:effectLst/>
-      </dsp:spPr>
-      <dsp:style>
-        <a:lnRef idx="1">
-          <a:scrgbClr r="0" g="0" b="0"/>
-        </a:lnRef>
-        <a:fillRef idx="0">
-          <a:scrgbClr r="0" g="0" b="0"/>
-        </a:fillRef>
-        <a:effectRef idx="0">
-          <a:scrgbClr r="0" g="0" b="0"/>
-        </a:effectRef>
-        <a:fontRef idx="minor"/>
-      </dsp:style>
-    </dsp:sp>
-    <dsp:sp modelId="{78C05615-6BC1-C849-9E69-4A8B7C6BA90F}">
-      <dsp:nvSpPr>
-        <dsp:cNvPr id="0" name=""/>
-        <dsp:cNvSpPr/>
-      </dsp:nvSpPr>
-      <dsp:spPr>
-        <a:xfrm>
-          <a:off x="3827623" y="2968492"/>
-          <a:ext cx="969671" cy="630286"/>
-        </a:xfrm>
-        <a:prstGeom prst="roundRect">
-          <a:avLst/>
-        </a:prstGeom>
-        <a:gradFill rotWithShape="0">
-          <a:gsLst>
-            <a:gs pos="0">
-              <a:schemeClr val="accent1">
-                <a:hueOff val="0"/>
-                <a:satOff val="0"/>
-                <a:lumOff val="0"/>
-                <a:alphaOff val="0"/>
-                <a:tint val="50000"/>
-                <a:satMod val="300000"/>
-              </a:schemeClr>
-            </a:gs>
-            <a:gs pos="35000">
-              <a:schemeClr val="accent1">
-                <a:hueOff val="0"/>
-                <a:satOff val="0"/>
-                <a:lumOff val="0"/>
-                <a:alphaOff val="0"/>
-                <a:tint val="37000"/>
-                <a:satMod val="300000"/>
-              </a:schemeClr>
-            </a:gs>
-            <a:gs pos="100000">
-              <a:schemeClr val="accent1">
-                <a:hueOff val="0"/>
-                <a:satOff val="0"/>
-                <a:lumOff val="0"/>
-                <a:alphaOff val="0"/>
-                <a:tint val="15000"/>
-                <a:satMod val="350000"/>
-              </a:schemeClr>
-            </a:gs>
-          </a:gsLst>
-          <a:lin ang="16200000" scaled="1"/>
-        </a:gradFill>
-        <a:ln>
-          <a:noFill/>
-        </a:ln>
-        <a:effectLst>
-          <a:outerShdw blurRad="40000" dist="20000" dir="5400000" rotWithShape="0">
-            <a:srgbClr val="000000">
-              <a:alpha val="38000"/>
-            </a:srgbClr>
-          </a:outerShdw>
-        </a:effectLst>
-        <a:scene3d>
-          <a:camera prst="orthographicFront"/>
-          <a:lightRig rig="flat" dir="t"/>
-        </a:scene3d>
-        <a:sp3d prstMaterial="dkEdge">
-          <a:bevelT w="8200" h="38100"/>
-        </a:sp3d>
-      </dsp:spPr>
-      <dsp:style>
-        <a:lnRef idx="0">
-          <a:scrgbClr r="0" g="0" b="0"/>
-        </a:lnRef>
-        <a:fillRef idx="2">
-          <a:scrgbClr r="0" g="0" b="0"/>
-        </a:fillRef>
-        <a:effectRef idx="1">
-          <a:scrgbClr r="0" g="0" b="0"/>
-        </a:effectRef>
-        <a:fontRef idx="minor">
-          <a:schemeClr val="dk1"/>
-        </a:fontRef>
-      </dsp:style>
-      <dsp:txBody>
-        <a:bodyPr spcFirstLastPara="0" vert="horz" wrap="square" lIns="26670" tIns="26670" rIns="26670" bIns="26670" numCol="1" spcCol="1270" anchor="ctr" anchorCtr="0">
-          <a:noAutofit/>
-        </a:bodyPr>
-        <a:lstStyle/>
-        <a:p>
-          <a:pPr marL="0" lvl="0" indent="0" algn="ctr" defTabSz="311150">
-            <a:lnSpc>
-              <a:spcPct val="90000"/>
-            </a:lnSpc>
-            <a:spcBef>
-              <a:spcPct val="0"/>
-            </a:spcBef>
-            <a:spcAft>
-              <a:spcPct val="35000"/>
-            </a:spcAft>
-            <a:buNone/>
-          </a:pPr>
-          <a:r>
-            <a:rPr lang="en-US" sz="700" kern="1200"/>
-            <a:t>I’m Saad, I want to find a bald cat because I hate cleaning</a:t>
-          </a:r>
-          <a:endParaRPr lang="en-AU" sz="700" kern="1200"/>
-        </a:p>
-      </dsp:txBody>
-      <dsp:txXfrm>
-        <a:off x="3858391" y="2999260"/>
-        <a:ext cx="908135" cy="568750"/>
-      </dsp:txXfrm>
-    </dsp:sp>
-    <dsp:sp modelId="{AB4B3CE1-8223-6649-BCE5-BFAFBE2E548A}">
-      <dsp:nvSpPr>
-        <dsp:cNvPr id="0" name=""/>
-        <dsp:cNvSpPr/>
-      </dsp:nvSpPr>
-      <dsp:spPr>
-        <a:xfrm>
-          <a:off x="2829048" y="316814"/>
-          <a:ext cx="2966821" cy="2966821"/>
-        </a:xfrm>
-        <a:custGeom>
-          <a:avLst/>
-          <a:gdLst/>
-          <a:ahLst/>
-          <a:cxnLst/>
-          <a:rect l="0" t="0" r="0" b="0"/>
-          <a:pathLst>
-            <a:path>
-              <a:moveTo>
-                <a:pt x="992394" y="2883200"/>
-              </a:moveTo>
-              <a:arcTo wR="1483410" hR="1483410" stAng="6559787" swAng="1498993"/>
-            </a:path>
-          </a:pathLst>
-        </a:custGeom>
-        <a:noFill/>
-        <a:ln w="9525" cap="flat" cmpd="sng" algn="ctr">
-          <a:solidFill>
-            <a:schemeClr val="accent1">
-              <a:hueOff val="0"/>
-              <a:satOff val="0"/>
-              <a:lumOff val="0"/>
-              <a:alphaOff val="0"/>
-            </a:schemeClr>
-          </a:solidFill>
-          <a:prstDash val="solid"/>
-        </a:ln>
-        <a:effectLst/>
-      </dsp:spPr>
-      <dsp:style>
-        <a:lnRef idx="1">
-          <a:scrgbClr r="0" g="0" b="0"/>
-        </a:lnRef>
-        <a:fillRef idx="0">
-          <a:scrgbClr r="0" g="0" b="0"/>
-        </a:fillRef>
-        <a:effectRef idx="0">
-          <a:scrgbClr r="0" g="0" b="0"/>
-        </a:effectRef>
-        <a:fontRef idx="minor"/>
-      </dsp:style>
-    </dsp:sp>
-    <dsp:sp modelId="{2F3D628B-8FE5-B743-9C78-6510C5458276}">
-      <dsp:nvSpPr>
-        <dsp:cNvPr id="0" name=""/>
-        <dsp:cNvSpPr/>
-      </dsp:nvSpPr>
-      <dsp:spPr>
-        <a:xfrm>
-          <a:off x="2542951" y="2226787"/>
-          <a:ext cx="969671" cy="630286"/>
-        </a:xfrm>
-        <a:prstGeom prst="roundRect">
-          <a:avLst/>
-        </a:prstGeom>
-        <a:gradFill rotWithShape="0">
-          <a:gsLst>
-            <a:gs pos="0">
-              <a:schemeClr val="accent1">
-                <a:hueOff val="0"/>
-                <a:satOff val="0"/>
-                <a:lumOff val="0"/>
-                <a:alphaOff val="0"/>
-                <a:tint val="50000"/>
-                <a:satMod val="300000"/>
-              </a:schemeClr>
-            </a:gs>
-            <a:gs pos="35000">
-              <a:schemeClr val="accent1">
-                <a:hueOff val="0"/>
-                <a:satOff val="0"/>
-                <a:lumOff val="0"/>
-                <a:alphaOff val="0"/>
-                <a:tint val="37000"/>
-                <a:satMod val="300000"/>
-              </a:schemeClr>
-            </a:gs>
-            <a:gs pos="100000">
-              <a:schemeClr val="accent1">
-                <a:hueOff val="0"/>
-                <a:satOff val="0"/>
-                <a:lumOff val="0"/>
-                <a:alphaOff val="0"/>
-                <a:tint val="15000"/>
-                <a:satMod val="350000"/>
-              </a:schemeClr>
-            </a:gs>
-          </a:gsLst>
-          <a:lin ang="16200000" scaled="1"/>
-        </a:gradFill>
-        <a:ln>
-          <a:noFill/>
-        </a:ln>
-        <a:effectLst>
-          <a:outerShdw blurRad="40000" dist="20000" dir="5400000" rotWithShape="0">
-            <a:srgbClr val="000000">
-              <a:alpha val="38000"/>
-            </a:srgbClr>
-          </a:outerShdw>
-        </a:effectLst>
-        <a:scene3d>
-          <a:camera prst="orthographicFront"/>
-          <a:lightRig rig="flat" dir="t"/>
-        </a:scene3d>
-        <a:sp3d prstMaterial="dkEdge">
-          <a:bevelT w="8200" h="38100"/>
-        </a:sp3d>
-      </dsp:spPr>
-      <dsp:style>
-        <a:lnRef idx="0">
-          <a:scrgbClr r="0" g="0" b="0"/>
-        </a:lnRef>
-        <a:fillRef idx="2">
-          <a:scrgbClr r="0" g="0" b="0"/>
-        </a:fillRef>
-        <a:effectRef idx="1">
-          <a:scrgbClr r="0" g="0" b="0"/>
-        </a:effectRef>
-        <a:fontRef idx="minor">
-          <a:schemeClr val="dk1"/>
-        </a:fontRef>
-      </dsp:style>
-      <dsp:txBody>
-        <a:bodyPr spcFirstLastPara="0" vert="horz" wrap="square" lIns="26670" tIns="26670" rIns="26670" bIns="26670" numCol="1" spcCol="1270" anchor="ctr" anchorCtr="0">
-          <a:noAutofit/>
-        </a:bodyPr>
-        <a:lstStyle/>
-        <a:p>
-          <a:pPr marL="0" lvl="0" indent="0" algn="ctr" defTabSz="311150">
-            <a:lnSpc>
-              <a:spcPct val="90000"/>
-            </a:lnSpc>
-            <a:spcBef>
-              <a:spcPct val="0"/>
-            </a:spcBef>
-            <a:spcAft>
-              <a:spcPct val="35000"/>
-            </a:spcAft>
-            <a:buNone/>
-          </a:pPr>
-          <a:r>
-            <a:rPr lang="en-US" sz="700" kern="1200"/>
-            <a:t>I’m Hazel, I want to find a cat that needs a lot of attention so that I don’t die lonely.</a:t>
-          </a:r>
-          <a:endParaRPr lang="en-AU" sz="700" kern="1200"/>
-        </a:p>
-      </dsp:txBody>
-      <dsp:txXfrm>
-        <a:off x="2573719" y="2257555"/>
-        <a:ext cx="908135" cy="568750"/>
-      </dsp:txXfrm>
-    </dsp:sp>
-    <dsp:sp modelId="{D70FFB5B-7196-2745-882B-5C15AA3B1A91}">
-      <dsp:nvSpPr>
-        <dsp:cNvPr id="0" name=""/>
-        <dsp:cNvSpPr/>
-      </dsp:nvSpPr>
-      <dsp:spPr>
-        <a:xfrm>
-          <a:off x="2829048" y="316814"/>
-          <a:ext cx="2966821" cy="2966821"/>
-        </a:xfrm>
-        <a:custGeom>
-          <a:avLst/>
-          <a:gdLst/>
-          <a:ahLst/>
-          <a:cxnLst/>
-          <a:rect l="0" t="0" r="0" b="0"/>
-          <a:pathLst>
-            <a:path>
-              <a:moveTo>
-                <a:pt x="60223" y="1901795"/>
-              </a:moveTo>
-              <a:arcTo wR="1483410" hR="1483410" stAng="9817073" swAng="1965854"/>
-            </a:path>
-          </a:pathLst>
-        </a:custGeom>
-        <a:noFill/>
-        <a:ln w="9525" cap="flat" cmpd="sng" algn="ctr">
-          <a:solidFill>
-            <a:schemeClr val="accent1">
-              <a:hueOff val="0"/>
-              <a:satOff val="0"/>
-              <a:lumOff val="0"/>
-              <a:alphaOff val="0"/>
-            </a:schemeClr>
-          </a:solidFill>
-          <a:prstDash val="solid"/>
-        </a:ln>
-        <a:effectLst/>
-      </dsp:spPr>
-      <dsp:style>
-        <a:lnRef idx="1">
-          <a:scrgbClr r="0" g="0" b="0"/>
-        </a:lnRef>
-        <a:fillRef idx="0">
-          <a:scrgbClr r="0" g="0" b="0"/>
-        </a:fillRef>
-        <a:effectRef idx="0">
-          <a:scrgbClr r="0" g="0" b="0"/>
-        </a:effectRef>
-        <a:fontRef idx="minor"/>
-      </dsp:style>
-    </dsp:sp>
-    <dsp:sp modelId="{96D26CC3-243F-814E-B49C-D450CBC9D125}">
-      <dsp:nvSpPr>
-        <dsp:cNvPr id="0" name=""/>
-        <dsp:cNvSpPr/>
-      </dsp:nvSpPr>
-      <dsp:spPr>
-        <a:xfrm>
-          <a:off x="2542951" y="743376"/>
-          <a:ext cx="969671" cy="630286"/>
-        </a:xfrm>
-        <a:prstGeom prst="roundRect">
-          <a:avLst/>
-        </a:prstGeom>
-        <a:gradFill rotWithShape="0">
-          <a:gsLst>
-            <a:gs pos="0">
-              <a:schemeClr val="accent1">
-                <a:hueOff val="0"/>
-                <a:satOff val="0"/>
-                <a:lumOff val="0"/>
-                <a:alphaOff val="0"/>
-                <a:tint val="50000"/>
-                <a:satMod val="300000"/>
-              </a:schemeClr>
-            </a:gs>
-            <a:gs pos="35000">
-              <a:schemeClr val="accent1">
-                <a:hueOff val="0"/>
-                <a:satOff val="0"/>
-                <a:lumOff val="0"/>
-                <a:alphaOff val="0"/>
-                <a:tint val="37000"/>
-                <a:satMod val="300000"/>
-              </a:schemeClr>
-            </a:gs>
-            <a:gs pos="100000">
-              <a:schemeClr val="accent1">
-                <a:hueOff val="0"/>
-                <a:satOff val="0"/>
-                <a:lumOff val="0"/>
-                <a:alphaOff val="0"/>
-                <a:tint val="15000"/>
-                <a:satMod val="350000"/>
-              </a:schemeClr>
-            </a:gs>
-          </a:gsLst>
-          <a:lin ang="16200000" scaled="1"/>
-        </a:gradFill>
-        <a:ln>
-          <a:noFill/>
-        </a:ln>
-        <a:effectLst>
-          <a:outerShdw blurRad="40000" dist="20000" dir="5400000" rotWithShape="0">
-            <a:srgbClr val="000000">
-              <a:alpha val="38000"/>
-            </a:srgbClr>
-          </a:outerShdw>
-        </a:effectLst>
-        <a:scene3d>
-          <a:camera prst="orthographicFront"/>
-          <a:lightRig rig="flat" dir="t"/>
-        </a:scene3d>
-        <a:sp3d prstMaterial="dkEdge">
-          <a:bevelT w="8200" h="38100"/>
-        </a:sp3d>
-      </dsp:spPr>
-      <dsp:style>
-        <a:lnRef idx="0">
-          <a:scrgbClr r="0" g="0" b="0"/>
-        </a:lnRef>
-        <a:fillRef idx="2">
-          <a:scrgbClr r="0" g="0" b="0"/>
-        </a:fillRef>
-        <a:effectRef idx="1">
-          <a:scrgbClr r="0" g="0" b="0"/>
-        </a:effectRef>
-        <a:fontRef idx="minor">
-          <a:schemeClr val="dk1"/>
-        </a:fontRef>
-      </dsp:style>
-      <dsp:txBody>
-        <a:bodyPr spcFirstLastPara="0" vert="horz" wrap="square" lIns="26670" tIns="26670" rIns="26670" bIns="26670" numCol="1" spcCol="1270" anchor="ctr" anchorCtr="0">
-          <a:noAutofit/>
-        </a:bodyPr>
-        <a:lstStyle/>
-        <a:p>
-          <a:pPr marL="0" lvl="0" indent="0" algn="ctr" defTabSz="311150">
-            <a:lnSpc>
-              <a:spcPct val="90000"/>
-            </a:lnSpc>
-            <a:spcBef>
-              <a:spcPct val="0"/>
-            </a:spcBef>
-            <a:spcAft>
-              <a:spcPct val="35000"/>
-            </a:spcAft>
-            <a:buNone/>
-          </a:pPr>
-          <a:r>
-            <a:rPr lang="en-US" sz="700" kern="1200"/>
-            <a:t>I’m Joe, I want to find a cat near me so that I don’t have to drive to pick it up</a:t>
-          </a:r>
-          <a:endParaRPr lang="en-AU" sz="700" kern="1200"/>
-        </a:p>
-      </dsp:txBody>
-      <dsp:txXfrm>
-        <a:off x="2573719" y="774144"/>
-        <a:ext cx="908135" cy="568750"/>
-      </dsp:txXfrm>
-    </dsp:sp>
-    <dsp:sp modelId="{A7E4D08F-DDC0-AE4A-8385-7BF5AF122C13}">
-      <dsp:nvSpPr>
-        <dsp:cNvPr id="0" name=""/>
-        <dsp:cNvSpPr/>
-      </dsp:nvSpPr>
-      <dsp:spPr>
-        <a:xfrm>
-          <a:off x="2829048" y="316814"/>
-          <a:ext cx="2966821" cy="2966821"/>
-        </a:xfrm>
-        <a:custGeom>
-          <a:avLst/>
-          <a:gdLst/>
-          <a:ahLst/>
-          <a:cxnLst/>
-          <a:rect l="0" t="0" r="0" b="0"/>
-          <a:pathLst>
-            <a:path>
-              <a:moveTo>
-                <a:pt x="447133" y="421979"/>
-              </a:moveTo>
-              <a:arcTo wR="1483410" hR="1483410" stAng="13541219" swAng="1498993"/>
-            </a:path>
-          </a:pathLst>
-        </a:custGeom>
-        <a:noFill/>
-        <a:ln w="9525" cap="flat" cmpd="sng" algn="ctr">
-          <a:solidFill>
-            <a:schemeClr val="accent1">
-              <a:hueOff val="0"/>
-              <a:satOff val="0"/>
-              <a:lumOff val="0"/>
-              <a:alphaOff val="0"/>
-            </a:schemeClr>
-          </a:solidFill>
-          <a:prstDash val="solid"/>
-        </a:ln>
-        <a:effectLst/>
-      </dsp:spPr>
-      <dsp:style>
-        <a:lnRef idx="1">
-          <a:scrgbClr r="0" g="0" b="0"/>
-        </a:lnRef>
-        <a:fillRef idx="0">
-          <a:scrgbClr r="0" g="0" b="0"/>
-        </a:fillRef>
-        <a:effectRef idx="0">
-          <a:scrgbClr r="0" g="0" b="0"/>
-        </a:effectRef>
-        <a:fontRef idx="minor"/>
-      </dsp:style>
-    </dsp:sp>
-  </dsp:spTree>
-</dsp:drawing>
-</file>
-
-<file path=ppt/diagrams/drawing2.xml><?xml version="1.0" encoding="utf-8"?>
 <dsp:drawing xmlns:dgm="http://schemas.openxmlformats.org/drawingml/2006/diagram" xmlns:dsp="http://schemas.microsoft.com/office/drawing/2008/diagram" xmlns:a="http://schemas.openxmlformats.org/drawingml/2006/main">
   <dsp:spTree>
     <dsp:nvGrpSpPr>
@@ -3847,215 +1728,6 @@
 </file>
 
 <file path=ppt/diagrams/layout1.xml><?xml version="1.0" encoding="utf-8"?>
-<dgm:layoutDef xmlns:dgm="http://schemas.openxmlformats.org/drawingml/2006/diagram" xmlns:a="http://schemas.openxmlformats.org/drawingml/2006/main" uniqueId="urn:microsoft.com/office/officeart/2005/8/layout/cycle6">
-  <dgm:title val=""/>
-  <dgm:desc val=""/>
-  <dgm:catLst>
-    <dgm:cat type="cycle" pri="4000"/>
-    <dgm:cat type="relationship" pri="24000"/>
-  </dgm:catLst>
-  <dgm:sampData>
-    <dgm:dataModel>
-      <dgm:ptLst>
-        <dgm:pt modelId="0" type="doc"/>
-        <dgm:pt modelId="1">
-          <dgm:prSet phldr="1"/>
-        </dgm:pt>
-        <dgm:pt modelId="2">
-          <dgm:prSet phldr="1"/>
-        </dgm:pt>
-        <dgm:pt modelId="3">
-          <dgm:prSet phldr="1"/>
-        </dgm:pt>
-        <dgm:pt modelId="4">
-          <dgm:prSet phldr="1"/>
-        </dgm:pt>
-        <dgm:pt modelId="5">
-          <dgm:prSet phldr="1"/>
-        </dgm:pt>
-      </dgm:ptLst>
-      <dgm:cxnLst>
-        <dgm:cxn modelId="6" srcId="0" destId="1" srcOrd="0" destOrd="0"/>
-        <dgm:cxn modelId="7" srcId="0" destId="2" srcOrd="1" destOrd="0"/>
-        <dgm:cxn modelId="8" srcId="0" destId="3" srcOrd="2" destOrd="0"/>
-        <dgm:cxn modelId="9" srcId="0" destId="4" srcOrd="3" destOrd="0"/>
-        <dgm:cxn modelId="10" srcId="0" destId="5" srcOrd="4" destOrd="0"/>
-      </dgm:cxnLst>
-      <dgm:bg/>
-      <dgm:whole/>
-    </dgm:dataModel>
-  </dgm:sampData>
-  <dgm:styleData>
-    <dgm:dataModel>
-      <dgm:ptLst>
-        <dgm:pt modelId="0" type="doc"/>
-        <dgm:pt modelId="1"/>
-        <dgm:pt modelId="2"/>
-        <dgm:pt modelId="3"/>
-      </dgm:ptLst>
-      <dgm:cxnLst>
-        <dgm:cxn modelId="4" srcId="0" destId="1" srcOrd="0" destOrd="0"/>
-        <dgm:cxn modelId="5" srcId="0" destId="2" srcOrd="1" destOrd="0"/>
-        <dgm:cxn modelId="6" srcId="0" destId="3" srcOrd="2" destOrd="0"/>
-      </dgm:cxnLst>
-      <dgm:bg/>
-      <dgm:whole/>
-    </dgm:dataModel>
-  </dgm:styleData>
-  <dgm:clrData>
-    <dgm:dataModel>
-      <dgm:ptLst>
-        <dgm:pt modelId="0" type="doc"/>
-        <dgm:pt modelId="1"/>
-        <dgm:pt modelId="2"/>
-        <dgm:pt modelId="3"/>
-        <dgm:pt modelId="4"/>
-        <dgm:pt modelId="5"/>
-        <dgm:pt modelId="6"/>
-      </dgm:ptLst>
-      <dgm:cxnLst>
-        <dgm:cxn modelId="7" srcId="0" destId="1" srcOrd="0" destOrd="0"/>
-        <dgm:cxn modelId="8" srcId="0" destId="2" srcOrd="1" destOrd="0"/>
-        <dgm:cxn modelId="9" srcId="0" destId="3" srcOrd="2" destOrd="0"/>
-        <dgm:cxn modelId="10" srcId="0" destId="4" srcOrd="3" destOrd="0"/>
-        <dgm:cxn modelId="11" srcId="0" destId="5" srcOrd="4" destOrd="0"/>
-        <dgm:cxn modelId="12" srcId="0" destId="6" srcOrd="5" destOrd="0"/>
-      </dgm:cxnLst>
-      <dgm:bg/>
-      <dgm:whole/>
-    </dgm:dataModel>
-  </dgm:clrData>
-  <dgm:layoutNode name="cycle">
-    <dgm:varLst>
-      <dgm:dir/>
-      <dgm:resizeHandles val="exact"/>
-    </dgm:varLst>
-    <dgm:choose name="Name0">
-      <dgm:if name="Name1" func="var" arg="dir" op="equ" val="norm">
-        <dgm:choose name="Name2">
-          <dgm:if name="Name3" axis="ch" ptType="node" func="cnt" op="gt" val="2">
-            <dgm:alg type="cycle">
-              <dgm:param type="stAng" val="0"/>
-              <dgm:param type="spanAng" val="360"/>
-            </dgm:alg>
-          </dgm:if>
-          <dgm:else name="Name4">
-            <dgm:alg type="cycle">
-              <dgm:param type="stAng" val="-90"/>
-              <dgm:param type="spanAng" val="360"/>
-            </dgm:alg>
-          </dgm:else>
-        </dgm:choose>
-      </dgm:if>
-      <dgm:else name="Name5">
-        <dgm:choose name="Name6">
-          <dgm:if name="Name7" axis="ch" ptType="node" func="cnt" op="gt" val="2">
-            <dgm:alg type="cycle">
-              <dgm:param type="stAng" val="0"/>
-              <dgm:param type="spanAng" val="-360"/>
-            </dgm:alg>
-          </dgm:if>
-          <dgm:else name="Name8">
-            <dgm:alg type="cycle">
-              <dgm:param type="stAng" val="90"/>
-              <dgm:param type="spanAng" val="-360"/>
-            </dgm:alg>
-          </dgm:else>
-        </dgm:choose>
-      </dgm:else>
-    </dgm:choose>
-    <dgm:shape xmlns:r="http://schemas.openxmlformats.org/officeDocument/2006/relationships" r:blip="">
-      <dgm:adjLst/>
-    </dgm:shape>
-    <dgm:presOf/>
-    <dgm:choose name="Name9">
-      <dgm:if name="Name10" func="var" arg="dir" op="equ" val="norm">
-        <dgm:constrLst>
-          <dgm:constr type="w" for="ch" forName="node" refType="w"/>
-          <dgm:constr type="w" for="ch" ptType="sibTrans" refType="w" refFor="ch" refForName="node" op="equ" fact="0.3"/>
-          <dgm:constr type="diam" for="ch" ptType="sibTrans" refType="diam" op="equ"/>
-          <dgm:constr type="sibSp" refType="w" refFor="ch" refForName="node" op="equ" fact="0.15"/>
-          <dgm:constr type="w" for="ch" forName="spNode" refType="sibSp" fact="1.6"/>
-          <dgm:constr type="primFontSz" for="ch" forName="node" op="equ" val="65"/>
-        </dgm:constrLst>
-      </dgm:if>
-      <dgm:else name="Name11">
-        <dgm:constrLst>
-          <dgm:constr type="w" for="ch" forName="node" refType="w"/>
-          <dgm:constr type="w" for="ch" ptType="sibTrans" refType="w" refFor="ch" refForName="node" op="equ" fact="0.3"/>
-          <dgm:constr type="diam" for="ch" ptType="sibTrans" refType="diam" op="equ" fact="-1"/>
-          <dgm:constr type="sibSp" refType="w" refFor="ch" refForName="node" op="equ" fact="0.15"/>
-          <dgm:constr type="w" for="ch" forName="spNode" refType="sibSp" fact="1.6"/>
-          <dgm:constr type="primFontSz" for="ch" forName="node" op="equ" val="65"/>
-        </dgm:constrLst>
-      </dgm:else>
-    </dgm:choose>
-    <dgm:ruleLst/>
-    <dgm:forEach name="Name12" axis="ch" ptType="node">
-      <dgm:layoutNode name="node">
-        <dgm:varLst>
-          <dgm:bulletEnabled val="1"/>
-        </dgm:varLst>
-        <dgm:alg type="tx"/>
-        <dgm:shape xmlns:r="http://schemas.openxmlformats.org/officeDocument/2006/relationships" type="roundRect" r:blip="">
-          <dgm:adjLst/>
-        </dgm:shape>
-        <dgm:presOf axis="desOrSelf" ptType="node"/>
-        <dgm:constrLst>
-          <dgm:constr type="h" refType="w" fact="0.65"/>
-          <dgm:constr type="tMarg" refType="primFontSz" fact="0.3"/>
-          <dgm:constr type="bMarg" refType="primFontSz" fact="0.3"/>
-          <dgm:constr type="lMarg" refType="primFontSz" fact="0.3"/>
-          <dgm:constr type="rMarg" refType="primFontSz" fact="0.3"/>
-        </dgm:constrLst>
-        <dgm:ruleLst>
-          <dgm:rule type="primFontSz" val="5" fact="NaN" max="NaN"/>
-        </dgm:ruleLst>
-      </dgm:layoutNode>
-      <dgm:choose name="Name13">
-        <dgm:if name="Name14" axis="par ch" ptType="doc node" func="cnt" op="gt" val="1">
-          <dgm:layoutNode name="spNode">
-            <dgm:alg type="sp"/>
-            <dgm:shape xmlns:r="http://schemas.openxmlformats.org/officeDocument/2006/relationships" r:blip="">
-              <dgm:adjLst/>
-            </dgm:shape>
-            <dgm:presOf/>
-            <dgm:constrLst>
-              <dgm:constr type="h" refType="w"/>
-            </dgm:constrLst>
-            <dgm:ruleLst/>
-          </dgm:layoutNode>
-          <dgm:forEach name="Name15" axis="followSib" ptType="sibTrans" hideLastTrans="0" cnt="1">
-            <dgm:layoutNode name="sibTrans">
-              <dgm:alg type="conn">
-                <dgm:param type="dim" val="1D"/>
-                <dgm:param type="connRout" val="curve"/>
-                <dgm:param type="begPts" val="radial"/>
-                <dgm:param type="endPts" val="radial"/>
-                <dgm:param type="endSty" val="noArr"/>
-              </dgm:alg>
-              <dgm:shape xmlns:r="http://schemas.openxmlformats.org/officeDocument/2006/relationships" type="conn" r:blip="">
-                <dgm:adjLst/>
-              </dgm:shape>
-              <dgm:presOf axis="self"/>
-              <dgm:constrLst>
-                <dgm:constr type="h" refType="w" fact="0.65"/>
-                <dgm:constr type="connDist"/>
-                <dgm:constr type="begPad" refType="connDist" fact="0.01"/>
-                <dgm:constr type="endPad" refType="connDist" fact="0.01"/>
-              </dgm:constrLst>
-              <dgm:ruleLst/>
-            </dgm:layoutNode>
-          </dgm:forEach>
-        </dgm:if>
-        <dgm:else name="Name16"/>
-      </dgm:choose>
-    </dgm:forEach>
-  </dgm:layoutNode>
-</dgm:layoutDef>
-</file>
-
-<file path=ppt/diagrams/layout2.xml><?xml version="1.0" encoding="utf-8"?>
 <dgm:layoutDef xmlns:dgm="http://schemas.openxmlformats.org/drawingml/2006/diagram" xmlns:a="http://schemas.openxmlformats.org/drawingml/2006/main" uniqueId="urn:microsoft.com/office/officeart/2009/layout/CircleArrowProcess">
   <dgm:title val=""/>
   <dgm:desc val=""/>
@@ -6132,1066 +3804,6 @@
 </file>
 
 <file path=ppt/diagrams/quickStyle1.xml><?xml version="1.0" encoding="utf-8"?>
-<dgm:styleDef xmlns:dgm="http://schemas.openxmlformats.org/drawingml/2006/diagram" xmlns:a="http://schemas.openxmlformats.org/drawingml/2006/main" uniqueId="urn:microsoft.com/office/officeart/2005/8/quickstyle/simple3">
-  <dgm:title val=""/>
-  <dgm:desc val=""/>
-  <dgm:catLst>
-    <dgm:cat type="simple" pri="10300"/>
-  </dgm:catLst>
-  <dgm:scene3d>
-    <a:camera prst="orthographicFront"/>
-    <a:lightRig rig="threePt" dir="t"/>
-  </dgm:scene3d>
-  <dgm:styleLbl name="node0">
-    <dgm:scene3d>
-      <a:camera prst="orthographicFront"/>
-      <a:lightRig rig="flat" dir="t"/>
-    </dgm:scene3d>
-    <dgm:sp3d prstMaterial="dkEdge">
-      <a:bevelT w="8200" h="38100"/>
-    </dgm:sp3d>
-    <dgm:txPr/>
-    <dgm:style>
-      <a:lnRef idx="0">
-        <a:scrgbClr r="0" g="0" b="0"/>
-      </a:lnRef>
-      <a:fillRef idx="2">
-        <a:scrgbClr r="0" g="0" b="0"/>
-      </a:fillRef>
-      <a:effectRef idx="1">
-        <a:scrgbClr r="0" g="0" b="0"/>
-      </a:effectRef>
-      <a:fontRef idx="minor">
-        <a:schemeClr val="dk1"/>
-      </a:fontRef>
-    </dgm:style>
-  </dgm:styleLbl>
-  <dgm:styleLbl name="lnNode1">
-    <dgm:scene3d>
-      <a:camera prst="orthographicFront"/>
-      <a:lightRig rig="flat" dir="t"/>
-    </dgm:scene3d>
-    <dgm:sp3d prstMaterial="dkEdge">
-      <a:bevelT w="8200" h="38100"/>
-    </dgm:sp3d>
-    <dgm:txPr/>
-    <dgm:style>
-      <a:lnRef idx="1">
-        <a:scrgbClr r="0" g="0" b="0"/>
-      </a:lnRef>
-      <a:fillRef idx="2">
-        <a:scrgbClr r="0" g="0" b="0"/>
-      </a:fillRef>
-      <a:effectRef idx="0">
-        <a:scrgbClr r="0" g="0" b="0"/>
-      </a:effectRef>
-      <a:fontRef idx="minor">
-        <a:schemeClr val="dk1"/>
-      </a:fontRef>
-    </dgm:style>
-  </dgm:styleLbl>
-  <dgm:styleLbl name="vennNode1">
-    <dgm:scene3d>
-      <a:camera prst="orthographicFront"/>
-      <a:lightRig rig="flat" dir="t"/>
-    </dgm:scene3d>
-    <dgm:sp3d prstMaterial="dkEdge">
-      <a:bevelT w="8200" h="38100"/>
-    </dgm:sp3d>
-    <dgm:txPr/>
-    <dgm:style>
-      <a:lnRef idx="0">
-        <a:scrgbClr r="0" g="0" b="0"/>
-      </a:lnRef>
-      <a:fillRef idx="2">
-        <a:scrgbClr r="0" g="0" b="0"/>
-      </a:fillRef>
-      <a:effectRef idx="0">
-        <a:scrgbClr r="0" g="0" b="0"/>
-      </a:effectRef>
-      <a:fontRef idx="minor">
-        <a:schemeClr val="tx1"/>
-      </a:fontRef>
-    </dgm:style>
-  </dgm:styleLbl>
-  <dgm:styleLbl name="alignNode1">
-    <dgm:scene3d>
-      <a:camera prst="orthographicFront"/>
-      <a:lightRig rig="threePt" dir="t"/>
-    </dgm:scene3d>
-    <dgm:sp3d/>
-    <dgm:txPr/>
-    <dgm:style>
-      <a:lnRef idx="1">
-        <a:scrgbClr r="0" g="0" b="0"/>
-      </a:lnRef>
-      <a:fillRef idx="2">
-        <a:scrgbClr r="0" g="0" b="0"/>
-      </a:fillRef>
-      <a:effectRef idx="1">
-        <a:scrgbClr r="0" g="0" b="0"/>
-      </a:effectRef>
-      <a:fontRef idx="minor">
-        <a:schemeClr val="dk1"/>
-      </a:fontRef>
-    </dgm:style>
-  </dgm:styleLbl>
-  <dgm:styleLbl name="node1">
-    <dgm:scene3d>
-      <a:camera prst="orthographicFront"/>
-      <a:lightRig rig="flat" dir="t"/>
-    </dgm:scene3d>
-    <dgm:sp3d prstMaterial="dkEdge">
-      <a:bevelT w="8200" h="38100"/>
-    </dgm:sp3d>
-    <dgm:txPr/>
-    <dgm:style>
-      <a:lnRef idx="0">
-        <a:scrgbClr r="0" g="0" b="0"/>
-      </a:lnRef>
-      <a:fillRef idx="2">
-        <a:scrgbClr r="0" g="0" b="0"/>
-      </a:fillRef>
-      <a:effectRef idx="1">
-        <a:scrgbClr r="0" g="0" b="0"/>
-      </a:effectRef>
-      <a:fontRef idx="minor">
-        <a:schemeClr val="dk1"/>
-      </a:fontRef>
-    </dgm:style>
-  </dgm:styleLbl>
-  <dgm:styleLbl name="node2">
-    <dgm:scene3d>
-      <a:camera prst="orthographicFront"/>
-      <a:lightRig rig="flat" dir="t"/>
-    </dgm:scene3d>
-    <dgm:sp3d prstMaterial="dkEdge">
-      <a:bevelT w="8200" h="38100"/>
-    </dgm:sp3d>
-    <dgm:txPr/>
-    <dgm:style>
-      <a:lnRef idx="0">
-        <a:scrgbClr r="0" g="0" b="0"/>
-      </a:lnRef>
-      <a:fillRef idx="2">
-        <a:scrgbClr r="0" g="0" b="0"/>
-      </a:fillRef>
-      <a:effectRef idx="1">
-        <a:scrgbClr r="0" g="0" b="0"/>
-      </a:effectRef>
-      <a:fontRef idx="minor">
-        <a:schemeClr val="dk1"/>
-      </a:fontRef>
-    </dgm:style>
-  </dgm:styleLbl>
-  <dgm:styleLbl name="node3">
-    <dgm:scene3d>
-      <a:camera prst="orthographicFront"/>
-      <a:lightRig rig="flat" dir="t"/>
-    </dgm:scene3d>
-    <dgm:sp3d prstMaterial="dkEdge">
-      <a:bevelT w="8200" h="38100"/>
-    </dgm:sp3d>
-    <dgm:txPr/>
-    <dgm:style>
-      <a:lnRef idx="0">
-        <a:scrgbClr r="0" g="0" b="0"/>
-      </a:lnRef>
-      <a:fillRef idx="2">
-        <a:scrgbClr r="0" g="0" b="0"/>
-      </a:fillRef>
-      <a:effectRef idx="1">
-        <a:scrgbClr r="0" g="0" b="0"/>
-      </a:effectRef>
-      <a:fontRef idx="minor">
-        <a:schemeClr val="dk1"/>
-      </a:fontRef>
-    </dgm:style>
-  </dgm:styleLbl>
-  <dgm:styleLbl name="node4">
-    <dgm:scene3d>
-      <a:camera prst="orthographicFront"/>
-      <a:lightRig rig="flat" dir="t"/>
-    </dgm:scene3d>
-    <dgm:sp3d prstMaterial="dkEdge">
-      <a:bevelT w="8200" h="38100"/>
-    </dgm:sp3d>
-    <dgm:txPr/>
-    <dgm:style>
-      <a:lnRef idx="0">
-        <a:scrgbClr r="0" g="0" b="0"/>
-      </a:lnRef>
-      <a:fillRef idx="2">
-        <a:scrgbClr r="0" g="0" b="0"/>
-      </a:fillRef>
-      <a:effectRef idx="1">
-        <a:scrgbClr r="0" g="0" b="0"/>
-      </a:effectRef>
-      <a:fontRef idx="minor">
-        <a:schemeClr val="dk1"/>
-      </a:fontRef>
-    </dgm:style>
-  </dgm:styleLbl>
-  <dgm:styleLbl name="fgImgPlace1">
-    <dgm:scene3d>
-      <a:camera prst="orthographicFront"/>
-      <a:lightRig rig="threePt" dir="t"/>
-    </dgm:scene3d>
-    <dgm:sp3d/>
-    <dgm:txPr/>
-    <dgm:style>
-      <a:lnRef idx="1">
-        <a:scrgbClr r="0" g="0" b="0"/>
-      </a:lnRef>
-      <a:fillRef idx="1">
-        <a:scrgbClr r="0" g="0" b="0"/>
-      </a:fillRef>
-      <a:effectRef idx="1">
-        <a:scrgbClr r="0" g="0" b="0"/>
-      </a:effectRef>
-      <a:fontRef idx="minor"/>
-    </dgm:style>
-  </dgm:styleLbl>
-  <dgm:styleLbl name="alignImgPlace1">
-    <dgm:scene3d>
-      <a:camera prst="orthographicFront"/>
-      <a:lightRig rig="threePt" dir="t"/>
-    </dgm:scene3d>
-    <dgm:sp3d/>
-    <dgm:txPr/>
-    <dgm:style>
-      <a:lnRef idx="1">
-        <a:scrgbClr r="0" g="0" b="0"/>
-      </a:lnRef>
-      <a:fillRef idx="1">
-        <a:scrgbClr r="0" g="0" b="0"/>
-      </a:fillRef>
-      <a:effectRef idx="1">
-        <a:scrgbClr r="0" g="0" b="0"/>
-      </a:effectRef>
-      <a:fontRef idx="minor"/>
-    </dgm:style>
-  </dgm:styleLbl>
-  <dgm:styleLbl name="bgImgPlace1">
-    <dgm:scene3d>
-      <a:camera prst="orthographicFront"/>
-      <a:lightRig rig="threePt" dir="t"/>
-    </dgm:scene3d>
-    <dgm:sp3d/>
-    <dgm:txPr/>
-    <dgm:style>
-      <a:lnRef idx="1">
-        <a:scrgbClr r="0" g="0" b="0"/>
-      </a:lnRef>
-      <a:fillRef idx="1">
-        <a:scrgbClr r="0" g="0" b="0"/>
-      </a:fillRef>
-      <a:effectRef idx="1">
-        <a:scrgbClr r="0" g="0" b="0"/>
-      </a:effectRef>
-      <a:fontRef idx="minor"/>
-    </dgm:style>
-  </dgm:styleLbl>
-  <dgm:styleLbl name="sibTrans2D1">
-    <dgm:scene3d>
-      <a:camera prst="orthographicFront"/>
-      <a:lightRig rig="threePt" dir="t"/>
-    </dgm:scene3d>
-    <dgm:sp3d/>
-    <dgm:txPr/>
-    <dgm:style>
-      <a:lnRef idx="0">
-        <a:scrgbClr r="0" g="0" b="0"/>
-      </a:lnRef>
-      <a:fillRef idx="2">
-        <a:scrgbClr r="0" g="0" b="0"/>
-      </a:fillRef>
-      <a:effectRef idx="1">
-        <a:scrgbClr r="0" g="0" b="0"/>
-      </a:effectRef>
-      <a:fontRef idx="minor">
-        <a:schemeClr val="dk1"/>
-      </a:fontRef>
-    </dgm:style>
-  </dgm:styleLbl>
-  <dgm:styleLbl name="fgSibTrans2D1">
-    <dgm:scene3d>
-      <a:camera prst="orthographicFront"/>
-      <a:lightRig rig="threePt" dir="t"/>
-    </dgm:scene3d>
-    <dgm:sp3d/>
-    <dgm:txPr/>
-    <dgm:style>
-      <a:lnRef idx="0">
-        <a:scrgbClr r="0" g="0" b="0"/>
-      </a:lnRef>
-      <a:fillRef idx="2">
-        <a:scrgbClr r="0" g="0" b="0"/>
-      </a:fillRef>
-      <a:effectRef idx="1">
-        <a:scrgbClr r="0" g="0" b="0"/>
-      </a:effectRef>
-      <a:fontRef idx="minor">
-        <a:schemeClr val="dk1"/>
-      </a:fontRef>
-    </dgm:style>
-  </dgm:styleLbl>
-  <dgm:styleLbl name="bgSibTrans2D1">
-    <dgm:scene3d>
-      <a:camera prst="orthographicFront"/>
-      <a:lightRig rig="threePt" dir="t"/>
-    </dgm:scene3d>
-    <dgm:sp3d/>
-    <dgm:txPr/>
-    <dgm:style>
-      <a:lnRef idx="0">
-        <a:scrgbClr r="0" g="0" b="0"/>
-      </a:lnRef>
-      <a:fillRef idx="2">
-        <a:scrgbClr r="0" g="0" b="0"/>
-      </a:fillRef>
-      <a:effectRef idx="1">
-        <a:scrgbClr r="0" g="0" b="0"/>
-      </a:effectRef>
-      <a:fontRef idx="minor">
-        <a:schemeClr val="dk1"/>
-      </a:fontRef>
-    </dgm:style>
-  </dgm:styleLbl>
-  <dgm:styleLbl name="sibTrans1D1">
-    <dgm:scene3d>
-      <a:camera prst="orthographicFront"/>
-      <a:lightRig rig="threePt" dir="t"/>
-    </dgm:scene3d>
-    <dgm:sp3d/>
-    <dgm:txPr/>
-    <dgm:style>
-      <a:lnRef idx="1">
-        <a:scrgbClr r="0" g="0" b="0"/>
-      </a:lnRef>
-      <a:fillRef idx="0">
-        <a:scrgbClr r="0" g="0" b="0"/>
-      </a:fillRef>
-      <a:effectRef idx="0">
-        <a:scrgbClr r="0" g="0" b="0"/>
-      </a:effectRef>
-      <a:fontRef idx="minor"/>
-    </dgm:style>
-  </dgm:styleLbl>
-  <dgm:styleLbl name="callout">
-    <dgm:scene3d>
-      <a:camera prst="orthographicFront"/>
-      <a:lightRig rig="threePt" dir="t"/>
-    </dgm:scene3d>
-    <dgm:sp3d/>
-    <dgm:txPr/>
-    <dgm:style>
-      <a:lnRef idx="1">
-        <a:scrgbClr r="0" g="0" b="0"/>
-      </a:lnRef>
-      <a:fillRef idx="2">
-        <a:scrgbClr r="0" g="0" b="0"/>
-      </a:fillRef>
-      <a:effectRef idx="1">
-        <a:scrgbClr r="0" g="0" b="0"/>
-      </a:effectRef>
-      <a:fontRef idx="minor"/>
-    </dgm:style>
-  </dgm:styleLbl>
-  <dgm:styleLbl name="asst0">
-    <dgm:scene3d>
-      <a:camera prst="orthographicFront"/>
-      <a:lightRig rig="flat" dir="t"/>
-    </dgm:scene3d>
-    <dgm:sp3d prstMaterial="dkEdge">
-      <a:bevelT w="8200" h="38100"/>
-    </dgm:sp3d>
-    <dgm:txPr/>
-    <dgm:style>
-      <a:lnRef idx="0">
-        <a:scrgbClr r="0" g="0" b="0"/>
-      </a:lnRef>
-      <a:fillRef idx="2">
-        <a:scrgbClr r="0" g="0" b="0"/>
-      </a:fillRef>
-      <a:effectRef idx="1">
-        <a:scrgbClr r="0" g="0" b="0"/>
-      </a:effectRef>
-      <a:fontRef idx="minor">
-        <a:schemeClr val="dk1"/>
-      </a:fontRef>
-    </dgm:style>
-  </dgm:styleLbl>
-  <dgm:styleLbl name="asst1">
-    <dgm:scene3d>
-      <a:camera prst="orthographicFront"/>
-      <a:lightRig rig="flat" dir="t"/>
-    </dgm:scene3d>
-    <dgm:sp3d prstMaterial="dkEdge">
-      <a:bevelT w="8200" h="38100"/>
-    </dgm:sp3d>
-    <dgm:txPr/>
-    <dgm:style>
-      <a:lnRef idx="0">
-        <a:scrgbClr r="0" g="0" b="0"/>
-      </a:lnRef>
-      <a:fillRef idx="2">
-        <a:scrgbClr r="0" g="0" b="0"/>
-      </a:fillRef>
-      <a:effectRef idx="1">
-        <a:scrgbClr r="0" g="0" b="0"/>
-      </a:effectRef>
-      <a:fontRef idx="minor">
-        <a:schemeClr val="dk1"/>
-      </a:fontRef>
-    </dgm:style>
-  </dgm:styleLbl>
-  <dgm:styleLbl name="asst2">
-    <dgm:scene3d>
-      <a:camera prst="orthographicFront"/>
-      <a:lightRig rig="flat" dir="t"/>
-    </dgm:scene3d>
-    <dgm:sp3d prstMaterial="dkEdge">
-      <a:bevelT w="8200" h="38100"/>
-    </dgm:sp3d>
-    <dgm:txPr/>
-    <dgm:style>
-      <a:lnRef idx="0">
-        <a:scrgbClr r="0" g="0" b="0"/>
-      </a:lnRef>
-      <a:fillRef idx="2">
-        <a:scrgbClr r="0" g="0" b="0"/>
-      </a:fillRef>
-      <a:effectRef idx="1">
-        <a:scrgbClr r="0" g="0" b="0"/>
-      </a:effectRef>
-      <a:fontRef idx="minor">
-        <a:schemeClr val="dk1"/>
-      </a:fontRef>
-    </dgm:style>
-  </dgm:styleLbl>
-  <dgm:styleLbl name="asst3">
-    <dgm:scene3d>
-      <a:camera prst="orthographicFront"/>
-      <a:lightRig rig="flat" dir="t"/>
-    </dgm:scene3d>
-    <dgm:sp3d prstMaterial="dkEdge">
-      <a:bevelT w="8200" h="38100"/>
-    </dgm:sp3d>
-    <dgm:txPr/>
-    <dgm:style>
-      <a:lnRef idx="0">
-        <a:scrgbClr r="0" g="0" b="0"/>
-      </a:lnRef>
-      <a:fillRef idx="2">
-        <a:scrgbClr r="0" g="0" b="0"/>
-      </a:fillRef>
-      <a:effectRef idx="1">
-        <a:scrgbClr r="0" g="0" b="0"/>
-      </a:effectRef>
-      <a:fontRef idx="minor">
-        <a:schemeClr val="dk1"/>
-      </a:fontRef>
-    </dgm:style>
-  </dgm:styleLbl>
-  <dgm:styleLbl name="asst4">
-    <dgm:scene3d>
-      <a:camera prst="orthographicFront"/>
-      <a:lightRig rig="flat" dir="t"/>
-    </dgm:scene3d>
-    <dgm:sp3d prstMaterial="dkEdge">
-      <a:bevelT w="8200" h="38100"/>
-    </dgm:sp3d>
-    <dgm:txPr/>
-    <dgm:style>
-      <a:lnRef idx="0">
-        <a:scrgbClr r="0" g="0" b="0"/>
-      </a:lnRef>
-      <a:fillRef idx="2">
-        <a:scrgbClr r="0" g="0" b="0"/>
-      </a:fillRef>
-      <a:effectRef idx="1">
-        <a:scrgbClr r="0" g="0" b="0"/>
-      </a:effectRef>
-      <a:fontRef idx="minor">
-        <a:schemeClr val="dk1"/>
-      </a:fontRef>
-    </dgm:style>
-  </dgm:styleLbl>
-  <dgm:styleLbl name="parChTrans2D1">
-    <dgm:scene3d>
-      <a:camera prst="orthographicFront"/>
-      <a:lightRig rig="threePt" dir="t"/>
-    </dgm:scene3d>
-    <dgm:sp3d/>
-    <dgm:txPr/>
-    <dgm:style>
-      <a:lnRef idx="1">
-        <a:scrgbClr r="0" g="0" b="0"/>
-      </a:lnRef>
-      <a:fillRef idx="2">
-        <a:scrgbClr r="0" g="0" b="0"/>
-      </a:fillRef>
-      <a:effectRef idx="1">
-        <a:scrgbClr r="0" g="0" b="0"/>
-      </a:effectRef>
-      <a:fontRef idx="minor">
-        <a:schemeClr val="dk1"/>
-      </a:fontRef>
-    </dgm:style>
-  </dgm:styleLbl>
-  <dgm:styleLbl name="parChTrans2D2">
-    <dgm:scene3d>
-      <a:camera prst="orthographicFront"/>
-      <a:lightRig rig="threePt" dir="t"/>
-    </dgm:scene3d>
-    <dgm:sp3d/>
-    <dgm:txPr/>
-    <dgm:style>
-      <a:lnRef idx="1">
-        <a:scrgbClr r="0" g="0" b="0"/>
-      </a:lnRef>
-      <a:fillRef idx="2">
-        <a:scrgbClr r="0" g="0" b="0"/>
-      </a:fillRef>
-      <a:effectRef idx="1">
-        <a:scrgbClr r="0" g="0" b="0"/>
-      </a:effectRef>
-      <a:fontRef idx="minor">
-        <a:schemeClr val="dk1"/>
-      </a:fontRef>
-    </dgm:style>
-  </dgm:styleLbl>
-  <dgm:styleLbl name="parChTrans2D3">
-    <dgm:scene3d>
-      <a:camera prst="orthographicFront"/>
-      <a:lightRig rig="threePt" dir="t"/>
-    </dgm:scene3d>
-    <dgm:sp3d/>
-    <dgm:txPr/>
-    <dgm:style>
-      <a:lnRef idx="1">
-        <a:scrgbClr r="0" g="0" b="0"/>
-      </a:lnRef>
-      <a:fillRef idx="2">
-        <a:scrgbClr r="0" g="0" b="0"/>
-      </a:fillRef>
-      <a:effectRef idx="1">
-        <a:scrgbClr r="0" g="0" b="0"/>
-      </a:effectRef>
-      <a:fontRef idx="minor">
-        <a:schemeClr val="dk1"/>
-      </a:fontRef>
-    </dgm:style>
-  </dgm:styleLbl>
-  <dgm:styleLbl name="parChTrans2D4">
-    <dgm:scene3d>
-      <a:camera prst="orthographicFront"/>
-      <a:lightRig rig="threePt" dir="t"/>
-    </dgm:scene3d>
-    <dgm:sp3d/>
-    <dgm:txPr/>
-    <dgm:style>
-      <a:lnRef idx="1">
-        <a:scrgbClr r="0" g="0" b="0"/>
-      </a:lnRef>
-      <a:fillRef idx="2">
-        <a:scrgbClr r="0" g="0" b="0"/>
-      </a:fillRef>
-      <a:effectRef idx="1">
-        <a:scrgbClr r="0" g="0" b="0"/>
-      </a:effectRef>
-      <a:fontRef idx="minor">
-        <a:schemeClr val="dk1"/>
-      </a:fontRef>
-    </dgm:style>
-  </dgm:styleLbl>
-  <dgm:styleLbl name="parChTrans1D1">
-    <dgm:scene3d>
-      <a:camera prst="orthographicFront"/>
-      <a:lightRig rig="threePt" dir="t"/>
-    </dgm:scene3d>
-    <dgm:sp3d/>
-    <dgm:txPr/>
-    <dgm:style>
-      <a:lnRef idx="2">
-        <a:scrgbClr r="0" g="0" b="0"/>
-      </a:lnRef>
-      <a:fillRef idx="0">
-        <a:scrgbClr r="0" g="0" b="0"/>
-      </a:fillRef>
-      <a:effectRef idx="0">
-        <a:scrgbClr r="0" g="0" b="0"/>
-      </a:effectRef>
-      <a:fontRef idx="minor"/>
-    </dgm:style>
-  </dgm:styleLbl>
-  <dgm:styleLbl name="parChTrans1D2">
-    <dgm:scene3d>
-      <a:camera prst="orthographicFront"/>
-      <a:lightRig rig="threePt" dir="t"/>
-    </dgm:scene3d>
-    <dgm:sp3d/>
-    <dgm:txPr/>
-    <dgm:style>
-      <a:lnRef idx="2">
-        <a:scrgbClr r="0" g="0" b="0"/>
-      </a:lnRef>
-      <a:fillRef idx="0">
-        <a:scrgbClr r="0" g="0" b="0"/>
-      </a:fillRef>
-      <a:effectRef idx="0">
-        <a:scrgbClr r="0" g="0" b="0"/>
-      </a:effectRef>
-      <a:fontRef idx="minor"/>
-    </dgm:style>
-  </dgm:styleLbl>
-  <dgm:styleLbl name="parChTrans1D3">
-    <dgm:scene3d>
-      <a:camera prst="orthographicFront"/>
-      <a:lightRig rig="threePt" dir="t"/>
-    </dgm:scene3d>
-    <dgm:sp3d/>
-    <dgm:txPr/>
-    <dgm:style>
-      <a:lnRef idx="2">
-        <a:scrgbClr r="0" g="0" b="0"/>
-      </a:lnRef>
-      <a:fillRef idx="0">
-        <a:scrgbClr r="0" g="0" b="0"/>
-      </a:fillRef>
-      <a:effectRef idx="0">
-        <a:scrgbClr r="0" g="0" b="0"/>
-      </a:effectRef>
-      <a:fontRef idx="minor"/>
-    </dgm:style>
-  </dgm:styleLbl>
-  <dgm:styleLbl name="parChTrans1D4">
-    <dgm:scene3d>
-      <a:camera prst="orthographicFront"/>
-      <a:lightRig rig="threePt" dir="t"/>
-    </dgm:scene3d>
-    <dgm:sp3d/>
-    <dgm:txPr/>
-    <dgm:style>
-      <a:lnRef idx="2">
-        <a:scrgbClr r="0" g="0" b="0"/>
-      </a:lnRef>
-      <a:fillRef idx="0">
-        <a:scrgbClr r="0" g="0" b="0"/>
-      </a:fillRef>
-      <a:effectRef idx="0">
-        <a:scrgbClr r="0" g="0" b="0"/>
-      </a:effectRef>
-      <a:fontRef idx="minor"/>
-    </dgm:style>
-  </dgm:styleLbl>
-  <dgm:styleLbl name="fgAcc1">
-    <dgm:scene3d>
-      <a:camera prst="orthographicFront"/>
-      <a:lightRig rig="threePt" dir="t"/>
-    </dgm:scene3d>
-    <dgm:sp3d/>
-    <dgm:txPr/>
-    <dgm:style>
-      <a:lnRef idx="1">
-        <a:scrgbClr r="0" g="0" b="0"/>
-      </a:lnRef>
-      <a:fillRef idx="1">
-        <a:scrgbClr r="0" g="0" b="0"/>
-      </a:fillRef>
-      <a:effectRef idx="0">
-        <a:scrgbClr r="0" g="0" b="0"/>
-      </a:effectRef>
-      <a:fontRef idx="minor"/>
-    </dgm:style>
-  </dgm:styleLbl>
-  <dgm:styleLbl name="conFgAcc1">
-    <dgm:scene3d>
-      <a:camera prst="orthographicFront"/>
-      <a:lightRig rig="threePt" dir="t"/>
-    </dgm:scene3d>
-    <dgm:sp3d/>
-    <dgm:txPr/>
-    <dgm:style>
-      <a:lnRef idx="1">
-        <a:scrgbClr r="0" g="0" b="0"/>
-      </a:lnRef>
-      <a:fillRef idx="1">
-        <a:scrgbClr r="0" g="0" b="0"/>
-      </a:fillRef>
-      <a:effectRef idx="0">
-        <a:scrgbClr r="0" g="0" b="0"/>
-      </a:effectRef>
-      <a:fontRef idx="minor"/>
-    </dgm:style>
-  </dgm:styleLbl>
-  <dgm:styleLbl name="alignAcc1">
-    <dgm:scene3d>
-      <a:camera prst="orthographicFront"/>
-      <a:lightRig rig="threePt" dir="t"/>
-    </dgm:scene3d>
-    <dgm:sp3d/>
-    <dgm:txPr/>
-    <dgm:style>
-      <a:lnRef idx="1">
-        <a:scrgbClr r="0" g="0" b="0"/>
-      </a:lnRef>
-      <a:fillRef idx="1">
-        <a:scrgbClr r="0" g="0" b="0"/>
-      </a:fillRef>
-      <a:effectRef idx="0">
-        <a:scrgbClr r="0" g="0" b="0"/>
-      </a:effectRef>
-      <a:fontRef idx="minor"/>
-    </dgm:style>
-  </dgm:styleLbl>
-  <dgm:styleLbl name="trAlignAcc1">
-    <dgm:scene3d>
-      <a:camera prst="orthographicFront"/>
-      <a:lightRig rig="threePt" dir="t"/>
-    </dgm:scene3d>
-    <dgm:sp3d/>
-    <dgm:txPr/>
-    <dgm:style>
-      <a:lnRef idx="1">
-        <a:scrgbClr r="0" g="0" b="0"/>
-      </a:lnRef>
-      <a:fillRef idx="1">
-        <a:scrgbClr r="0" g="0" b="0"/>
-      </a:fillRef>
-      <a:effectRef idx="0">
-        <a:scrgbClr r="0" g="0" b="0"/>
-      </a:effectRef>
-      <a:fontRef idx="minor"/>
-    </dgm:style>
-  </dgm:styleLbl>
-  <dgm:styleLbl name="bgAcc1">
-    <dgm:scene3d>
-      <a:camera prst="orthographicFront"/>
-      <a:lightRig rig="threePt" dir="t"/>
-    </dgm:scene3d>
-    <dgm:sp3d/>
-    <dgm:txPr/>
-    <dgm:style>
-      <a:lnRef idx="1">
-        <a:scrgbClr r="0" g="0" b="0"/>
-      </a:lnRef>
-      <a:fillRef idx="1">
-        <a:scrgbClr r="0" g="0" b="0"/>
-      </a:fillRef>
-      <a:effectRef idx="0">
-        <a:scrgbClr r="0" g="0" b="0"/>
-      </a:effectRef>
-      <a:fontRef idx="minor"/>
-    </dgm:style>
-  </dgm:styleLbl>
-  <dgm:styleLbl name="solidFgAcc1">
-    <dgm:scene3d>
-      <a:camera prst="orthographicFront"/>
-      <a:lightRig rig="threePt" dir="t"/>
-    </dgm:scene3d>
-    <dgm:sp3d/>
-    <dgm:txPr/>
-    <dgm:style>
-      <a:lnRef idx="1">
-        <a:scrgbClr r="0" g="0" b="0"/>
-      </a:lnRef>
-      <a:fillRef idx="2">
-        <a:scrgbClr r="0" g="0" b="0"/>
-      </a:fillRef>
-      <a:effectRef idx="0">
-        <a:scrgbClr r="0" g="0" b="0"/>
-      </a:effectRef>
-      <a:fontRef idx="minor"/>
-    </dgm:style>
-  </dgm:styleLbl>
-  <dgm:styleLbl name="solidAlignAcc1">
-    <dgm:scene3d>
-      <a:camera prst="orthographicFront"/>
-      <a:lightRig rig="threePt" dir="t"/>
-    </dgm:scene3d>
-    <dgm:sp3d/>
-    <dgm:txPr/>
-    <dgm:style>
-      <a:lnRef idx="1">
-        <a:scrgbClr r="0" g="0" b="0"/>
-      </a:lnRef>
-      <a:fillRef idx="1">
-        <a:scrgbClr r="0" g="0" b="0"/>
-      </a:fillRef>
-      <a:effectRef idx="0">
-        <a:scrgbClr r="0" g="0" b="0"/>
-      </a:effectRef>
-      <a:fontRef idx="minor"/>
-    </dgm:style>
-  </dgm:styleLbl>
-  <dgm:styleLbl name="solidBgAcc1">
-    <dgm:scene3d>
-      <a:camera prst="orthographicFront"/>
-      <a:lightRig rig="threePt" dir="t"/>
-    </dgm:scene3d>
-    <dgm:sp3d/>
-    <dgm:txPr/>
-    <dgm:style>
-      <a:lnRef idx="1">
-        <a:scrgbClr r="0" g="0" b="0"/>
-      </a:lnRef>
-      <a:fillRef idx="1">
-        <a:scrgbClr r="0" g="0" b="0"/>
-      </a:fillRef>
-      <a:effectRef idx="0">
-        <a:scrgbClr r="0" g="0" b="0"/>
-      </a:effectRef>
-      <a:fontRef idx="minor"/>
-    </dgm:style>
-  </dgm:styleLbl>
-  <dgm:styleLbl name="fgAccFollowNode1">
-    <dgm:scene3d>
-      <a:camera prst="orthographicFront"/>
-      <a:lightRig rig="threePt" dir="t"/>
-    </dgm:scene3d>
-    <dgm:sp3d/>
-    <dgm:txPr/>
-    <dgm:style>
-      <a:lnRef idx="1">
-        <a:scrgbClr r="0" g="0" b="0"/>
-      </a:lnRef>
-      <a:fillRef idx="1">
-        <a:scrgbClr r="0" g="0" b="0"/>
-      </a:fillRef>
-      <a:effectRef idx="0">
-        <a:scrgbClr r="0" g="0" b="0"/>
-      </a:effectRef>
-      <a:fontRef idx="minor"/>
-    </dgm:style>
-  </dgm:styleLbl>
-  <dgm:styleLbl name="alignAccFollowNode1">
-    <dgm:scene3d>
-      <a:camera prst="orthographicFront"/>
-      <a:lightRig rig="threePt" dir="t"/>
-    </dgm:scene3d>
-    <dgm:sp3d/>
-    <dgm:txPr/>
-    <dgm:style>
-      <a:lnRef idx="1">
-        <a:scrgbClr r="0" g="0" b="0"/>
-      </a:lnRef>
-      <a:fillRef idx="1">
-        <a:scrgbClr r="0" g="0" b="0"/>
-      </a:fillRef>
-      <a:effectRef idx="0">
-        <a:scrgbClr r="0" g="0" b="0"/>
-      </a:effectRef>
-      <a:fontRef idx="minor"/>
-    </dgm:style>
-  </dgm:styleLbl>
-  <dgm:styleLbl name="bgAccFollowNode1">
-    <dgm:scene3d>
-      <a:camera prst="orthographicFront"/>
-      <a:lightRig rig="threePt" dir="t"/>
-    </dgm:scene3d>
-    <dgm:sp3d/>
-    <dgm:txPr/>
-    <dgm:style>
-      <a:lnRef idx="1">
-        <a:scrgbClr r="0" g="0" b="0"/>
-      </a:lnRef>
-      <a:fillRef idx="1">
-        <a:scrgbClr r="0" g="0" b="0"/>
-      </a:fillRef>
-      <a:effectRef idx="0">
-        <a:scrgbClr r="0" g="0" b="0"/>
-      </a:effectRef>
-      <a:fontRef idx="minor"/>
-    </dgm:style>
-  </dgm:styleLbl>
-  <dgm:styleLbl name="fgAcc0">
-    <dgm:scene3d>
-      <a:camera prst="orthographicFront"/>
-      <a:lightRig rig="threePt" dir="t"/>
-    </dgm:scene3d>
-    <dgm:sp3d/>
-    <dgm:txPr/>
-    <dgm:style>
-      <a:lnRef idx="1">
-        <a:scrgbClr r="0" g="0" b="0"/>
-      </a:lnRef>
-      <a:fillRef idx="1">
-        <a:scrgbClr r="0" g="0" b="0"/>
-      </a:fillRef>
-      <a:effectRef idx="0">
-        <a:scrgbClr r="0" g="0" b="0"/>
-      </a:effectRef>
-      <a:fontRef idx="minor"/>
-    </dgm:style>
-  </dgm:styleLbl>
-  <dgm:styleLbl name="fgAcc2">
-    <dgm:scene3d>
-      <a:camera prst="orthographicFront"/>
-      <a:lightRig rig="threePt" dir="t"/>
-    </dgm:scene3d>
-    <dgm:sp3d/>
-    <dgm:txPr/>
-    <dgm:style>
-      <a:lnRef idx="1">
-        <a:scrgbClr r="0" g="0" b="0"/>
-      </a:lnRef>
-      <a:fillRef idx="1">
-        <a:scrgbClr r="0" g="0" b="0"/>
-      </a:fillRef>
-      <a:effectRef idx="0">
-        <a:scrgbClr r="0" g="0" b="0"/>
-      </a:effectRef>
-      <a:fontRef idx="minor"/>
-    </dgm:style>
-  </dgm:styleLbl>
-  <dgm:styleLbl name="fgAcc3">
-    <dgm:scene3d>
-      <a:camera prst="orthographicFront"/>
-      <a:lightRig rig="threePt" dir="t"/>
-    </dgm:scene3d>
-    <dgm:sp3d/>
-    <dgm:txPr/>
-    <dgm:style>
-      <a:lnRef idx="1">
-        <a:scrgbClr r="0" g="0" b="0"/>
-      </a:lnRef>
-      <a:fillRef idx="1">
-        <a:scrgbClr r="0" g="0" b="0"/>
-      </a:fillRef>
-      <a:effectRef idx="0">
-        <a:scrgbClr r="0" g="0" b="0"/>
-      </a:effectRef>
-      <a:fontRef idx="minor"/>
-    </dgm:style>
-  </dgm:styleLbl>
-  <dgm:styleLbl name="fgAcc4">
-    <dgm:scene3d>
-      <a:camera prst="orthographicFront"/>
-      <a:lightRig rig="threePt" dir="t"/>
-    </dgm:scene3d>
-    <dgm:sp3d/>
-    <dgm:txPr/>
-    <dgm:style>
-      <a:lnRef idx="1">
-        <a:scrgbClr r="0" g="0" b="0"/>
-      </a:lnRef>
-      <a:fillRef idx="1">
-        <a:scrgbClr r="0" g="0" b="0"/>
-      </a:fillRef>
-      <a:effectRef idx="0">
-        <a:scrgbClr r="0" g="0" b="0"/>
-      </a:effectRef>
-      <a:fontRef idx="minor"/>
-    </dgm:style>
-  </dgm:styleLbl>
-  <dgm:styleLbl name="bgShp">
-    <dgm:scene3d>
-      <a:camera prst="orthographicFront"/>
-      <a:lightRig rig="threePt" dir="t"/>
-    </dgm:scene3d>
-    <dgm:sp3d/>
-    <dgm:txPr/>
-    <dgm:style>
-      <a:lnRef idx="0">
-        <a:scrgbClr r="0" g="0" b="0"/>
-      </a:lnRef>
-      <a:fillRef idx="1">
-        <a:scrgbClr r="0" g="0" b="0"/>
-      </a:fillRef>
-      <a:effectRef idx="1">
-        <a:scrgbClr r="0" g="0" b="0"/>
-      </a:effectRef>
-      <a:fontRef idx="minor"/>
-    </dgm:style>
-  </dgm:styleLbl>
-  <dgm:styleLbl name="dkBgShp">
-    <dgm:scene3d>
-      <a:camera prst="orthographicFront"/>
-      <a:lightRig rig="threePt" dir="t"/>
-    </dgm:scene3d>
-    <dgm:sp3d/>
-    <dgm:txPr/>
-    <dgm:style>
-      <a:lnRef idx="0">
-        <a:scrgbClr r="0" g="0" b="0"/>
-      </a:lnRef>
-      <a:fillRef idx="1">
-        <a:scrgbClr r="0" g="0" b="0"/>
-      </a:fillRef>
-      <a:effectRef idx="1">
-        <a:scrgbClr r="0" g="0" b="0"/>
-      </a:effectRef>
-      <a:fontRef idx="minor"/>
-    </dgm:style>
-  </dgm:styleLbl>
-  <dgm:styleLbl name="trBgShp">
-    <dgm:scene3d>
-      <a:camera prst="orthographicFront"/>
-      <a:lightRig rig="threePt" dir="t"/>
-    </dgm:scene3d>
-    <dgm:sp3d/>
-    <dgm:txPr/>
-    <dgm:style>
-      <a:lnRef idx="0">
-        <a:scrgbClr r="0" g="0" b="0"/>
-      </a:lnRef>
-      <a:fillRef idx="1">
-        <a:scrgbClr r="0" g="0" b="0"/>
-      </a:fillRef>
-      <a:effectRef idx="0">
-        <a:scrgbClr r="0" g="0" b="0"/>
-      </a:effectRef>
-      <a:fontRef idx="minor"/>
-    </dgm:style>
-  </dgm:styleLbl>
-  <dgm:styleLbl name="fgShp">
-    <dgm:scene3d>
-      <a:camera prst="orthographicFront"/>
-      <a:lightRig rig="flat" dir="t"/>
-    </dgm:scene3d>
-    <dgm:sp3d prstMaterial="dkEdge">
-      <a:bevelT w="8200" h="38100"/>
-    </dgm:sp3d>
-    <dgm:txPr/>
-    <dgm:style>
-      <a:lnRef idx="1">
-        <a:scrgbClr r="0" g="0" b="0"/>
-      </a:lnRef>
-      <a:fillRef idx="2">
-        <a:scrgbClr r="0" g="0" b="0"/>
-      </a:fillRef>
-      <a:effectRef idx="1">
-        <a:scrgbClr r="0" g="0" b="0"/>
-      </a:effectRef>
-      <a:fontRef idx="minor"/>
-    </dgm:style>
-  </dgm:styleLbl>
-  <dgm:styleLbl name="revTx">
-    <dgm:scene3d>
-      <a:camera prst="orthographicFront"/>
-      <a:lightRig rig="threePt" dir="t"/>
-    </dgm:scene3d>
-    <dgm:sp3d/>
-    <dgm:txPr/>
-    <dgm:style>
-      <a:lnRef idx="0">
-        <a:scrgbClr r="0" g="0" b="0"/>
-      </a:lnRef>
-      <a:fillRef idx="0">
-        <a:scrgbClr r="0" g="0" b="0"/>
-      </a:fillRef>
-      <a:effectRef idx="0">
-        <a:scrgbClr r="0" g="0" b="0"/>
-      </a:effectRef>
-      <a:fontRef idx="minor"/>
-    </dgm:style>
-  </dgm:styleLbl>
-</dgm:styleDef>
-</file>
-
-<file path=ppt/diagrams/quickStyle2.xml><?xml version="1.0" encoding="utf-8"?>
 <dgm:styleDef xmlns:dgm="http://schemas.openxmlformats.org/drawingml/2006/diagram" xmlns:a="http://schemas.openxmlformats.org/drawingml/2006/main" uniqueId="urn:microsoft.com/office/officeart/2005/8/quickstyle/simple1">
   <dgm:title val=""/>
   <dgm:desc val=""/>
@@ -8307,7 +4919,7 @@
           <a:p>
             <a:fld id="{89CB1397-BF3D-47F7-8A7F-EEDB993A0675}" type="datetimeFigureOut">
               <a:rPr lang="en-AU" smtClean="0"/>
-              <a:t>6/3/19</a:t>
+              <a:t>7/03/2019</a:t>
             </a:fld>
             <a:endParaRPr lang="en-AU" dirty="0"/>
           </a:p>
@@ -8895,34 +5507,6 @@
           </a:p>
         </p:txBody>
       </p:sp>
-      <p:pic>
-        <p:nvPicPr>
-          <p:cNvPr id="4" name="Shape 44"/>
-          <p:cNvPicPr preferRelativeResize="0"/>
-          <p:nvPr/>
-        </p:nvPicPr>
-        <p:blipFill>
-          <a:blip r:embed="rId2">
-            <a:alphaModFix/>
-          </a:blip>
-          <a:stretch>
-            <a:fillRect/>
-          </a:stretch>
-        </p:blipFill>
-        <p:spPr>
-          <a:xfrm>
-            <a:off x="7630840" y="205992"/>
-            <a:ext cx="1244902" cy="642531"/>
-          </a:xfrm>
-          <a:prstGeom prst="rect">
-            <a:avLst/>
-          </a:prstGeom>
-          <a:noFill/>
-          <a:ln>
-            <a:noFill/>
-          </a:ln>
-        </p:spPr>
-      </p:pic>
       <p:sp>
         <p:nvSpPr>
           <p:cNvPr id="7" name="Content Placeholder 6"/>
@@ -9326,34 +5910,6 @@
           </a:p>
         </p:txBody>
       </p:sp>
-      <p:pic>
-        <p:nvPicPr>
-          <p:cNvPr id="4" name="Shape 22"/>
-          <p:cNvPicPr preferRelativeResize="0"/>
-          <p:nvPr/>
-        </p:nvPicPr>
-        <p:blipFill>
-          <a:blip r:embed="rId2">
-            <a:alphaModFix/>
-          </a:blip>
-          <a:stretch>
-            <a:fillRect/>
-          </a:stretch>
-        </p:blipFill>
-        <p:spPr>
-          <a:xfrm>
-            <a:off x="7559275" y="114525"/>
-            <a:ext cx="1325655" cy="1263194"/>
-          </a:xfrm>
-          <a:prstGeom prst="rect">
-            <a:avLst/>
-          </a:prstGeom>
-          <a:noFill/>
-          <a:ln>
-            <a:noFill/>
-          </a:ln>
-        </p:spPr>
-      </p:pic>
       <p:sp>
         <p:nvSpPr>
           <p:cNvPr id="6" name="Text Placeholder 5"/>
@@ -9396,34 +5952,6 @@
           </a:p>
         </p:txBody>
       </p:sp>
-      <p:pic>
-        <p:nvPicPr>
-          <p:cNvPr id="7" name="Shape 22"/>
-          <p:cNvPicPr preferRelativeResize="0"/>
-          <p:nvPr userDrawn="1"/>
-        </p:nvPicPr>
-        <p:blipFill>
-          <a:blip r:embed="rId2">
-            <a:alphaModFix/>
-          </a:blip>
-          <a:stretch>
-            <a:fillRect/>
-          </a:stretch>
-        </p:blipFill>
-        <p:spPr>
-          <a:xfrm>
-            <a:off x="7559275" y="114525"/>
-            <a:ext cx="1325655" cy="1263194"/>
-          </a:xfrm>
-          <a:prstGeom prst="rect">
-            <a:avLst/>
-          </a:prstGeom>
-          <a:noFill/>
-          <a:ln>
-            <a:noFill/>
-          </a:ln>
-        </p:spPr>
-      </p:pic>
     </p:spTree>
     <p:extLst>
       <p:ext uri="{BB962C8B-B14F-4D97-AF65-F5344CB8AC3E}">
@@ -9519,34 +6047,6 @@
           </a:p>
         </p:txBody>
       </p:sp>
-      <p:pic>
-        <p:nvPicPr>
-          <p:cNvPr id="4" name="Shape 44"/>
-          <p:cNvPicPr preferRelativeResize="0"/>
-          <p:nvPr/>
-        </p:nvPicPr>
-        <p:blipFill>
-          <a:blip r:embed="rId2">
-            <a:alphaModFix/>
-          </a:blip>
-          <a:stretch>
-            <a:fillRect/>
-          </a:stretch>
-        </p:blipFill>
-        <p:spPr>
-          <a:xfrm>
-            <a:off x="7630841" y="205993"/>
-            <a:ext cx="1244902" cy="642531"/>
-          </a:xfrm>
-          <a:prstGeom prst="rect">
-            <a:avLst/>
-          </a:prstGeom>
-          <a:noFill/>
-          <a:ln>
-            <a:noFill/>
-          </a:ln>
-        </p:spPr>
-      </p:pic>
       <p:sp>
         <p:nvSpPr>
           <p:cNvPr id="7" name="Content Placeholder 6"/>
@@ -9638,75 +6138,6 @@
           </a:p>
         </p:txBody>
       </p:sp>
-      <p:pic>
-        <p:nvPicPr>
-          <p:cNvPr id="6" name="Shape 44"/>
-          <p:cNvPicPr preferRelativeResize="0"/>
-          <p:nvPr userDrawn="1"/>
-        </p:nvPicPr>
-        <p:blipFill>
-          <a:blip r:embed="rId2">
-            <a:alphaModFix/>
-          </a:blip>
-          <a:stretch>
-            <a:fillRect/>
-          </a:stretch>
-        </p:blipFill>
-        <p:spPr>
-          <a:xfrm>
-            <a:off x="7630841" y="205993"/>
-            <a:ext cx="1244902" cy="642531"/>
-          </a:xfrm>
-          <a:prstGeom prst="rect">
-            <a:avLst/>
-          </a:prstGeom>
-          <a:noFill/>
-          <a:ln>
-            <a:noFill/>
-          </a:ln>
-        </p:spPr>
-      </p:pic>
-      <p:sp>
-        <p:nvSpPr>
-          <p:cNvPr id="8" name="TextBox 7"/>
-          <p:cNvSpPr txBox="1"/>
-          <p:nvPr userDrawn="1"/>
-        </p:nvSpPr>
-        <p:spPr>
-          <a:xfrm>
-            <a:off x="6164565" y="865302"/>
-            <a:ext cx="2719566" cy="253916"/>
-          </a:xfrm>
-          <a:prstGeom prst="rect">
-            <a:avLst/>
-          </a:prstGeom>
-          <a:noFill/>
-        </p:spPr>
-        <p:txBody>
-          <a:bodyPr wrap="square" lIns="0" rtlCol="0" anchor="ctr">
-            <a:spAutoFit/>
-          </a:bodyPr>
-          <a:lstStyle/>
-          <a:p>
-            <a:pPr algn="r">
-              <a:buClr>
-                <a:srgbClr val="CCCCCC"/>
-              </a:buClr>
-              <a:buFont typeface="Arial Narrow" panose="020B0606020202030204" pitchFamily="34" charset="0"/>
-              <a:buNone/>
-            </a:pPr>
-            <a:r>
-              <a:rPr lang="en-AU" sz="1050" b="1" i="1" cap="all" dirty="0">
-                <a:solidFill>
-                  <a:srgbClr val="3A81BA"/>
-                </a:solidFill>
-                <a:latin typeface="Open Sans"/>
-              </a:rPr>
-              <a:t>Initial Draft – Not Validated</a:t>
-            </a:r>
-          </a:p>
-        </p:txBody>
-      </p:sp>
     </p:spTree>
     <p:extLst>
       <p:ext uri="{BB962C8B-B14F-4D97-AF65-F5344CB8AC3E}">
@@ -9800,34 +6231,6 @@
           </a:p>
         </p:txBody>
       </p:sp>
-      <p:pic>
-        <p:nvPicPr>
-          <p:cNvPr id="4" name="Shape 44"/>
-          <p:cNvPicPr preferRelativeResize="0"/>
-          <p:nvPr/>
-        </p:nvPicPr>
-        <p:blipFill>
-          <a:blip r:embed="rId2">
-            <a:alphaModFix/>
-          </a:blip>
-          <a:stretch>
-            <a:fillRect/>
-          </a:stretch>
-        </p:blipFill>
-        <p:spPr>
-          <a:xfrm>
-            <a:off x="7630841" y="205993"/>
-            <a:ext cx="1244902" cy="642531"/>
-          </a:xfrm>
-          <a:prstGeom prst="rect">
-            <a:avLst/>
-          </a:prstGeom>
-          <a:noFill/>
-          <a:ln>
-            <a:noFill/>
-          </a:ln>
-        </p:spPr>
-      </p:pic>
       <p:sp>
         <p:nvSpPr>
           <p:cNvPr id="7" name="Content Placeholder 6"/>
@@ -10132,47 +6535,6 @@
               <a:t>title</a:t>
             </a:r>
             <a:endParaRPr lang="en-AU" dirty="0"/>
-          </a:p>
-        </p:txBody>
-      </p:sp>
-      <p:sp>
-        <p:nvSpPr>
-          <p:cNvPr id="10" name="TextBox 9"/>
-          <p:cNvSpPr txBox="1"/>
-          <p:nvPr userDrawn="1"/>
-        </p:nvSpPr>
-        <p:spPr>
-          <a:xfrm>
-            <a:off x="6164565" y="865302"/>
-            <a:ext cx="2719566" cy="253916"/>
-          </a:xfrm>
-          <a:prstGeom prst="rect">
-            <a:avLst/>
-          </a:prstGeom>
-          <a:noFill/>
-        </p:spPr>
-        <p:txBody>
-          <a:bodyPr wrap="square" lIns="0" rtlCol="0" anchor="ctr">
-            <a:spAutoFit/>
-          </a:bodyPr>
-          <a:lstStyle/>
-          <a:p>
-            <a:pPr algn="r">
-              <a:buClr>
-                <a:srgbClr val="CCCCCC"/>
-              </a:buClr>
-              <a:buFont typeface="Arial Narrow" panose="020B0606020202030204" pitchFamily="34" charset="0"/>
-              <a:buNone/>
-            </a:pPr>
-            <a:r>
-              <a:rPr lang="en-AU" sz="1050" b="1" i="1" cap="all" dirty="0">
-                <a:solidFill>
-                  <a:srgbClr val="3A81BA"/>
-                </a:solidFill>
-                <a:latin typeface="Open Sans"/>
-              </a:rPr>
-              <a:t>Initial Draft – Not Validated</a:t>
-            </a:r>
           </a:p>
         </p:txBody>
       </p:sp>
@@ -10825,34 +7187,6 @@
           </a:p>
         </p:txBody>
       </p:sp>
-      <p:pic>
-        <p:nvPicPr>
-          <p:cNvPr id="4" name="Shape 44"/>
-          <p:cNvPicPr preferRelativeResize="0"/>
-          <p:nvPr/>
-        </p:nvPicPr>
-        <p:blipFill>
-          <a:blip r:embed="rId2">
-            <a:alphaModFix/>
-          </a:blip>
-          <a:stretch>
-            <a:fillRect/>
-          </a:stretch>
-        </p:blipFill>
-        <p:spPr>
-          <a:xfrm>
-            <a:off x="7630840" y="205992"/>
-            <a:ext cx="1244902" cy="642531"/>
-          </a:xfrm>
-          <a:prstGeom prst="rect">
-            <a:avLst/>
-          </a:prstGeom>
-          <a:noFill/>
-          <a:ln>
-            <a:noFill/>
-          </a:ln>
-        </p:spPr>
-      </p:pic>
       <p:sp>
         <p:nvSpPr>
           <p:cNvPr id="7" name="Content Placeholder 6"/>
@@ -10944,75 +7278,6 @@
           </a:p>
         </p:txBody>
       </p:sp>
-      <p:pic>
-        <p:nvPicPr>
-          <p:cNvPr id="6" name="Shape 44"/>
-          <p:cNvPicPr preferRelativeResize="0"/>
-          <p:nvPr userDrawn="1"/>
-        </p:nvPicPr>
-        <p:blipFill>
-          <a:blip r:embed="rId2">
-            <a:alphaModFix/>
-          </a:blip>
-          <a:stretch>
-            <a:fillRect/>
-          </a:stretch>
-        </p:blipFill>
-        <p:spPr>
-          <a:xfrm>
-            <a:off x="7630840" y="205992"/>
-            <a:ext cx="1244902" cy="642531"/>
-          </a:xfrm>
-          <a:prstGeom prst="rect">
-            <a:avLst/>
-          </a:prstGeom>
-          <a:noFill/>
-          <a:ln>
-            <a:noFill/>
-          </a:ln>
-        </p:spPr>
-      </p:pic>
-      <p:sp>
-        <p:nvSpPr>
-          <p:cNvPr id="8" name="TextBox 7"/>
-          <p:cNvSpPr txBox="1"/>
-          <p:nvPr userDrawn="1"/>
-        </p:nvSpPr>
-        <p:spPr>
-          <a:xfrm>
-            <a:off x="6164565" y="865301"/>
-            <a:ext cx="2719566" cy="253916"/>
-          </a:xfrm>
-          <a:prstGeom prst="rect">
-            <a:avLst/>
-          </a:prstGeom>
-          <a:noFill/>
-        </p:spPr>
-        <p:txBody>
-          <a:bodyPr wrap="square" lIns="0" rtlCol="0" anchor="ctr">
-            <a:spAutoFit/>
-          </a:bodyPr>
-          <a:lstStyle/>
-          <a:p>
-            <a:pPr marL="0" indent="0" algn="r">
-              <a:buClr>
-                <a:schemeClr val="bg2"/>
-              </a:buClr>
-              <a:buFont typeface="Arial Narrow" panose="020B0606020202030204" pitchFamily="34" charset="0"/>
-              <a:buNone/>
-            </a:pPr>
-            <a:r>
-              <a:rPr lang="en-AU" sz="1050" b="1" i="1" cap="all" baseline="0" dirty="0">
-                <a:solidFill>
-                  <a:schemeClr val="accent1"/>
-                </a:solidFill>
-                <a:latin typeface="+mj-lt"/>
-              </a:rPr>
-              <a:t>Initial Draft – Not Validated</a:t>
-            </a:r>
-          </a:p>
-        </p:txBody>
-      </p:sp>
     </p:spTree>
     <p:extLst>
       <p:ext uri="{BB962C8B-B14F-4D97-AF65-F5344CB8AC3E}">
@@ -11098,34 +7363,6 @@
           </a:p>
         </p:txBody>
       </p:sp>
-      <p:pic>
-        <p:nvPicPr>
-          <p:cNvPr id="4" name="Shape 44"/>
-          <p:cNvPicPr preferRelativeResize="0"/>
-          <p:nvPr/>
-        </p:nvPicPr>
-        <p:blipFill>
-          <a:blip r:embed="rId2">
-            <a:alphaModFix/>
-          </a:blip>
-          <a:stretch>
-            <a:fillRect/>
-          </a:stretch>
-        </p:blipFill>
-        <p:spPr>
-          <a:xfrm>
-            <a:off x="7630840" y="205992"/>
-            <a:ext cx="1244902" cy="642531"/>
-          </a:xfrm>
-          <a:prstGeom prst="rect">
-            <a:avLst/>
-          </a:prstGeom>
-          <a:noFill/>
-          <a:ln>
-            <a:noFill/>
-          </a:ln>
-        </p:spPr>
-      </p:pic>
       <p:sp>
         <p:nvSpPr>
           <p:cNvPr id="7" name="Content Placeholder 6"/>
@@ -11430,47 +7667,6 @@
               <a:t>title</a:t>
             </a:r>
             <a:endParaRPr lang="en-AU" dirty="0"/>
-          </a:p>
-        </p:txBody>
-      </p:sp>
-      <p:sp>
-        <p:nvSpPr>
-          <p:cNvPr id="10" name="TextBox 9"/>
-          <p:cNvSpPr txBox="1"/>
-          <p:nvPr userDrawn="1"/>
-        </p:nvSpPr>
-        <p:spPr>
-          <a:xfrm>
-            <a:off x="6164565" y="865301"/>
-            <a:ext cx="2719566" cy="253916"/>
-          </a:xfrm>
-          <a:prstGeom prst="rect">
-            <a:avLst/>
-          </a:prstGeom>
-          <a:noFill/>
-        </p:spPr>
-        <p:txBody>
-          <a:bodyPr wrap="square" lIns="0" rtlCol="0" anchor="ctr">
-            <a:spAutoFit/>
-          </a:bodyPr>
-          <a:lstStyle/>
-          <a:p>
-            <a:pPr marL="0" indent="0" algn="r">
-              <a:buClr>
-                <a:schemeClr val="bg2"/>
-              </a:buClr>
-              <a:buFont typeface="Arial Narrow" panose="020B0606020202030204" pitchFamily="34" charset="0"/>
-              <a:buNone/>
-            </a:pPr>
-            <a:r>
-              <a:rPr lang="en-AU" sz="1050" b="1" i="1" cap="all" baseline="0" dirty="0">
-                <a:solidFill>
-                  <a:schemeClr val="accent1"/>
-                </a:solidFill>
-                <a:latin typeface="+mj-lt"/>
-              </a:rPr>
-              <a:t>Initial Draft – Not Validated</a:t>
-            </a:r>
           </a:p>
         </p:txBody>
       </p:sp>
@@ -11570,34 +7766,6 @@
           </a:p>
         </p:txBody>
       </p:sp>
-      <p:pic>
-        <p:nvPicPr>
-          <p:cNvPr id="4" name="Shape 22"/>
-          <p:cNvPicPr preferRelativeResize="0"/>
-          <p:nvPr/>
-        </p:nvPicPr>
-        <p:blipFill>
-          <a:blip r:embed="rId2">
-            <a:alphaModFix/>
-          </a:blip>
-          <a:stretch>
-            <a:fillRect/>
-          </a:stretch>
-        </p:blipFill>
-        <p:spPr>
-          <a:xfrm>
-            <a:off x="7559274" y="114524"/>
-            <a:ext cx="1325655" cy="1263194"/>
-          </a:xfrm>
-          <a:prstGeom prst="rect">
-            <a:avLst/>
-          </a:prstGeom>
-          <a:noFill/>
-          <a:ln>
-            <a:noFill/>
-          </a:ln>
-        </p:spPr>
-      </p:pic>
       <p:sp>
         <p:nvSpPr>
           <p:cNvPr id="6" name="Text Placeholder 5"/>
@@ -11640,34 +7808,6 @@
           </a:p>
         </p:txBody>
       </p:sp>
-      <p:pic>
-        <p:nvPicPr>
-          <p:cNvPr id="7" name="Shape 22"/>
-          <p:cNvPicPr preferRelativeResize="0"/>
-          <p:nvPr userDrawn="1"/>
-        </p:nvPicPr>
-        <p:blipFill>
-          <a:blip r:embed="rId2">
-            <a:alphaModFix/>
-          </a:blip>
-          <a:stretch>
-            <a:fillRect/>
-          </a:stretch>
-        </p:blipFill>
-        <p:spPr>
-          <a:xfrm>
-            <a:off x="7559274" y="114524"/>
-            <a:ext cx="1325655" cy="1263194"/>
-          </a:xfrm>
-          <a:prstGeom prst="rect">
-            <a:avLst/>
-          </a:prstGeom>
-          <a:noFill/>
-          <a:ln>
-            <a:noFill/>
-          </a:ln>
-        </p:spPr>
-      </p:pic>
     </p:spTree>
     <p:extLst>
       <p:ext uri="{BB962C8B-B14F-4D97-AF65-F5344CB8AC3E}">
@@ -11763,34 +7903,6 @@
           </a:p>
         </p:txBody>
       </p:sp>
-      <p:pic>
-        <p:nvPicPr>
-          <p:cNvPr id="4" name="Shape 44"/>
-          <p:cNvPicPr preferRelativeResize="0"/>
-          <p:nvPr/>
-        </p:nvPicPr>
-        <p:blipFill>
-          <a:blip r:embed="rId2">
-            <a:alphaModFix/>
-          </a:blip>
-          <a:stretch>
-            <a:fillRect/>
-          </a:stretch>
-        </p:blipFill>
-        <p:spPr>
-          <a:xfrm>
-            <a:off x="7630840" y="205992"/>
-            <a:ext cx="1244902" cy="642531"/>
-          </a:xfrm>
-          <a:prstGeom prst="rect">
-            <a:avLst/>
-          </a:prstGeom>
-          <a:noFill/>
-          <a:ln>
-            <a:noFill/>
-          </a:ln>
-        </p:spPr>
-      </p:pic>
       <p:sp>
         <p:nvSpPr>
           <p:cNvPr id="7" name="Content Placeholder 6"/>
@@ -11882,75 +7994,6 @@
           </a:p>
         </p:txBody>
       </p:sp>
-      <p:pic>
-        <p:nvPicPr>
-          <p:cNvPr id="6" name="Shape 44"/>
-          <p:cNvPicPr preferRelativeResize="0"/>
-          <p:nvPr userDrawn="1"/>
-        </p:nvPicPr>
-        <p:blipFill>
-          <a:blip r:embed="rId2">
-            <a:alphaModFix/>
-          </a:blip>
-          <a:stretch>
-            <a:fillRect/>
-          </a:stretch>
-        </p:blipFill>
-        <p:spPr>
-          <a:xfrm>
-            <a:off x="7630840" y="205992"/>
-            <a:ext cx="1244902" cy="642531"/>
-          </a:xfrm>
-          <a:prstGeom prst="rect">
-            <a:avLst/>
-          </a:prstGeom>
-          <a:noFill/>
-          <a:ln>
-            <a:noFill/>
-          </a:ln>
-        </p:spPr>
-      </p:pic>
-      <p:sp>
-        <p:nvSpPr>
-          <p:cNvPr id="8" name="TextBox 7"/>
-          <p:cNvSpPr txBox="1"/>
-          <p:nvPr userDrawn="1"/>
-        </p:nvSpPr>
-        <p:spPr>
-          <a:xfrm>
-            <a:off x="6164565" y="865301"/>
-            <a:ext cx="2719566" cy="253916"/>
-          </a:xfrm>
-          <a:prstGeom prst="rect">
-            <a:avLst/>
-          </a:prstGeom>
-          <a:noFill/>
-        </p:spPr>
-        <p:txBody>
-          <a:bodyPr wrap="square" lIns="0" rtlCol="0" anchor="ctr">
-            <a:spAutoFit/>
-          </a:bodyPr>
-          <a:lstStyle/>
-          <a:p>
-            <a:pPr algn="r">
-              <a:buClr>
-                <a:srgbClr val="CCCCCC"/>
-              </a:buClr>
-              <a:buFont typeface="Arial Narrow" panose="020B0606020202030204" pitchFamily="34" charset="0"/>
-              <a:buNone/>
-            </a:pPr>
-            <a:r>
-              <a:rPr lang="en-AU" sz="1050" b="1" i="1" cap="all" dirty="0">
-                <a:solidFill>
-                  <a:srgbClr val="3A81BA"/>
-                </a:solidFill>
-                <a:latin typeface="Open Sans"/>
-              </a:rPr>
-              <a:t>Initial Draft – Not Validated</a:t>
-            </a:r>
-          </a:p>
-        </p:txBody>
-      </p:sp>
     </p:spTree>
     <p:extLst>
       <p:ext uri="{BB962C8B-B14F-4D97-AF65-F5344CB8AC3E}">
@@ -12044,34 +8087,6 @@
           </a:p>
         </p:txBody>
       </p:sp>
-      <p:pic>
-        <p:nvPicPr>
-          <p:cNvPr id="4" name="Shape 44"/>
-          <p:cNvPicPr preferRelativeResize="0"/>
-          <p:nvPr/>
-        </p:nvPicPr>
-        <p:blipFill>
-          <a:blip r:embed="rId2">
-            <a:alphaModFix/>
-          </a:blip>
-          <a:stretch>
-            <a:fillRect/>
-          </a:stretch>
-        </p:blipFill>
-        <p:spPr>
-          <a:xfrm>
-            <a:off x="7630840" y="205992"/>
-            <a:ext cx="1244902" cy="642531"/>
-          </a:xfrm>
-          <a:prstGeom prst="rect">
-            <a:avLst/>
-          </a:prstGeom>
-          <a:noFill/>
-          <a:ln>
-            <a:noFill/>
-          </a:ln>
-        </p:spPr>
-      </p:pic>
       <p:sp>
         <p:nvSpPr>
           <p:cNvPr id="7" name="Content Placeholder 6"/>
@@ -12376,47 +8391,6 @@
               <a:t>title</a:t>
             </a:r>
             <a:endParaRPr lang="en-AU" dirty="0"/>
-          </a:p>
-        </p:txBody>
-      </p:sp>
-      <p:sp>
-        <p:nvSpPr>
-          <p:cNvPr id="10" name="TextBox 9"/>
-          <p:cNvSpPr txBox="1"/>
-          <p:nvPr userDrawn="1"/>
-        </p:nvSpPr>
-        <p:spPr>
-          <a:xfrm>
-            <a:off x="6164565" y="865301"/>
-            <a:ext cx="2719566" cy="253916"/>
-          </a:xfrm>
-          <a:prstGeom prst="rect">
-            <a:avLst/>
-          </a:prstGeom>
-          <a:noFill/>
-        </p:spPr>
-        <p:txBody>
-          <a:bodyPr wrap="square" lIns="0" rtlCol="0" anchor="ctr">
-            <a:spAutoFit/>
-          </a:bodyPr>
-          <a:lstStyle/>
-          <a:p>
-            <a:pPr algn="r">
-              <a:buClr>
-                <a:srgbClr val="CCCCCC"/>
-              </a:buClr>
-              <a:buFont typeface="Arial Narrow" panose="020B0606020202030204" pitchFamily="34" charset="0"/>
-              <a:buNone/>
-            </a:pPr>
-            <a:r>
-              <a:rPr lang="en-AU" sz="1050" b="1" i="1" cap="all" dirty="0">
-                <a:solidFill>
-                  <a:srgbClr val="3A81BA"/>
-                </a:solidFill>
-                <a:latin typeface="Open Sans"/>
-              </a:rPr>
-              <a:t>Initial Draft – Not Validated</a:t>
-            </a:r>
           </a:p>
         </p:txBody>
       </p:sp>
@@ -12779,62 +8753,6 @@
           </a:p>
         </p:txBody>
       </p:sp>
-      <p:pic>
-        <p:nvPicPr>
-          <p:cNvPr id="44" name="Shape 44"/>
-          <p:cNvPicPr preferRelativeResize="0"/>
-          <p:nvPr/>
-        </p:nvPicPr>
-        <p:blipFill>
-          <a:blip r:embed="rId2">
-            <a:alphaModFix/>
-          </a:blip>
-          <a:stretch>
-            <a:fillRect/>
-          </a:stretch>
-        </p:blipFill>
-        <p:spPr>
-          <a:xfrm>
-            <a:off x="7505174" y="205997"/>
-            <a:ext cx="1244902" cy="642531"/>
-          </a:xfrm>
-          <a:prstGeom prst="rect">
-            <a:avLst/>
-          </a:prstGeom>
-          <a:noFill/>
-          <a:ln>
-            <a:noFill/>
-          </a:ln>
-        </p:spPr>
-      </p:pic>
-      <p:pic>
-        <p:nvPicPr>
-          <p:cNvPr id="45" name="Shape 45"/>
-          <p:cNvPicPr preferRelativeResize="0"/>
-          <p:nvPr/>
-        </p:nvPicPr>
-        <p:blipFill>
-          <a:blip r:embed="rId3">
-            <a:alphaModFix/>
-          </a:blip>
-          <a:stretch>
-            <a:fillRect/>
-          </a:stretch>
-        </p:blipFill>
-        <p:spPr>
-          <a:xfrm>
-            <a:off x="7588625" y="4610175"/>
-            <a:ext cx="1271250" cy="331019"/>
-          </a:xfrm>
-          <a:prstGeom prst="rect">
-            <a:avLst/>
-          </a:prstGeom>
-          <a:noFill/>
-          <a:ln>
-            <a:noFill/>
-          </a:ln>
-        </p:spPr>
-      </p:pic>
       <p:sp>
         <p:nvSpPr>
           <p:cNvPr id="46" name="Shape 46"/>
@@ -13078,34 +8996,6 @@
           </a:p>
         </p:txBody>
       </p:sp>
-      <p:pic>
-        <p:nvPicPr>
-          <p:cNvPr id="4" name="Shape 22"/>
-          <p:cNvPicPr preferRelativeResize="0"/>
-          <p:nvPr/>
-        </p:nvPicPr>
-        <p:blipFill>
-          <a:blip r:embed="rId2">
-            <a:alphaModFix/>
-          </a:blip>
-          <a:stretch>
-            <a:fillRect/>
-          </a:stretch>
-        </p:blipFill>
-        <p:spPr>
-          <a:xfrm>
-            <a:off x="7559274" y="114524"/>
-            <a:ext cx="1325655" cy="1263194"/>
-          </a:xfrm>
-          <a:prstGeom prst="rect">
-            <a:avLst/>
-          </a:prstGeom>
-          <a:noFill/>
-          <a:ln>
-            <a:noFill/>
-          </a:ln>
-        </p:spPr>
-      </p:pic>
       <p:sp>
         <p:nvSpPr>
           <p:cNvPr id="6" name="Text Placeholder 5"/>
@@ -13148,34 +9038,6 @@
           </a:p>
         </p:txBody>
       </p:sp>
-      <p:pic>
-        <p:nvPicPr>
-          <p:cNvPr id="7" name="Shape 22"/>
-          <p:cNvPicPr preferRelativeResize="0"/>
-          <p:nvPr userDrawn="1"/>
-        </p:nvPicPr>
-        <p:blipFill>
-          <a:blip r:embed="rId2">
-            <a:alphaModFix/>
-          </a:blip>
-          <a:stretch>
-            <a:fillRect/>
-          </a:stretch>
-        </p:blipFill>
-        <p:spPr>
-          <a:xfrm>
-            <a:off x="7559274" y="114524"/>
-            <a:ext cx="1325655" cy="1263194"/>
-          </a:xfrm>
-          <a:prstGeom prst="rect">
-            <a:avLst/>
-          </a:prstGeom>
-          <a:noFill/>
-          <a:ln>
-            <a:noFill/>
-          </a:ln>
-        </p:spPr>
-      </p:pic>
     </p:spTree>
     <p:extLst>
       <p:ext uri="{BB962C8B-B14F-4D97-AF65-F5344CB8AC3E}">
@@ -13271,34 +9133,6 @@
           </a:p>
         </p:txBody>
       </p:sp>
-      <p:pic>
-        <p:nvPicPr>
-          <p:cNvPr id="4" name="Shape 44"/>
-          <p:cNvPicPr preferRelativeResize="0"/>
-          <p:nvPr/>
-        </p:nvPicPr>
-        <p:blipFill>
-          <a:blip r:embed="rId2">
-            <a:alphaModFix/>
-          </a:blip>
-          <a:stretch>
-            <a:fillRect/>
-          </a:stretch>
-        </p:blipFill>
-        <p:spPr>
-          <a:xfrm>
-            <a:off x="7630840" y="205992"/>
-            <a:ext cx="1244902" cy="642531"/>
-          </a:xfrm>
-          <a:prstGeom prst="rect">
-            <a:avLst/>
-          </a:prstGeom>
-          <a:noFill/>
-          <a:ln>
-            <a:noFill/>
-          </a:ln>
-        </p:spPr>
-      </p:pic>
       <p:sp>
         <p:nvSpPr>
           <p:cNvPr id="7" name="Content Placeholder 6"/>
@@ -13390,34 +9224,6 @@
           </a:p>
         </p:txBody>
       </p:sp>
-      <p:pic>
-        <p:nvPicPr>
-          <p:cNvPr id="6" name="Shape 44"/>
-          <p:cNvPicPr preferRelativeResize="0"/>
-          <p:nvPr userDrawn="1"/>
-        </p:nvPicPr>
-        <p:blipFill>
-          <a:blip r:embed="rId2">
-            <a:alphaModFix/>
-          </a:blip>
-          <a:stretch>
-            <a:fillRect/>
-          </a:stretch>
-        </p:blipFill>
-        <p:spPr>
-          <a:xfrm>
-            <a:off x="7630840" y="205992"/>
-            <a:ext cx="1244902" cy="642531"/>
-          </a:xfrm>
-          <a:prstGeom prst="rect">
-            <a:avLst/>
-          </a:prstGeom>
-          <a:noFill/>
-          <a:ln>
-            <a:noFill/>
-          </a:ln>
-        </p:spPr>
-      </p:pic>
     </p:spTree>
     <p:extLst>
       <p:ext uri="{BB962C8B-B14F-4D97-AF65-F5344CB8AC3E}">
@@ -16221,6 +12027,16 @@
             </a:pPr>
             <a:r>
               <a:rPr lang="en-US" sz="1200" dirty="0"/>
+              <a:t>Where we could take it if we had more time</a:t>
+            </a:r>
+          </a:p>
+          <a:p>
+            <a:pPr marL="228600" indent="-228600">
+              <a:buFont typeface="+mj-lt"/>
+              <a:buAutoNum type="arabicPeriod"/>
+            </a:pPr>
+            <a:r>
+              <a:rPr lang="en-US" sz="1200" dirty="0"/>
               <a:t>Question time</a:t>
             </a:r>
           </a:p>
@@ -16946,41 +12762,688 @@
           </a:p>
         </p:txBody>
       </p:sp>
-      <p:graphicFrame>
-        <p:nvGraphicFramePr>
-          <p:cNvPr id="5" name="Content Placeholder 4">
+      <p:sp>
+        <p:nvSpPr>
+          <p:cNvPr id="12" name="TextBox 11">
             <a:extLst>
               <a:ext uri="{FF2B5EF4-FFF2-40B4-BE49-F238E27FC236}">
-                <a16:creationId xmlns:a16="http://schemas.microsoft.com/office/drawing/2014/main" id="{81FF6CDB-338A-4F47-9BDB-37EA4BA4403E}"/>
+                <a16:creationId xmlns:a16="http://schemas.microsoft.com/office/drawing/2014/main" id="{58CAB3FD-4037-48DF-AB0B-842F685A81C2}"/>
               </a:ext>
             </a:extLst>
           </p:cNvPr>
-          <p:cNvGraphicFramePr>
-            <a:graphicFrameLocks noGrp="1"/>
-          </p:cNvGraphicFramePr>
-          <p:nvPr>
-            <p:ph sz="quarter" idx="11"/>
-            <p:extLst>
-              <p:ext uri="{D42A27DB-BD31-4B8C-83A1-F6EECF244321}">
-                <p14:modId xmlns:p14="http://schemas.microsoft.com/office/powerpoint/2010/main" val="2286441039"/>
-              </p:ext>
-            </p:extLst>
-          </p:nvPr>
-        </p:nvGraphicFramePr>
-        <p:xfrm>
-          <a:off x="250824" y="1131888"/>
-          <a:ext cx="8624918" cy="3600450"/>
-        </p:xfrm>
-        <a:graphic>
-          <a:graphicData uri="http://schemas.openxmlformats.org/drawingml/2006/diagram">
-            <dgm:relIds xmlns:dgm="http://schemas.openxmlformats.org/drawingml/2006/diagram" xmlns:r="http://schemas.openxmlformats.org/officeDocument/2006/relationships" r:dm="rId2" r:lo="rId3" r:qs="rId4" r:cs="rId5"/>
-          </a:graphicData>
-        </a:graphic>
-      </p:graphicFrame>
+          <p:cNvSpPr txBox="1"/>
+          <p:nvPr/>
+        </p:nvSpPr>
+        <p:spPr>
+          <a:xfrm>
+            <a:off x="1331640" y="2588901"/>
+            <a:ext cx="2880320" cy="595923"/>
+          </a:xfrm>
+          <a:prstGeom prst="rect">
+            <a:avLst/>
+          </a:prstGeom>
+          <a:noFill/>
+        </p:spPr>
+        <p:txBody>
+          <a:bodyPr wrap="square" lIns="72000" tIns="36000" rIns="72000" bIns="36000" rtlCol="0">
+            <a:spAutoFit/>
+          </a:bodyPr>
+          <a:lstStyle/>
+          <a:p>
+            <a:pPr>
+              <a:spcBef>
+                <a:spcPts val="600"/>
+              </a:spcBef>
+              <a:buClr>
+                <a:schemeClr val="bg2"/>
+              </a:buClr>
+            </a:pPr>
+            <a:r>
+              <a:rPr lang="en-US" sz="800" dirty="0">
+                <a:latin typeface="+mj-lt"/>
+              </a:rPr>
+              <a:t>I’m </a:t>
+            </a:r>
+            <a:r>
+              <a:rPr lang="en-US" sz="800" b="1" dirty="0">
+                <a:latin typeface="+mj-lt"/>
+              </a:rPr>
+              <a:t>Billy,</a:t>
+            </a:r>
+          </a:p>
+          <a:p>
+            <a:pPr>
+              <a:spcBef>
+                <a:spcPts val="600"/>
+              </a:spcBef>
+              <a:buClr>
+                <a:schemeClr val="bg2"/>
+              </a:buClr>
+            </a:pPr>
+            <a:r>
+              <a:rPr lang="en-US" sz="800" dirty="0">
+                <a:latin typeface="+mj-lt"/>
+              </a:rPr>
+              <a:t>I want to find a cat that’s independent, so that….</a:t>
+            </a:r>
+          </a:p>
+          <a:p>
+            <a:pPr>
+              <a:spcBef>
+                <a:spcPts val="600"/>
+              </a:spcBef>
+              <a:buClr>
+                <a:schemeClr val="bg2"/>
+              </a:buClr>
+            </a:pPr>
+            <a:r>
+              <a:rPr lang="en-US" sz="800" dirty="0">
+                <a:latin typeface="+mj-lt"/>
+              </a:rPr>
+              <a:t>I don’t have to be with it all day.</a:t>
+            </a:r>
+          </a:p>
+        </p:txBody>
+      </p:sp>
+      <p:sp>
+        <p:nvSpPr>
+          <p:cNvPr id="13" name="TextBox 12">
+            <a:extLst>
+              <a:ext uri="{FF2B5EF4-FFF2-40B4-BE49-F238E27FC236}">
+                <a16:creationId xmlns:a16="http://schemas.microsoft.com/office/drawing/2014/main" id="{3E3BAE92-64A8-4C10-AAC9-0449CAAA4CC8}"/>
+              </a:ext>
+            </a:extLst>
+          </p:cNvPr>
+          <p:cNvSpPr txBox="1"/>
+          <p:nvPr/>
+        </p:nvSpPr>
+        <p:spPr>
+          <a:xfrm>
+            <a:off x="1331640" y="3518877"/>
+            <a:ext cx="2880320" cy="595923"/>
+          </a:xfrm>
+          <a:prstGeom prst="rect">
+            <a:avLst/>
+          </a:prstGeom>
+          <a:noFill/>
+        </p:spPr>
+        <p:txBody>
+          <a:bodyPr wrap="square" lIns="72000" tIns="36000" rIns="72000" bIns="36000" rtlCol="0">
+            <a:spAutoFit/>
+          </a:bodyPr>
+          <a:lstStyle/>
+          <a:p>
+            <a:pPr>
+              <a:spcBef>
+                <a:spcPts val="600"/>
+              </a:spcBef>
+              <a:buClr>
+                <a:schemeClr val="bg2"/>
+              </a:buClr>
+            </a:pPr>
+            <a:r>
+              <a:rPr lang="en-US" sz="800" dirty="0">
+                <a:latin typeface="+mj-lt"/>
+              </a:rPr>
+              <a:t>I’m </a:t>
+            </a:r>
+            <a:r>
+              <a:rPr lang="en-US" sz="800" b="1" dirty="0">
+                <a:latin typeface="+mj-lt"/>
+              </a:rPr>
+              <a:t>Alyssa,</a:t>
+            </a:r>
+          </a:p>
+          <a:p>
+            <a:pPr>
+              <a:spcBef>
+                <a:spcPts val="600"/>
+              </a:spcBef>
+              <a:buClr>
+                <a:schemeClr val="bg2"/>
+              </a:buClr>
+            </a:pPr>
+            <a:r>
+              <a:rPr lang="en-US" sz="800" dirty="0">
+                <a:latin typeface="+mj-lt"/>
+              </a:rPr>
+              <a:t>I want to find the right breed of cat, so that….</a:t>
+            </a:r>
+          </a:p>
+          <a:p>
+            <a:pPr>
+              <a:spcBef>
+                <a:spcPts val="600"/>
+              </a:spcBef>
+              <a:buClr>
+                <a:schemeClr val="bg2"/>
+              </a:buClr>
+            </a:pPr>
+            <a:r>
+              <a:rPr lang="en-US" sz="800" dirty="0">
+                <a:latin typeface="+mj-lt"/>
+              </a:rPr>
+              <a:t>I can post it to Instagram.</a:t>
+            </a:r>
+          </a:p>
+        </p:txBody>
+      </p:sp>
+      <p:sp>
+        <p:nvSpPr>
+          <p:cNvPr id="14" name="TextBox 13">
+            <a:extLst>
+              <a:ext uri="{FF2B5EF4-FFF2-40B4-BE49-F238E27FC236}">
+                <a16:creationId xmlns:a16="http://schemas.microsoft.com/office/drawing/2014/main" id="{E58F8EC9-47D0-40FE-8A08-2E877D222BBA}"/>
+              </a:ext>
+            </a:extLst>
+          </p:cNvPr>
+          <p:cNvSpPr txBox="1"/>
+          <p:nvPr/>
+        </p:nvSpPr>
+        <p:spPr>
+          <a:xfrm>
+            <a:off x="5436096" y="1679490"/>
+            <a:ext cx="2880320" cy="595923"/>
+          </a:xfrm>
+          <a:prstGeom prst="rect">
+            <a:avLst/>
+          </a:prstGeom>
+          <a:noFill/>
+        </p:spPr>
+        <p:txBody>
+          <a:bodyPr wrap="square" lIns="72000" tIns="36000" rIns="72000" bIns="36000" rtlCol="0">
+            <a:spAutoFit/>
+          </a:bodyPr>
+          <a:lstStyle/>
+          <a:p>
+            <a:pPr>
+              <a:spcBef>
+                <a:spcPts val="600"/>
+              </a:spcBef>
+              <a:buClr>
+                <a:schemeClr val="bg2"/>
+              </a:buClr>
+            </a:pPr>
+            <a:r>
+              <a:rPr lang="en-US" sz="800" dirty="0">
+                <a:latin typeface="+mj-lt"/>
+              </a:rPr>
+              <a:t>I’m </a:t>
+            </a:r>
+            <a:r>
+              <a:rPr lang="en-US" sz="800" b="1" dirty="0">
+                <a:latin typeface="+mj-lt"/>
+              </a:rPr>
+              <a:t>Garret,</a:t>
+            </a:r>
+          </a:p>
+          <a:p>
+            <a:pPr>
+              <a:spcBef>
+                <a:spcPts val="600"/>
+              </a:spcBef>
+              <a:buClr>
+                <a:schemeClr val="bg2"/>
+              </a:buClr>
+            </a:pPr>
+            <a:r>
+              <a:rPr lang="en-US" sz="800" dirty="0">
+                <a:latin typeface="+mj-lt"/>
+              </a:rPr>
+              <a:t>I want a cat that’s toilet trained so that….</a:t>
+            </a:r>
+          </a:p>
+          <a:p>
+            <a:pPr>
+              <a:spcBef>
+                <a:spcPts val="600"/>
+              </a:spcBef>
+              <a:buClr>
+                <a:schemeClr val="bg2"/>
+              </a:buClr>
+            </a:pPr>
+            <a:r>
+              <a:rPr lang="en-US" sz="800" dirty="0">
+                <a:latin typeface="+mj-lt"/>
+              </a:rPr>
+              <a:t>It doesn’t crap on my floor.</a:t>
+            </a:r>
+          </a:p>
+        </p:txBody>
+      </p:sp>
+      <p:sp>
+        <p:nvSpPr>
+          <p:cNvPr id="15" name="TextBox 14">
+            <a:extLst>
+              <a:ext uri="{FF2B5EF4-FFF2-40B4-BE49-F238E27FC236}">
+                <a16:creationId xmlns:a16="http://schemas.microsoft.com/office/drawing/2014/main" id="{CE6AE0A4-18BE-4E99-ADD0-694FFC92277D}"/>
+              </a:ext>
+            </a:extLst>
+          </p:cNvPr>
+          <p:cNvSpPr txBox="1"/>
+          <p:nvPr/>
+        </p:nvSpPr>
+        <p:spPr>
+          <a:xfrm>
+            <a:off x="5436096" y="2588901"/>
+            <a:ext cx="2880320" cy="595923"/>
+          </a:xfrm>
+          <a:prstGeom prst="rect">
+            <a:avLst/>
+          </a:prstGeom>
+          <a:noFill/>
+        </p:spPr>
+        <p:txBody>
+          <a:bodyPr wrap="square" lIns="72000" tIns="36000" rIns="72000" bIns="36000" rtlCol="0">
+            <a:spAutoFit/>
+          </a:bodyPr>
+          <a:lstStyle/>
+          <a:p>
+            <a:pPr>
+              <a:spcBef>
+                <a:spcPts val="600"/>
+              </a:spcBef>
+              <a:buClr>
+                <a:schemeClr val="bg2"/>
+              </a:buClr>
+            </a:pPr>
+            <a:r>
+              <a:rPr lang="en-US" sz="800" dirty="0">
+                <a:latin typeface="+mj-lt"/>
+              </a:rPr>
+              <a:t>I’m </a:t>
+            </a:r>
+            <a:r>
+              <a:rPr lang="en-US" sz="800" b="1" dirty="0">
+                <a:latin typeface="+mj-lt"/>
+              </a:rPr>
+              <a:t>Saad,</a:t>
+            </a:r>
+          </a:p>
+          <a:p>
+            <a:pPr>
+              <a:spcBef>
+                <a:spcPts val="600"/>
+              </a:spcBef>
+              <a:buClr>
+                <a:schemeClr val="bg2"/>
+              </a:buClr>
+            </a:pPr>
+            <a:r>
+              <a:rPr lang="en-US" sz="800" dirty="0">
+                <a:latin typeface="+mj-lt"/>
+              </a:rPr>
+              <a:t>I want to find a bald cat, so that….</a:t>
+            </a:r>
+          </a:p>
+          <a:p>
+            <a:pPr>
+              <a:spcBef>
+                <a:spcPts val="600"/>
+              </a:spcBef>
+              <a:buClr>
+                <a:schemeClr val="bg2"/>
+              </a:buClr>
+            </a:pPr>
+            <a:r>
+              <a:rPr lang="en-US" sz="800" dirty="0">
+                <a:latin typeface="+mj-lt"/>
+              </a:rPr>
+              <a:t>It doesn’t ruin my swanky furniture.</a:t>
+            </a:r>
+          </a:p>
+        </p:txBody>
+      </p:sp>
+      <p:sp>
+        <p:nvSpPr>
+          <p:cNvPr id="16" name="TextBox 15">
+            <a:extLst>
+              <a:ext uri="{FF2B5EF4-FFF2-40B4-BE49-F238E27FC236}">
+                <a16:creationId xmlns:a16="http://schemas.microsoft.com/office/drawing/2014/main" id="{E999D09F-58DF-495F-9591-308614E0935D}"/>
+              </a:ext>
+            </a:extLst>
+          </p:cNvPr>
+          <p:cNvSpPr txBox="1"/>
+          <p:nvPr/>
+        </p:nvSpPr>
+        <p:spPr>
+          <a:xfrm>
+            <a:off x="5473474" y="3518877"/>
+            <a:ext cx="2880320" cy="595923"/>
+          </a:xfrm>
+          <a:prstGeom prst="rect">
+            <a:avLst/>
+          </a:prstGeom>
+          <a:noFill/>
+        </p:spPr>
+        <p:txBody>
+          <a:bodyPr wrap="square" lIns="72000" tIns="36000" rIns="72000" bIns="36000" rtlCol="0">
+            <a:spAutoFit/>
+          </a:bodyPr>
+          <a:lstStyle/>
+          <a:p>
+            <a:pPr>
+              <a:spcBef>
+                <a:spcPts val="600"/>
+              </a:spcBef>
+              <a:buClr>
+                <a:schemeClr val="bg2"/>
+              </a:buClr>
+            </a:pPr>
+            <a:r>
+              <a:rPr lang="en-US" sz="800" dirty="0">
+                <a:latin typeface="+mj-lt"/>
+              </a:rPr>
+              <a:t>I’m </a:t>
+            </a:r>
+            <a:r>
+              <a:rPr lang="en-US" sz="800" b="1" dirty="0">
+                <a:latin typeface="+mj-lt"/>
+              </a:rPr>
+              <a:t>Joe,</a:t>
+            </a:r>
+          </a:p>
+          <a:p>
+            <a:pPr>
+              <a:spcBef>
+                <a:spcPts val="600"/>
+              </a:spcBef>
+              <a:buClr>
+                <a:schemeClr val="bg2"/>
+              </a:buClr>
+            </a:pPr>
+            <a:r>
+              <a:rPr lang="en-US" sz="800" dirty="0">
+                <a:latin typeface="+mj-lt"/>
+              </a:rPr>
+              <a:t>I want to find a cat near me, so that….</a:t>
+            </a:r>
+          </a:p>
+          <a:p>
+            <a:pPr>
+              <a:spcBef>
+                <a:spcPts val="600"/>
+              </a:spcBef>
+              <a:buClr>
+                <a:schemeClr val="bg2"/>
+              </a:buClr>
+            </a:pPr>
+            <a:r>
+              <a:rPr lang="en-US" sz="800" dirty="0">
+                <a:latin typeface="+mj-lt"/>
+              </a:rPr>
+              <a:t>I don’t have to drive to pick it up.</a:t>
+            </a:r>
+          </a:p>
+        </p:txBody>
+      </p:sp>
+      <p:sp>
+        <p:nvSpPr>
+          <p:cNvPr id="23" name="TextBox 22">
+            <a:extLst>
+              <a:ext uri="{FF2B5EF4-FFF2-40B4-BE49-F238E27FC236}">
+                <a16:creationId xmlns:a16="http://schemas.microsoft.com/office/drawing/2014/main" id="{202FA3AB-55DE-4BBF-B0E0-015E19BD022A}"/>
+              </a:ext>
+            </a:extLst>
+          </p:cNvPr>
+          <p:cNvSpPr txBox="1"/>
+          <p:nvPr/>
+        </p:nvSpPr>
+        <p:spPr>
+          <a:xfrm>
+            <a:off x="1331640" y="1679490"/>
+            <a:ext cx="2880320" cy="595923"/>
+          </a:xfrm>
+          <a:prstGeom prst="rect">
+            <a:avLst/>
+          </a:prstGeom>
+          <a:noFill/>
+        </p:spPr>
+        <p:txBody>
+          <a:bodyPr wrap="square" lIns="72000" tIns="36000" rIns="72000" bIns="36000" rtlCol="0">
+            <a:spAutoFit/>
+          </a:bodyPr>
+          <a:lstStyle/>
+          <a:p>
+            <a:pPr>
+              <a:spcBef>
+                <a:spcPts val="600"/>
+              </a:spcBef>
+              <a:buClr>
+                <a:schemeClr val="bg2"/>
+              </a:buClr>
+            </a:pPr>
+            <a:r>
+              <a:rPr lang="en-US" sz="800" dirty="0">
+                <a:latin typeface="+mj-lt"/>
+              </a:rPr>
+              <a:t>I’m </a:t>
+            </a:r>
+            <a:r>
+              <a:rPr lang="en-US" sz="800" b="1" dirty="0">
+                <a:latin typeface="+mj-lt"/>
+              </a:rPr>
+              <a:t>Hazel,</a:t>
+            </a:r>
+          </a:p>
+          <a:p>
+            <a:pPr>
+              <a:spcBef>
+                <a:spcPts val="600"/>
+              </a:spcBef>
+              <a:buClr>
+                <a:schemeClr val="bg2"/>
+              </a:buClr>
+            </a:pPr>
+            <a:r>
+              <a:rPr lang="en-US" sz="800" dirty="0">
+                <a:latin typeface="+mj-lt"/>
+              </a:rPr>
+              <a:t>I want to find a cat that needs a lot of attention, so that….</a:t>
+            </a:r>
+          </a:p>
+          <a:p>
+            <a:pPr>
+              <a:spcBef>
+                <a:spcPts val="600"/>
+              </a:spcBef>
+              <a:buClr>
+                <a:schemeClr val="bg2"/>
+              </a:buClr>
+            </a:pPr>
+            <a:r>
+              <a:rPr lang="en-US" sz="800" dirty="0">
+                <a:latin typeface="+mj-lt"/>
+              </a:rPr>
+              <a:t>I don’t die lonely.</a:t>
+            </a:r>
+          </a:p>
+        </p:txBody>
+      </p:sp>
+      <p:pic>
+        <p:nvPicPr>
+          <p:cNvPr id="30" name="Picture 29">
+            <a:extLst>
+              <a:ext uri="{FF2B5EF4-FFF2-40B4-BE49-F238E27FC236}">
+                <a16:creationId xmlns:a16="http://schemas.microsoft.com/office/drawing/2014/main" id="{7F561055-112A-458C-8D75-6AB846587A56}"/>
+              </a:ext>
+            </a:extLst>
+          </p:cNvPr>
+          <p:cNvPicPr>
+            <a:picLocks noChangeAspect="1"/>
+          </p:cNvPicPr>
+          <p:nvPr/>
+        </p:nvPicPr>
+        <p:blipFill>
+          <a:blip r:embed="rId2"/>
+          <a:stretch>
+            <a:fillRect/>
+          </a:stretch>
+        </p:blipFill>
+        <p:spPr>
+          <a:xfrm>
+            <a:off x="589205" y="1657411"/>
+            <a:ext cx="639055" cy="640080"/>
+          </a:xfrm>
+          <a:prstGeom prst="rect">
+            <a:avLst/>
+          </a:prstGeom>
+        </p:spPr>
+      </p:pic>
+      <p:pic>
+        <p:nvPicPr>
+          <p:cNvPr id="31" name="Picture 30">
+            <a:extLst>
+              <a:ext uri="{FF2B5EF4-FFF2-40B4-BE49-F238E27FC236}">
+                <a16:creationId xmlns:a16="http://schemas.microsoft.com/office/drawing/2014/main" id="{9E8ACAA2-B221-4F2D-9DF4-578246986FB6}"/>
+              </a:ext>
+            </a:extLst>
+          </p:cNvPr>
+          <p:cNvPicPr>
+            <a:picLocks noChangeAspect="1"/>
+          </p:cNvPicPr>
+          <p:nvPr/>
+        </p:nvPicPr>
+        <p:blipFill>
+          <a:blip r:embed="rId3"/>
+          <a:stretch>
+            <a:fillRect/>
+          </a:stretch>
+        </p:blipFill>
+        <p:spPr>
+          <a:xfrm>
+            <a:off x="589205" y="2566822"/>
+            <a:ext cx="686040" cy="640080"/>
+          </a:xfrm>
+          <a:prstGeom prst="rect">
+            <a:avLst/>
+          </a:prstGeom>
+        </p:spPr>
+      </p:pic>
+      <p:pic>
+        <p:nvPicPr>
+          <p:cNvPr id="32" name="Picture 31">
+            <a:extLst>
+              <a:ext uri="{FF2B5EF4-FFF2-40B4-BE49-F238E27FC236}">
+                <a16:creationId xmlns:a16="http://schemas.microsoft.com/office/drawing/2014/main" id="{4CC31C2F-CA1E-4B76-B858-F1C2E638624A}"/>
+              </a:ext>
+            </a:extLst>
+          </p:cNvPr>
+          <p:cNvPicPr>
+            <a:picLocks noChangeAspect="1"/>
+          </p:cNvPicPr>
+          <p:nvPr/>
+        </p:nvPicPr>
+        <p:blipFill>
+          <a:blip r:embed="rId2"/>
+          <a:stretch>
+            <a:fillRect/>
+          </a:stretch>
+        </p:blipFill>
+        <p:spPr>
+          <a:xfrm>
+            <a:off x="589205" y="3496798"/>
+            <a:ext cx="639055" cy="640080"/>
+          </a:xfrm>
+          <a:prstGeom prst="rect">
+            <a:avLst/>
+          </a:prstGeom>
+        </p:spPr>
+      </p:pic>
+      <p:pic>
+        <p:nvPicPr>
+          <p:cNvPr id="33" name="Picture 32">
+            <a:extLst>
+              <a:ext uri="{FF2B5EF4-FFF2-40B4-BE49-F238E27FC236}">
+                <a16:creationId xmlns:a16="http://schemas.microsoft.com/office/drawing/2014/main" id="{E716EBD8-34E6-47BA-B638-0FEE58644E0D}"/>
+              </a:ext>
+            </a:extLst>
+          </p:cNvPr>
+          <p:cNvPicPr>
+            <a:picLocks noChangeAspect="1"/>
+          </p:cNvPicPr>
+          <p:nvPr/>
+        </p:nvPicPr>
+        <p:blipFill>
+          <a:blip r:embed="rId3"/>
+          <a:stretch>
+            <a:fillRect/>
+          </a:stretch>
+        </p:blipFill>
+        <p:spPr>
+          <a:xfrm>
+            <a:off x="4678048" y="1657411"/>
+            <a:ext cx="686040" cy="640080"/>
+          </a:xfrm>
+          <a:prstGeom prst="rect">
+            <a:avLst/>
+          </a:prstGeom>
+        </p:spPr>
+      </p:pic>
+      <p:pic>
+        <p:nvPicPr>
+          <p:cNvPr id="34" name="Picture 33">
+            <a:extLst>
+              <a:ext uri="{FF2B5EF4-FFF2-40B4-BE49-F238E27FC236}">
+                <a16:creationId xmlns:a16="http://schemas.microsoft.com/office/drawing/2014/main" id="{AC012B79-264E-4213-B47D-EE8B6D982473}"/>
+              </a:ext>
+            </a:extLst>
+          </p:cNvPr>
+          <p:cNvPicPr>
+            <a:picLocks noChangeAspect="1"/>
+          </p:cNvPicPr>
+          <p:nvPr/>
+        </p:nvPicPr>
+        <p:blipFill>
+          <a:blip r:embed="rId3"/>
+          <a:stretch>
+            <a:fillRect/>
+          </a:stretch>
+        </p:blipFill>
+        <p:spPr>
+          <a:xfrm>
+            <a:off x="4678048" y="3496798"/>
+            <a:ext cx="686040" cy="640080"/>
+          </a:xfrm>
+          <a:prstGeom prst="rect">
+            <a:avLst/>
+          </a:prstGeom>
+        </p:spPr>
+      </p:pic>
+      <p:pic>
+        <p:nvPicPr>
+          <p:cNvPr id="35" name="Picture 34">
+            <a:extLst>
+              <a:ext uri="{FF2B5EF4-FFF2-40B4-BE49-F238E27FC236}">
+                <a16:creationId xmlns:a16="http://schemas.microsoft.com/office/drawing/2014/main" id="{0238365E-0146-4D61-90DA-5586CD8E3B96}"/>
+              </a:ext>
+            </a:extLst>
+          </p:cNvPr>
+          <p:cNvPicPr>
+            <a:picLocks noChangeAspect="1"/>
+          </p:cNvPicPr>
+          <p:nvPr/>
+        </p:nvPicPr>
+        <p:blipFill>
+          <a:blip r:embed="rId3"/>
+          <a:stretch>
+            <a:fillRect/>
+          </a:stretch>
+        </p:blipFill>
+        <p:spPr>
+          <a:xfrm>
+            <a:off x="4678048" y="2566822"/>
+            <a:ext cx="686040" cy="640080"/>
+          </a:xfrm>
+          <a:prstGeom prst="rect">
+            <a:avLst/>
+          </a:prstGeom>
+        </p:spPr>
+      </p:pic>
     </p:spTree>
     <p:extLst>
       <p:ext uri="{BB962C8B-B14F-4D97-AF65-F5344CB8AC3E}">
-        <p14:creationId xmlns:p14="http://schemas.microsoft.com/office/powerpoint/2010/main" val="2625132427"/>
+        <p14:creationId xmlns:p14="http://schemas.microsoft.com/office/powerpoint/2010/main" val="990251168"/>
       </p:ext>
     </p:extLst>
   </p:cSld>
@@ -17676,6 +14139,16 @@
               <a:buFont typeface="Wingdings" pitchFamily="2" charset="2"/>
               <a:buChar char="Ø"/>
             </a:pPr>
+            <a:r>
+              <a:rPr lang="en-US" dirty="0"/>
+              <a:t>It’s hard to test your program with only a few data points! We could have built our cat database by leveraging a gem</a:t>
+            </a:r>
+          </a:p>
+          <a:p>
+            <a:pPr>
+              <a:buFont typeface="Wingdings" pitchFamily="2" charset="2"/>
+              <a:buChar char="Ø"/>
+            </a:pPr>
             <a:endParaRPr lang="en-US" dirty="0"/>
           </a:p>
           <a:p>
@@ -17894,6 +14367,16 @@
             <a:r>
               <a:rPr lang="en-US" sz="1200" dirty="0"/>
               <a:t>Allow the user to save a profile in the database and feature to automatically email them if a new cat match is entered into the system</a:t>
+            </a:r>
+          </a:p>
+          <a:p>
+            <a:pPr>
+              <a:buFontTx/>
+              <a:buChar char="-"/>
+            </a:pPr>
+            <a:r>
+              <a:rPr lang="en-US" sz="1200" dirty="0"/>
+              <a:t>Improve user experience of entering information!</a:t>
             </a:r>
           </a:p>
           <a:p>
